--- a/Week 3/loreswireframe.pptx
+++ b/Week 3/loreswireframe.pptx
@@ -7,6 +7,7 @@
   <p:sldIdLst>
     <p:sldId id="256" r:id="rId2"/>
     <p:sldId id="257" r:id="rId3"/>
+    <p:sldId id="258" r:id="rId4"/>
   </p:sldIdLst>
   <p:sldSz cx="12192000" cy="6858000"/>
   <p:notesSz cx="6858000" cy="9144000"/>
@@ -105,13 +106,18 @@
       </a:defRPr>
     </a:lvl9pPr>
   </p:defaultTextStyle>
+  <p:extLst>
+    <p:ext uri="{EFAFB233-063F-42B5-8137-9DF3F51BA10A}">
+      <p15:sldGuideLst xmlns:p15="http://schemas.microsoft.com/office/powerpoint/2012/main"/>
+    </p:ext>
+  </p:extLst>
 </p:presentation>
 </file>
 
 <file path=ppt/revisionInfo.xml><?xml version="1.0" encoding="utf-8"?>
 <p1510:revInfo xmlns:a="http://schemas.openxmlformats.org/drawingml/2006/main" xmlns:r="http://schemas.openxmlformats.org/officeDocument/2006/relationships" xmlns:p1510="http://schemas.microsoft.com/office/powerpoint/2015/10/main">
   <p1510:revLst>
-    <p1510:client id="{FEC7A904-D273-42F0-83AB-71E7B3BFEEAC}" v="25" dt="2023-06-13T16:42:53.306"/>
+    <p1510:client id="{FEC7A904-D273-42F0-83AB-71E7B3BFEEAC}" v="119" dt="2023-06-14T09:36:31.573"/>
   </p1510:revLst>
 </p1510:revInfo>
 </file>
@@ -120,19 +126,211 @@
 <pc:chgInfo xmlns:a="http://schemas.openxmlformats.org/drawingml/2006/main" xmlns:r="http://schemas.openxmlformats.org/officeDocument/2006/relationships" xmlns:ac="http://schemas.microsoft.com/office/drawing/2013/main/command" xmlns:pc="http://schemas.microsoft.com/office/powerpoint/2013/main/command">
   <pc:docChgLst>
     <pc:chgData name="Ryan Sundberg" userId="9d928d5ca16deceb" providerId="LiveId" clId="{FEC7A904-D273-42F0-83AB-71E7B3BFEEAC}"/>
-    <pc:docChg chg="undo custSel addSld modSld">
-      <pc:chgData name="Ryan Sundberg" userId="9d928d5ca16deceb" providerId="LiveId" clId="{FEC7A904-D273-42F0-83AB-71E7B3BFEEAC}" dt="2023-06-13T16:43:46.093" v="178" actId="20577"/>
+    <pc:docChg chg="undo redo custSel addSld modSld">
+      <pc:chgData name="Ryan Sundberg" userId="9d928d5ca16deceb" providerId="LiveId" clId="{FEC7A904-D273-42F0-83AB-71E7B3BFEEAC}" dt="2023-06-14T09:37:47.693" v="1335" actId="14100"/>
       <pc:docMkLst>
         <pc:docMk/>
       </pc:docMkLst>
-      <pc:sldChg chg="addSp modSp mod">
-        <pc:chgData name="Ryan Sundberg" userId="9d928d5ca16deceb" providerId="LiveId" clId="{FEC7A904-D273-42F0-83AB-71E7B3BFEEAC}" dt="2023-06-13T16:42:09.104" v="134" actId="20577"/>
+      <pc:sldChg chg="addSp delSp modSp mod">
+        <pc:chgData name="Ryan Sundberg" userId="9d928d5ca16deceb" providerId="LiveId" clId="{FEC7A904-D273-42F0-83AB-71E7B3BFEEAC}" dt="2023-06-14T09:34:06.162" v="1239" actId="113"/>
         <pc:sldMkLst>
           <pc:docMk/>
           <pc:sldMk cId="239924229" sldId="256"/>
         </pc:sldMkLst>
+        <pc:spChg chg="add del mod">
+          <ac:chgData name="Ryan Sundberg" userId="9d928d5ca16deceb" providerId="LiveId" clId="{FEC7A904-D273-42F0-83AB-71E7B3BFEEAC}" dt="2023-06-14T09:31:32.681" v="1201" actId="478"/>
+          <ac:spMkLst>
+            <pc:docMk/>
+            <pc:sldMk cId="239924229" sldId="256"/>
+            <ac:spMk id="2" creationId="{DFDCBA7C-60AD-FE6A-E08F-F6D50B13A84C}"/>
+          </ac:spMkLst>
+        </pc:spChg>
+        <pc:spChg chg="add del mod">
+          <ac:chgData name="Ryan Sundberg" userId="9d928d5ca16deceb" providerId="LiveId" clId="{FEC7A904-D273-42F0-83AB-71E7B3BFEEAC}" dt="2023-06-14T09:33:27.927" v="1229" actId="1076"/>
+          <ac:spMkLst>
+            <pc:docMk/>
+            <pc:sldMk cId="239924229" sldId="256"/>
+            <ac:spMk id="3" creationId="{D38669A9-BC08-07C9-FF17-165967A041CB}"/>
+          </ac:spMkLst>
+        </pc:spChg>
+        <pc:spChg chg="del mod">
+          <ac:chgData name="Ryan Sundberg" userId="9d928d5ca16deceb" providerId="LiveId" clId="{FEC7A904-D273-42F0-83AB-71E7B3BFEEAC}" dt="2023-06-14T09:12:35.542" v="891" actId="478"/>
+          <ac:spMkLst>
+            <pc:docMk/>
+            <pc:sldMk cId="239924229" sldId="256"/>
+            <ac:spMk id="4" creationId="{D1D70C9C-A904-38D7-2345-E12E54666AA4}"/>
+          </ac:spMkLst>
+        </pc:spChg>
+        <pc:spChg chg="mod ord">
+          <ac:chgData name="Ryan Sundberg" userId="9d928d5ca16deceb" providerId="LiveId" clId="{FEC7A904-D273-42F0-83AB-71E7B3BFEEAC}" dt="2023-06-14T09:33:27.927" v="1229" actId="1076"/>
+          <ac:spMkLst>
+            <pc:docMk/>
+            <pc:sldMk cId="239924229" sldId="256"/>
+            <ac:spMk id="5" creationId="{9ECB103C-6A13-2898-EBDB-9AA37CB80D59}"/>
+          </ac:spMkLst>
+        </pc:spChg>
+        <pc:spChg chg="del mod">
+          <ac:chgData name="Ryan Sundberg" userId="9d928d5ca16deceb" providerId="LiveId" clId="{FEC7A904-D273-42F0-83AB-71E7B3BFEEAC}" dt="2023-06-14T09:31:30.164" v="1200" actId="478"/>
+          <ac:spMkLst>
+            <pc:docMk/>
+            <pc:sldMk cId="239924229" sldId="256"/>
+            <ac:spMk id="6" creationId="{A607355B-1AB1-E7BF-3E74-35458E0F3831}"/>
+          </ac:spMkLst>
+        </pc:spChg>
+        <pc:spChg chg="add del mod">
+          <ac:chgData name="Ryan Sundberg" userId="9d928d5ca16deceb" providerId="LiveId" clId="{FEC7A904-D273-42F0-83AB-71E7B3BFEEAC}" dt="2023-06-14T08:35:52.109" v="193" actId="478"/>
+          <ac:spMkLst>
+            <pc:docMk/>
+            <pc:sldMk cId="239924229" sldId="256"/>
+            <ac:spMk id="7" creationId="{821F21FE-15EE-4203-85FA-876ADB2D16A6}"/>
+          </ac:spMkLst>
+        </pc:spChg>
+        <pc:spChg chg="add del">
+          <ac:chgData name="Ryan Sundberg" userId="9d928d5ca16deceb" providerId="LiveId" clId="{FEC7A904-D273-42F0-83AB-71E7B3BFEEAC}" dt="2023-06-14T08:37:13.621" v="229" actId="478"/>
+          <ac:spMkLst>
+            <pc:docMk/>
+            <pc:sldMk cId="239924229" sldId="256"/>
+            <ac:spMk id="8" creationId="{740A49BF-8A7F-D80E-1D75-FAC5561DFDC3}"/>
+          </ac:spMkLst>
+        </pc:spChg>
+        <pc:spChg chg="add del mod">
+          <ac:chgData name="Ryan Sundberg" userId="9d928d5ca16deceb" providerId="LiveId" clId="{FEC7A904-D273-42F0-83AB-71E7B3BFEEAC}" dt="2023-06-14T09:31:34.842" v="1203" actId="478"/>
+          <ac:spMkLst>
+            <pc:docMk/>
+            <pc:sldMk cId="239924229" sldId="256"/>
+            <ac:spMk id="9" creationId="{E5B09FD3-182A-0D2F-2178-03B7E889760B}"/>
+          </ac:spMkLst>
+        </pc:spChg>
+        <pc:spChg chg="mod">
+          <ac:chgData name="Ryan Sundberg" userId="9d928d5ca16deceb" providerId="LiveId" clId="{FEC7A904-D273-42F0-83AB-71E7B3BFEEAC}" dt="2023-06-14T09:04:29.481" v="660" actId="1076"/>
+          <ac:spMkLst>
+            <pc:docMk/>
+            <pc:sldMk cId="239924229" sldId="256"/>
+            <ac:spMk id="10" creationId="{FEB653DC-6A33-9521-B3D9-A0AB189B8EC9}"/>
+          </ac:spMkLst>
+        </pc:spChg>
+        <pc:spChg chg="del mod">
+          <ac:chgData name="Ryan Sundberg" userId="9d928d5ca16deceb" providerId="LiveId" clId="{FEC7A904-D273-42F0-83AB-71E7B3BFEEAC}" dt="2023-06-14T09:02:49.489" v="644" actId="478"/>
+          <ac:spMkLst>
+            <pc:docMk/>
+            <pc:sldMk cId="239924229" sldId="256"/>
+            <ac:spMk id="11" creationId="{F2D8CD20-9DB7-5262-826E-30E40514290F}"/>
+          </ac:spMkLst>
+        </pc:spChg>
+        <pc:spChg chg="del mod">
+          <ac:chgData name="Ryan Sundberg" userId="9d928d5ca16deceb" providerId="LiveId" clId="{FEC7A904-D273-42F0-83AB-71E7B3BFEEAC}" dt="2023-06-14T09:03:02.664" v="650" actId="478"/>
+          <ac:spMkLst>
+            <pc:docMk/>
+            <pc:sldMk cId="239924229" sldId="256"/>
+            <ac:spMk id="12" creationId="{1B05B709-941B-02ED-912B-EAC4F7E400E8}"/>
+          </ac:spMkLst>
+        </pc:spChg>
+        <pc:spChg chg="del mod">
+          <ac:chgData name="Ryan Sundberg" userId="9d928d5ca16deceb" providerId="LiveId" clId="{FEC7A904-D273-42F0-83AB-71E7B3BFEEAC}" dt="2023-06-14T09:03:19.945" v="654" actId="478"/>
+          <ac:spMkLst>
+            <pc:docMk/>
+            <pc:sldMk cId="239924229" sldId="256"/>
+            <ac:spMk id="13" creationId="{80EF415D-CFD5-0051-DBA9-E878A0BB915D}"/>
+          </ac:spMkLst>
+        </pc:spChg>
+        <pc:spChg chg="del mod">
+          <ac:chgData name="Ryan Sundberg" userId="9d928d5ca16deceb" providerId="LiveId" clId="{FEC7A904-D273-42F0-83AB-71E7B3BFEEAC}" dt="2023-06-14T09:01:27.115" v="626"/>
+          <ac:spMkLst>
+            <pc:docMk/>
+            <pc:sldMk cId="239924229" sldId="256"/>
+            <ac:spMk id="14" creationId="{84707F47-61E0-FB9C-8264-30D8A0C3719B}"/>
+          </ac:spMkLst>
+        </pc:spChg>
+        <pc:spChg chg="del mod">
+          <ac:chgData name="Ryan Sundberg" userId="9d928d5ca16deceb" providerId="LiveId" clId="{FEC7A904-D273-42F0-83AB-71E7B3BFEEAC}" dt="2023-06-14T09:02:41.347" v="643" actId="478"/>
+          <ac:spMkLst>
+            <pc:docMk/>
+            <pc:sldMk cId="239924229" sldId="256"/>
+            <ac:spMk id="15" creationId="{C9B9D8F5-C1E3-1765-5774-A579D74604C6}"/>
+          </ac:spMkLst>
+        </pc:spChg>
+        <pc:spChg chg="mod">
+          <ac:chgData name="Ryan Sundberg" userId="9d928d5ca16deceb" providerId="LiveId" clId="{FEC7A904-D273-42F0-83AB-71E7B3BFEEAC}" dt="2023-06-14T09:34:06.162" v="1239" actId="113"/>
+          <ac:spMkLst>
+            <pc:docMk/>
+            <pc:sldMk cId="239924229" sldId="256"/>
+            <ac:spMk id="16" creationId="{A7E180B4-75B8-E2B0-7CF9-81ADC0D640C2}"/>
+          </ac:spMkLst>
+        </pc:spChg>
+        <pc:spChg chg="mod">
+          <ac:chgData name="Ryan Sundberg" userId="9d928d5ca16deceb" providerId="LiveId" clId="{FEC7A904-D273-42F0-83AB-71E7B3BFEEAC}" dt="2023-06-14T09:33:27.927" v="1229" actId="1076"/>
+          <ac:spMkLst>
+            <pc:docMk/>
+            <pc:sldMk cId="239924229" sldId="256"/>
+            <ac:spMk id="17" creationId="{E08DA473-6963-6B06-0171-EF67EBFCF331}"/>
+          </ac:spMkLst>
+        </pc:spChg>
+        <pc:spChg chg="mod">
+          <ac:chgData name="Ryan Sundberg" userId="9d928d5ca16deceb" providerId="LiveId" clId="{FEC7A904-D273-42F0-83AB-71E7B3BFEEAC}" dt="2023-06-14T09:33:27.927" v="1229" actId="1076"/>
+          <ac:spMkLst>
+            <pc:docMk/>
+            <pc:sldMk cId="239924229" sldId="256"/>
+            <ac:spMk id="18" creationId="{9EC3FA9F-E6EA-6B9F-25D8-C3883A8319BF}"/>
+          </ac:spMkLst>
+        </pc:spChg>
+        <pc:spChg chg="add del mod">
+          <ac:chgData name="Ryan Sundberg" userId="9d928d5ca16deceb" providerId="LiveId" clId="{FEC7A904-D273-42F0-83AB-71E7B3BFEEAC}" dt="2023-06-14T08:36:50.826" v="219" actId="478"/>
+          <ac:spMkLst>
+            <pc:docMk/>
+            <pc:sldMk cId="239924229" sldId="256"/>
+            <ac:spMk id="19" creationId="{9C117233-0A57-68DE-66BF-17AE901C0EDC}"/>
+          </ac:spMkLst>
+        </pc:spChg>
+        <pc:spChg chg="add del mod">
+          <ac:chgData name="Ryan Sundberg" userId="9d928d5ca16deceb" providerId="LiveId" clId="{FEC7A904-D273-42F0-83AB-71E7B3BFEEAC}" dt="2023-06-14T09:32:44.061" v="1220" actId="478"/>
+          <ac:spMkLst>
+            <pc:docMk/>
+            <pc:sldMk cId="239924229" sldId="256"/>
+            <ac:spMk id="20" creationId="{BEFF95D1-01CE-ABD5-0390-74A8B0B5AEE3}"/>
+          </ac:spMkLst>
+        </pc:spChg>
+        <pc:spChg chg="add del mod">
+          <ac:chgData name="Ryan Sundberg" userId="9d928d5ca16deceb" providerId="LiveId" clId="{FEC7A904-D273-42F0-83AB-71E7B3BFEEAC}" dt="2023-06-14T09:33:27.927" v="1229" actId="1076"/>
+          <ac:spMkLst>
+            <pc:docMk/>
+            <pc:sldMk cId="239924229" sldId="256"/>
+            <ac:spMk id="21" creationId="{0CEB686C-FE03-5536-4D96-091C6D81F731}"/>
+          </ac:spMkLst>
+        </pc:spChg>
+        <pc:spChg chg="del mod">
+          <ac:chgData name="Ryan Sundberg" userId="9d928d5ca16deceb" providerId="LiveId" clId="{FEC7A904-D273-42F0-83AB-71E7B3BFEEAC}" dt="2023-06-14T09:02:37.281" v="641" actId="478"/>
+          <ac:spMkLst>
+            <pc:docMk/>
+            <pc:sldMk cId="239924229" sldId="256"/>
+            <ac:spMk id="22" creationId="{C908AA13-DEE2-FDB8-5E7B-4A6CD15EE45F}"/>
+          </ac:spMkLst>
+        </pc:spChg>
+        <pc:spChg chg="del mod">
+          <ac:chgData name="Ryan Sundberg" userId="9d928d5ca16deceb" providerId="LiveId" clId="{FEC7A904-D273-42F0-83AB-71E7B3BFEEAC}" dt="2023-06-14T09:03:19.945" v="654" actId="478"/>
+          <ac:spMkLst>
+            <pc:docMk/>
+            <pc:sldMk cId="239924229" sldId="256"/>
+            <ac:spMk id="23" creationId="{B8DF7588-68BE-0F49-301A-2FDBE4A538A1}"/>
+          </ac:spMkLst>
+        </pc:spChg>
+        <pc:spChg chg="del mod">
+          <ac:chgData name="Ryan Sundberg" userId="9d928d5ca16deceb" providerId="LiveId" clId="{FEC7A904-D273-42F0-83AB-71E7B3BFEEAC}" dt="2023-06-14T09:03:02.664" v="650" actId="478"/>
+          <ac:spMkLst>
+            <pc:docMk/>
+            <pc:sldMk cId="239924229" sldId="256"/>
+            <ac:spMk id="24" creationId="{B468D73C-A24E-FF18-E8E0-C589FA5AC054}"/>
+          </ac:spMkLst>
+        </pc:spChg>
+        <pc:spChg chg="del mod">
+          <ac:chgData name="Ryan Sundberg" userId="9d928d5ca16deceb" providerId="LiveId" clId="{FEC7A904-D273-42F0-83AB-71E7B3BFEEAC}" dt="2023-06-14T09:01:46.221" v="629" actId="478"/>
+          <ac:spMkLst>
+            <pc:docMk/>
+            <pc:sldMk cId="239924229" sldId="256"/>
+            <ac:spMk id="25" creationId="{91C9DEC3-DBF0-F49D-97A9-E1B75E0F7B32}"/>
+          </ac:spMkLst>
+        </pc:spChg>
         <pc:spChg chg="add mod">
-          <ac:chgData name="Ryan Sundberg" userId="9d928d5ca16deceb" providerId="LiveId" clId="{FEC7A904-D273-42F0-83AB-71E7B3BFEEAC}" dt="2023-06-13T16:41:59.075" v="117" actId="14100"/>
+          <ac:chgData name="Ryan Sundberg" userId="9d928d5ca16deceb" providerId="LiveId" clId="{FEC7A904-D273-42F0-83AB-71E7B3BFEEAC}" dt="2023-06-14T09:33:49.976" v="1234" actId="14100"/>
           <ac:spMkLst>
             <pc:docMk/>
             <pc:sldMk cId="239924229" sldId="256"/>
@@ -140,20 +338,340 @@
           </ac:spMkLst>
         </pc:spChg>
         <pc:spChg chg="add mod">
-          <ac:chgData name="Ryan Sundberg" userId="9d928d5ca16deceb" providerId="LiveId" clId="{FEC7A904-D273-42F0-83AB-71E7B3BFEEAC}" dt="2023-06-13T16:42:09.104" v="134" actId="20577"/>
+          <ac:chgData name="Ryan Sundberg" userId="9d928d5ca16deceb" providerId="LiveId" clId="{FEC7A904-D273-42F0-83AB-71E7B3BFEEAC}" dt="2023-06-14T09:33:54.404" v="1236" actId="1076"/>
           <ac:spMkLst>
             <pc:docMk/>
             <pc:sldMk cId="239924229" sldId="256"/>
             <ac:spMk id="27" creationId="{C445F471-75DF-F2B7-8A10-BBF0ABDC3C64}"/>
           </ac:spMkLst>
         </pc:spChg>
+        <pc:spChg chg="add del mod">
+          <ac:chgData name="Ryan Sundberg" userId="9d928d5ca16deceb" providerId="LiveId" clId="{FEC7A904-D273-42F0-83AB-71E7B3BFEEAC}" dt="2023-06-14T08:36:01.831" v="199"/>
+          <ac:spMkLst>
+            <pc:docMk/>
+            <pc:sldMk cId="239924229" sldId="256"/>
+            <ac:spMk id="28" creationId="{BC6D86DD-0F1C-D9E6-4DC5-257954CFC90D}"/>
+          </ac:spMkLst>
+        </pc:spChg>
+        <pc:spChg chg="add del mod">
+          <ac:chgData name="Ryan Sundberg" userId="9d928d5ca16deceb" providerId="LiveId" clId="{FEC7A904-D273-42F0-83AB-71E7B3BFEEAC}" dt="2023-06-14T08:36:01.600" v="198"/>
+          <ac:spMkLst>
+            <pc:docMk/>
+            <pc:sldMk cId="239924229" sldId="256"/>
+            <ac:spMk id="29" creationId="{E66364EB-9CCB-1780-5A25-C400F06A8099}"/>
+          </ac:spMkLst>
+        </pc:spChg>
+        <pc:spChg chg="add del mod">
+          <ac:chgData name="Ryan Sundberg" userId="9d928d5ca16deceb" providerId="LiveId" clId="{FEC7A904-D273-42F0-83AB-71E7B3BFEEAC}" dt="2023-06-14T08:36:40.770" v="215"/>
+          <ac:spMkLst>
+            <pc:docMk/>
+            <pc:sldMk cId="239924229" sldId="256"/>
+            <ac:spMk id="30" creationId="{CFE5C392-2A66-F33B-9BFE-57CD94F6F07D}"/>
+          </ac:spMkLst>
+        </pc:spChg>
+        <pc:spChg chg="add del mod">
+          <ac:chgData name="Ryan Sundberg" userId="9d928d5ca16deceb" providerId="LiveId" clId="{FEC7A904-D273-42F0-83AB-71E7B3BFEEAC}" dt="2023-06-14T08:36:40.770" v="215"/>
+          <ac:spMkLst>
+            <pc:docMk/>
+            <pc:sldMk cId="239924229" sldId="256"/>
+            <ac:spMk id="31" creationId="{7656F988-920D-D488-7313-37985D325AC2}"/>
+          </ac:spMkLst>
+        </pc:spChg>
+        <pc:spChg chg="add del mod">
+          <ac:chgData name="Ryan Sundberg" userId="9d928d5ca16deceb" providerId="LiveId" clId="{FEC7A904-D273-42F0-83AB-71E7B3BFEEAC}" dt="2023-06-14T08:37:13.621" v="229" actId="478"/>
+          <ac:spMkLst>
+            <pc:docMk/>
+            <pc:sldMk cId="239924229" sldId="256"/>
+            <ac:spMk id="32" creationId="{71D37EE8-7D6F-95FF-98CC-9AF85E20BA03}"/>
+          </ac:spMkLst>
+        </pc:spChg>
+        <pc:spChg chg="add del mod">
+          <ac:chgData name="Ryan Sundberg" userId="9d928d5ca16deceb" providerId="LiveId" clId="{FEC7A904-D273-42F0-83AB-71E7B3BFEEAC}" dt="2023-06-14T08:37:13.621" v="229" actId="478"/>
+          <ac:spMkLst>
+            <pc:docMk/>
+            <pc:sldMk cId="239924229" sldId="256"/>
+            <ac:spMk id="33" creationId="{BBFF2BF2-1B8C-ED08-763A-93CEBDC554E3}"/>
+          </ac:spMkLst>
+        </pc:spChg>
+        <pc:spChg chg="add del mod">
+          <ac:chgData name="Ryan Sundberg" userId="9d928d5ca16deceb" providerId="LiveId" clId="{FEC7A904-D273-42F0-83AB-71E7B3BFEEAC}" dt="2023-06-14T08:37:06.368" v="226"/>
+          <ac:spMkLst>
+            <pc:docMk/>
+            <pc:sldMk cId="239924229" sldId="256"/>
+            <ac:spMk id="34" creationId="{7CF214CD-C2CA-ABCF-115B-F8EF9F7873D6}"/>
+          </ac:spMkLst>
+        </pc:spChg>
+        <pc:spChg chg="add del mod">
+          <ac:chgData name="Ryan Sundberg" userId="9d928d5ca16deceb" providerId="LiveId" clId="{FEC7A904-D273-42F0-83AB-71E7B3BFEEAC}" dt="2023-06-14T08:37:06.368" v="226"/>
+          <ac:spMkLst>
+            <pc:docMk/>
+            <pc:sldMk cId="239924229" sldId="256"/>
+            <ac:spMk id="35" creationId="{39375E30-BB59-9B49-0482-669506274B65}"/>
+          </ac:spMkLst>
+        </pc:spChg>
+        <pc:spChg chg="add del mod">
+          <ac:chgData name="Ryan Sundberg" userId="9d928d5ca16deceb" providerId="LiveId" clId="{FEC7A904-D273-42F0-83AB-71E7B3BFEEAC}" dt="2023-06-14T09:31:33.904" v="1202" actId="478"/>
+          <ac:spMkLst>
+            <pc:docMk/>
+            <pc:sldMk cId="239924229" sldId="256"/>
+            <ac:spMk id="36" creationId="{94ABE94A-9FFC-A77A-AFC9-CEDA062C1616}"/>
+          </ac:spMkLst>
+        </pc:spChg>
+        <pc:spChg chg="add mod">
+          <ac:chgData name="Ryan Sundberg" userId="9d928d5ca16deceb" providerId="LiveId" clId="{FEC7A904-D273-42F0-83AB-71E7B3BFEEAC}" dt="2023-06-14T09:33:27.927" v="1229" actId="1076"/>
+          <ac:spMkLst>
+            <pc:docMk/>
+            <pc:sldMk cId="239924229" sldId="256"/>
+            <ac:spMk id="37" creationId="{4EDB8FC3-E7B6-A3F0-0E04-3229DB08632F}"/>
+          </ac:spMkLst>
+        </pc:spChg>
+        <pc:spChg chg="add del mod">
+          <ac:chgData name="Ryan Sundberg" userId="9d928d5ca16deceb" providerId="LiveId" clId="{FEC7A904-D273-42F0-83AB-71E7B3BFEEAC}" dt="2023-06-14T09:01:49.165" v="631"/>
+          <ac:spMkLst>
+            <pc:docMk/>
+            <pc:sldMk cId="239924229" sldId="256"/>
+            <ac:spMk id="38" creationId="{4C6CC241-F083-3E1A-02FD-921638AD0EE2}"/>
+          </ac:spMkLst>
+        </pc:spChg>
+        <pc:spChg chg="add del mod">
+          <ac:chgData name="Ryan Sundberg" userId="9d928d5ca16deceb" providerId="LiveId" clId="{FEC7A904-D273-42F0-83AB-71E7B3BFEEAC}" dt="2023-06-14T09:01:57.681" v="633"/>
+          <ac:spMkLst>
+            <pc:docMk/>
+            <pc:sldMk cId="239924229" sldId="256"/>
+            <ac:spMk id="39" creationId="{1599EB62-BF61-6522-E6FD-5BA66BF185DB}"/>
+          </ac:spMkLst>
+        </pc:spChg>
+        <pc:spChg chg="add mod">
+          <ac:chgData name="Ryan Sundberg" userId="9d928d5ca16deceb" providerId="LiveId" clId="{FEC7A904-D273-42F0-83AB-71E7B3BFEEAC}" dt="2023-06-14T09:04:29.481" v="660" actId="1076"/>
+          <ac:spMkLst>
+            <pc:docMk/>
+            <pc:sldMk cId="239924229" sldId="256"/>
+            <ac:spMk id="40" creationId="{5B6AB585-297A-3D88-7F07-5F049056DCFF}"/>
+          </ac:spMkLst>
+        </pc:spChg>
+        <pc:spChg chg="add mod">
+          <ac:chgData name="Ryan Sundberg" userId="9d928d5ca16deceb" providerId="LiveId" clId="{FEC7A904-D273-42F0-83AB-71E7B3BFEEAC}" dt="2023-06-14T09:03:09.726" v="652" actId="1076"/>
+          <ac:spMkLst>
+            <pc:docMk/>
+            <pc:sldMk cId="239924229" sldId="256"/>
+            <ac:spMk id="41" creationId="{DBCBBD0F-265F-EB30-F21E-00F8C6FA8859}"/>
+          </ac:spMkLst>
+        </pc:spChg>
+        <pc:spChg chg="add del mod">
+          <ac:chgData name="Ryan Sundberg" userId="9d928d5ca16deceb" providerId="LiveId" clId="{FEC7A904-D273-42F0-83AB-71E7B3BFEEAC}" dt="2023-06-14T09:05:02.817" v="699" actId="14100"/>
+          <ac:spMkLst>
+            <pc:docMk/>
+            <pc:sldMk cId="239924229" sldId="256"/>
+            <ac:spMk id="42" creationId="{E375EC1D-0AE6-01B5-EDF8-5B65D1550FAF}"/>
+          </ac:spMkLst>
+        </pc:spChg>
+        <pc:spChg chg="add mod">
+          <ac:chgData name="Ryan Sundberg" userId="9d928d5ca16deceb" providerId="LiveId" clId="{FEC7A904-D273-42F0-83AB-71E7B3BFEEAC}" dt="2023-06-14T09:06:39.125" v="730" actId="1076"/>
+          <ac:spMkLst>
+            <pc:docMk/>
+            <pc:sldMk cId="239924229" sldId="256"/>
+            <ac:spMk id="43" creationId="{D7CB54C9-A685-2042-DF80-E5349528324E}"/>
+          </ac:spMkLst>
+        </pc:spChg>
+        <pc:spChg chg="add mod">
+          <ac:chgData name="Ryan Sundberg" userId="9d928d5ca16deceb" providerId="LiveId" clId="{FEC7A904-D273-42F0-83AB-71E7B3BFEEAC}" dt="2023-06-14T09:06:39.125" v="730" actId="1076"/>
+          <ac:spMkLst>
+            <pc:docMk/>
+            <pc:sldMk cId="239924229" sldId="256"/>
+            <ac:spMk id="44" creationId="{B23D0498-1562-9337-09C0-5F280F330223}"/>
+          </ac:spMkLst>
+        </pc:spChg>
+        <pc:spChg chg="add mod">
+          <ac:chgData name="Ryan Sundberg" userId="9d928d5ca16deceb" providerId="LiveId" clId="{FEC7A904-D273-42F0-83AB-71E7B3BFEEAC}" dt="2023-06-14T09:06:29.981" v="729" actId="1076"/>
+          <ac:spMkLst>
+            <pc:docMk/>
+            <pc:sldMk cId="239924229" sldId="256"/>
+            <ac:spMk id="45" creationId="{8E30FD2E-B667-1854-81CA-E978EC299EAE}"/>
+          </ac:spMkLst>
+        </pc:spChg>
+        <pc:spChg chg="add mod">
+          <ac:chgData name="Ryan Sundberg" userId="9d928d5ca16deceb" providerId="LiveId" clId="{FEC7A904-D273-42F0-83AB-71E7B3BFEEAC}" dt="2023-06-14T09:06:29.981" v="729" actId="1076"/>
+          <ac:spMkLst>
+            <pc:docMk/>
+            <pc:sldMk cId="239924229" sldId="256"/>
+            <ac:spMk id="46" creationId="{D58C29BE-4ABB-AE93-435E-0CCA27D43320}"/>
+          </ac:spMkLst>
+        </pc:spChg>
+        <pc:spChg chg="add mod">
+          <ac:chgData name="Ryan Sundberg" userId="9d928d5ca16deceb" providerId="LiveId" clId="{FEC7A904-D273-42F0-83AB-71E7B3BFEEAC}" dt="2023-06-14T09:06:29.981" v="729" actId="1076"/>
+          <ac:spMkLst>
+            <pc:docMk/>
+            <pc:sldMk cId="239924229" sldId="256"/>
+            <ac:spMk id="47" creationId="{1E76809D-ACE6-9BCD-A9F4-23A961DA2944}"/>
+          </ac:spMkLst>
+        </pc:spChg>
+        <pc:spChg chg="add mod">
+          <ac:chgData name="Ryan Sundberg" userId="9d928d5ca16deceb" providerId="LiveId" clId="{FEC7A904-D273-42F0-83AB-71E7B3BFEEAC}" dt="2023-06-14T09:06:29.981" v="729" actId="1076"/>
+          <ac:spMkLst>
+            <pc:docMk/>
+            <pc:sldMk cId="239924229" sldId="256"/>
+            <ac:spMk id="48" creationId="{B6411961-273D-63F1-2536-2BB5B4BF6BB0}"/>
+          </ac:spMkLst>
+        </pc:spChg>
+        <pc:spChg chg="add mod">
+          <ac:chgData name="Ryan Sundberg" userId="9d928d5ca16deceb" providerId="LiveId" clId="{FEC7A904-D273-42F0-83AB-71E7B3BFEEAC}" dt="2023-06-14T09:06:39.125" v="730" actId="1076"/>
+          <ac:spMkLst>
+            <pc:docMk/>
+            <pc:sldMk cId="239924229" sldId="256"/>
+            <ac:spMk id="49" creationId="{8328485D-C210-377F-663F-118D3E877471}"/>
+          </ac:spMkLst>
+        </pc:spChg>
+        <pc:spChg chg="add mod">
+          <ac:chgData name="Ryan Sundberg" userId="9d928d5ca16deceb" providerId="LiveId" clId="{FEC7A904-D273-42F0-83AB-71E7B3BFEEAC}" dt="2023-06-14T09:06:39.125" v="730" actId="1076"/>
+          <ac:spMkLst>
+            <pc:docMk/>
+            <pc:sldMk cId="239924229" sldId="256"/>
+            <ac:spMk id="50" creationId="{94AC6094-704E-F689-2C35-10CC2866E9D9}"/>
+          </ac:spMkLst>
+        </pc:spChg>
+        <pc:spChg chg="add mod">
+          <ac:chgData name="Ryan Sundberg" userId="9d928d5ca16deceb" providerId="LiveId" clId="{FEC7A904-D273-42F0-83AB-71E7B3BFEEAC}" dt="2023-06-14T09:06:10.142" v="725" actId="14100"/>
+          <ac:spMkLst>
+            <pc:docMk/>
+            <pc:sldMk cId="239924229" sldId="256"/>
+            <ac:spMk id="51" creationId="{EF835473-283E-6FDC-DAF2-5D956743FB7B}"/>
+          </ac:spMkLst>
+        </pc:spChg>
+        <pc:spChg chg="add mod">
+          <ac:chgData name="Ryan Sundberg" userId="9d928d5ca16deceb" providerId="LiveId" clId="{FEC7A904-D273-42F0-83AB-71E7B3BFEEAC}" dt="2023-06-14T09:06:10.142" v="725" actId="14100"/>
+          <ac:spMkLst>
+            <pc:docMk/>
+            <pc:sldMk cId="239924229" sldId="256"/>
+            <ac:spMk id="52" creationId="{F05C0A89-87BF-02B6-CB6F-2C3BCE811739}"/>
+          </ac:spMkLst>
+        </pc:spChg>
+        <pc:spChg chg="add mod">
+          <ac:chgData name="Ryan Sundberg" userId="9d928d5ca16deceb" providerId="LiveId" clId="{FEC7A904-D273-42F0-83AB-71E7B3BFEEAC}" dt="2023-06-14T09:06:19.878" v="728" actId="14100"/>
+          <ac:spMkLst>
+            <pc:docMk/>
+            <pc:sldMk cId="239924229" sldId="256"/>
+            <ac:spMk id="53" creationId="{7BA05E19-D556-8308-D68B-C6B44C45DC67}"/>
+          </ac:spMkLst>
+        </pc:spChg>
+        <pc:spChg chg="add mod">
+          <ac:chgData name="Ryan Sundberg" userId="9d928d5ca16deceb" providerId="LiveId" clId="{FEC7A904-D273-42F0-83AB-71E7B3BFEEAC}" dt="2023-06-14T09:06:19.878" v="728" actId="14100"/>
+          <ac:spMkLst>
+            <pc:docMk/>
+            <pc:sldMk cId="239924229" sldId="256"/>
+            <ac:spMk id="54" creationId="{D5318264-8CC2-53B0-3035-315B28A4EE86}"/>
+          </ac:spMkLst>
+        </pc:spChg>
+        <pc:spChg chg="add">
+          <ac:chgData name="Ryan Sundberg" userId="9d928d5ca16deceb" providerId="LiveId" clId="{FEC7A904-D273-42F0-83AB-71E7B3BFEEAC}" dt="2023-06-14T09:08:51.794" v="805" actId="11529"/>
+          <ac:spMkLst>
+            <pc:docMk/>
+            <pc:sldMk cId="239924229" sldId="256"/>
+            <ac:spMk id="55" creationId="{E3D4E044-B40A-E723-6F31-237851058F52}"/>
+          </ac:spMkLst>
+        </pc:spChg>
+        <pc:spChg chg="add mod">
+          <ac:chgData name="Ryan Sundberg" userId="9d928d5ca16deceb" providerId="LiveId" clId="{FEC7A904-D273-42F0-83AB-71E7B3BFEEAC}" dt="2023-06-14T09:09:12.715" v="824" actId="1076"/>
+          <ac:spMkLst>
+            <pc:docMk/>
+            <pc:sldMk cId="239924229" sldId="256"/>
+            <ac:spMk id="56" creationId="{57565B96-68FC-60A5-685F-AC66CA5D77E2}"/>
+          </ac:spMkLst>
+        </pc:spChg>
+        <pc:spChg chg="add mod">
+          <ac:chgData name="Ryan Sundberg" userId="9d928d5ca16deceb" providerId="LiveId" clId="{FEC7A904-D273-42F0-83AB-71E7B3BFEEAC}" dt="2023-06-14T09:33:31.805" v="1230" actId="1076"/>
+          <ac:spMkLst>
+            <pc:docMk/>
+            <pc:sldMk cId="239924229" sldId="256"/>
+            <ac:spMk id="57" creationId="{7CA77A6C-F447-3400-5785-4D4DEA63A16C}"/>
+          </ac:spMkLst>
+        </pc:spChg>
+        <pc:spChg chg="add mod">
+          <ac:chgData name="Ryan Sundberg" userId="9d928d5ca16deceb" providerId="LiveId" clId="{FEC7A904-D273-42F0-83AB-71E7B3BFEEAC}" dt="2023-06-14T09:33:43.843" v="1233" actId="1076"/>
+          <ac:spMkLst>
+            <pc:docMk/>
+            <pc:sldMk cId="239924229" sldId="256"/>
+            <ac:spMk id="58" creationId="{ECE09E92-1456-002A-DB91-7AF3664BD3D4}"/>
+          </ac:spMkLst>
+        </pc:spChg>
+        <pc:spChg chg="add mod">
+          <ac:chgData name="Ryan Sundberg" userId="9d928d5ca16deceb" providerId="LiveId" clId="{FEC7A904-D273-42F0-83AB-71E7B3BFEEAC}" dt="2023-06-14T09:33:43.843" v="1233" actId="1076"/>
+          <ac:spMkLst>
+            <pc:docMk/>
+            <pc:sldMk cId="239924229" sldId="256"/>
+            <ac:spMk id="59" creationId="{493CCBA9-FF66-122D-A2DA-9E43B07EB552}"/>
+          </ac:spMkLst>
+        </pc:spChg>
+        <pc:spChg chg="add mod">
+          <ac:chgData name="Ryan Sundberg" userId="9d928d5ca16deceb" providerId="LiveId" clId="{FEC7A904-D273-42F0-83AB-71E7B3BFEEAC}" dt="2023-06-14T09:33:43.843" v="1233" actId="1076"/>
+          <ac:spMkLst>
+            <pc:docMk/>
+            <pc:sldMk cId="239924229" sldId="256"/>
+            <ac:spMk id="60" creationId="{802EFB1A-2F7E-94DF-2B07-9BD8F49C2057}"/>
+          </ac:spMkLst>
+        </pc:spChg>
+        <pc:spChg chg="add mod">
+          <ac:chgData name="Ryan Sundberg" userId="9d928d5ca16deceb" providerId="LiveId" clId="{FEC7A904-D273-42F0-83AB-71E7B3BFEEAC}" dt="2023-06-14T09:33:43.843" v="1233" actId="1076"/>
+          <ac:spMkLst>
+            <pc:docMk/>
+            <pc:sldMk cId="239924229" sldId="256"/>
+            <ac:spMk id="61" creationId="{99ADD78A-88B8-B0CD-B45E-DF437859018C}"/>
+          </ac:spMkLst>
+        </pc:spChg>
+        <pc:spChg chg="add mod">
+          <ac:chgData name="Ryan Sundberg" userId="9d928d5ca16deceb" providerId="LiveId" clId="{FEC7A904-D273-42F0-83AB-71E7B3BFEEAC}" dt="2023-06-14T09:33:43.843" v="1233" actId="1076"/>
+          <ac:spMkLst>
+            <pc:docMk/>
+            <pc:sldMk cId="239924229" sldId="256"/>
+            <ac:spMk id="62" creationId="{EC88E1B7-341D-6DD6-75FA-BD5DFA0EFF1B}"/>
+          </ac:spMkLst>
+        </pc:spChg>
+        <pc:spChg chg="add mod ord">
+          <ac:chgData name="Ryan Sundberg" userId="9d928d5ca16deceb" providerId="LiveId" clId="{FEC7A904-D273-42F0-83AB-71E7B3BFEEAC}" dt="2023-06-14T09:33:27.927" v="1229" actId="1076"/>
+          <ac:spMkLst>
+            <pc:docMk/>
+            <pc:sldMk cId="239924229" sldId="256"/>
+            <ac:spMk id="63" creationId="{B343C836-029A-238F-EAFC-9F9E5D489A6D}"/>
+          </ac:spMkLst>
+        </pc:spChg>
+        <pc:spChg chg="add mod ord">
+          <ac:chgData name="Ryan Sundberg" userId="9d928d5ca16deceb" providerId="LiveId" clId="{FEC7A904-D273-42F0-83AB-71E7B3BFEEAC}" dt="2023-06-14T09:33:27.927" v="1229" actId="1076"/>
+          <ac:spMkLst>
+            <pc:docMk/>
+            <pc:sldMk cId="239924229" sldId="256"/>
+            <ac:spMk id="64" creationId="{B80F11B3-593D-904D-D07E-AFA08BA921C0}"/>
+          </ac:spMkLst>
+        </pc:spChg>
+        <pc:spChg chg="add mod ord">
+          <ac:chgData name="Ryan Sundberg" userId="9d928d5ca16deceb" providerId="LiveId" clId="{FEC7A904-D273-42F0-83AB-71E7B3BFEEAC}" dt="2023-06-14T09:33:27.927" v="1229" actId="1076"/>
+          <ac:spMkLst>
+            <pc:docMk/>
+            <pc:sldMk cId="239924229" sldId="256"/>
+            <ac:spMk id="65" creationId="{80475B14-D32B-BC3C-0730-1BACA650DEDB}"/>
+          </ac:spMkLst>
+        </pc:spChg>
+        <pc:spChg chg="add mod ord">
+          <ac:chgData name="Ryan Sundberg" userId="9d928d5ca16deceb" providerId="LiveId" clId="{FEC7A904-D273-42F0-83AB-71E7B3BFEEAC}" dt="2023-06-14T09:33:27.927" v="1229" actId="1076"/>
+          <ac:spMkLst>
+            <pc:docMk/>
+            <pc:sldMk cId="239924229" sldId="256"/>
+            <ac:spMk id="66" creationId="{D282AD40-90D4-6EDF-A91F-970D84684FF1}"/>
+          </ac:spMkLst>
+        </pc:spChg>
       </pc:sldChg>
       <pc:sldChg chg="addSp delSp modSp new mod">
-        <pc:chgData name="Ryan Sundberg" userId="9d928d5ca16deceb" providerId="LiveId" clId="{FEC7A904-D273-42F0-83AB-71E7B3BFEEAC}" dt="2023-06-13T16:43:46.093" v="178" actId="20577"/>
+        <pc:chgData name="Ryan Sundberg" userId="9d928d5ca16deceb" providerId="LiveId" clId="{FEC7A904-D273-42F0-83AB-71E7B3BFEEAC}" dt="2023-06-14T09:34:21.919" v="1243" actId="115"/>
         <pc:sldMkLst>
           <pc:docMk/>
           <pc:sldMk cId="1231642108" sldId="257"/>
         </pc:sldMkLst>
+        <pc:spChg chg="add del">
+          <ac:chgData name="Ryan Sundberg" userId="9d928d5ca16deceb" providerId="LiveId" clId="{FEC7A904-D273-42F0-83AB-71E7B3BFEEAC}" dt="2023-06-14T08:38:54.437" v="239" actId="11529"/>
+          <ac:spMkLst>
+            <pc:docMk/>
+            <pc:sldMk cId="1231642108" sldId="257"/>
+            <ac:spMk id="2" creationId="{44E0686E-630B-DC60-9FF4-9453AB68381C}"/>
+          </ac:spMkLst>
+        </pc:spChg>
         <pc:spChg chg="del">
           <ac:chgData name="Ryan Sundberg" userId="9d928d5ca16deceb" providerId="LiveId" clId="{FEC7A904-D273-42F0-83AB-71E7B3BFEEAC}" dt="2023-06-13T16:38:28.827" v="1" actId="478"/>
           <ac:spMkLst>
@@ -171,15 +689,23 @@
           </ac:spMkLst>
         </pc:spChg>
         <pc:spChg chg="add mod">
-          <ac:chgData name="Ryan Sundberg" userId="9d928d5ca16deceb" providerId="LiveId" clId="{FEC7A904-D273-42F0-83AB-71E7B3BFEEAC}" dt="2023-06-13T16:41:47.038" v="114" actId="1076"/>
+          <ac:chgData name="Ryan Sundberg" userId="9d928d5ca16deceb" providerId="LiveId" clId="{FEC7A904-D273-42F0-83AB-71E7B3BFEEAC}" dt="2023-06-14T08:54:39.830" v="449" actId="1076"/>
+          <ac:spMkLst>
+            <pc:docMk/>
+            <pc:sldMk cId="1231642108" sldId="257"/>
+            <ac:spMk id="3" creationId="{557DF18F-A23D-9D25-8B28-7F254BADD076}"/>
+          </ac:spMkLst>
+        </pc:spChg>
+        <pc:spChg chg="add del mod">
+          <ac:chgData name="Ryan Sundberg" userId="9d928d5ca16deceb" providerId="LiveId" clId="{FEC7A904-D273-42F0-83AB-71E7B3BFEEAC}" dt="2023-06-14T08:38:14.729" v="237" actId="478"/>
           <ac:spMkLst>
             <pc:docMk/>
             <pc:sldMk cId="1231642108" sldId="257"/>
             <ac:spMk id="4" creationId="{7F542B40-6A9B-81B1-1B5C-B46DF047DE1F}"/>
           </ac:spMkLst>
         </pc:spChg>
-        <pc:spChg chg="add mod">
-          <ac:chgData name="Ryan Sundberg" userId="9d928d5ca16deceb" providerId="LiveId" clId="{FEC7A904-D273-42F0-83AB-71E7B3BFEEAC}" dt="2023-06-13T16:39:07.788" v="9" actId="13822"/>
+        <pc:spChg chg="add del mod">
+          <ac:chgData name="Ryan Sundberg" userId="9d928d5ca16deceb" providerId="LiveId" clId="{FEC7A904-D273-42F0-83AB-71E7B3BFEEAC}" dt="2023-06-14T08:43:49.493" v="284" actId="478"/>
           <ac:spMkLst>
             <pc:docMk/>
             <pc:sldMk cId="1231642108" sldId="257"/>
@@ -187,23 +713,23 @@
           </ac:spMkLst>
         </pc:spChg>
         <pc:spChg chg="add mod">
-          <ac:chgData name="Ryan Sundberg" userId="9d928d5ca16deceb" providerId="LiveId" clId="{FEC7A904-D273-42F0-83AB-71E7B3BFEEAC}" dt="2023-06-13T16:40:37.971" v="55" actId="20577"/>
+          <ac:chgData name="Ryan Sundberg" userId="9d928d5ca16deceb" providerId="LiveId" clId="{FEC7A904-D273-42F0-83AB-71E7B3BFEEAC}" dt="2023-06-14T09:34:21.919" v="1243" actId="115"/>
           <ac:spMkLst>
             <pc:docMk/>
             <pc:sldMk cId="1231642108" sldId="257"/>
             <ac:spMk id="6" creationId="{9B243656-DE0F-8815-A2B2-BCCF0B50E4EC}"/>
           </ac:spMkLst>
         </pc:spChg>
-        <pc:spChg chg="add mod">
-          <ac:chgData name="Ryan Sundberg" userId="9d928d5ca16deceb" providerId="LiveId" clId="{FEC7A904-D273-42F0-83AB-71E7B3BFEEAC}" dt="2023-06-13T16:40:20.043" v="39" actId="1076"/>
+        <pc:spChg chg="add del mod">
+          <ac:chgData name="Ryan Sundberg" userId="9d928d5ca16deceb" providerId="LiveId" clId="{FEC7A904-D273-42F0-83AB-71E7B3BFEEAC}" dt="2023-06-14T08:39:18.890" v="242" actId="478"/>
           <ac:spMkLst>
             <pc:docMk/>
             <pc:sldMk cId="1231642108" sldId="257"/>
             <ac:spMk id="7" creationId="{9F83C3C7-E25A-E453-8DC0-B0F2918A1A08}"/>
           </ac:spMkLst>
         </pc:spChg>
-        <pc:spChg chg="add mod">
-          <ac:chgData name="Ryan Sundberg" userId="9d928d5ca16deceb" providerId="LiveId" clId="{FEC7A904-D273-42F0-83AB-71E7B3BFEEAC}" dt="2023-06-13T16:40:20.043" v="39" actId="1076"/>
+        <pc:spChg chg="add del mod">
+          <ac:chgData name="Ryan Sundberg" userId="9d928d5ca16deceb" providerId="LiveId" clId="{FEC7A904-D273-42F0-83AB-71E7B3BFEEAC}" dt="2023-06-14T08:39:18.890" v="242" actId="478"/>
           <ac:spMkLst>
             <pc:docMk/>
             <pc:sldMk cId="1231642108" sldId="257"/>
@@ -218,6 +744,14 @@
             <ac:spMk id="9" creationId="{2EEE36AE-054D-9438-5609-F6C9D71F2AAA}"/>
           </ac:spMkLst>
         </pc:spChg>
+        <pc:spChg chg="add mod">
+          <ac:chgData name="Ryan Sundberg" userId="9d928d5ca16deceb" providerId="LiveId" clId="{FEC7A904-D273-42F0-83AB-71E7B3BFEEAC}" dt="2023-06-14T08:46:11.823" v="309" actId="1076"/>
+          <ac:spMkLst>
+            <pc:docMk/>
+            <pc:sldMk cId="1231642108" sldId="257"/>
+            <ac:spMk id="9" creationId="{4B7C63FE-D066-3FC9-C2E7-8B95855C5EFC}"/>
+          </ac:spMkLst>
+        </pc:spChg>
         <pc:spChg chg="add del mod">
           <ac:chgData name="Ryan Sundberg" userId="9d928d5ca16deceb" providerId="LiveId" clId="{FEC7A904-D273-42F0-83AB-71E7B3BFEEAC}" dt="2023-06-13T16:40:16.090" v="37"/>
           <ac:spMkLst>
@@ -226,6 +760,22 @@
             <ac:spMk id="10" creationId="{26C39F2A-588B-DBD8-E482-04453D09D73E}"/>
           </ac:spMkLst>
         </pc:spChg>
+        <pc:spChg chg="add mod">
+          <ac:chgData name="Ryan Sundberg" userId="9d928d5ca16deceb" providerId="LiveId" clId="{FEC7A904-D273-42F0-83AB-71E7B3BFEEAC}" dt="2023-06-14T08:55:14.489" v="461" actId="1076"/>
+          <ac:spMkLst>
+            <pc:docMk/>
+            <pc:sldMk cId="1231642108" sldId="257"/>
+            <ac:spMk id="10" creationId="{878082AA-45F9-B96F-FF28-74CA2AF90825}"/>
+          </ac:spMkLst>
+        </pc:spChg>
+        <pc:spChg chg="add mod">
+          <ac:chgData name="Ryan Sundberg" userId="9d928d5ca16deceb" providerId="LiveId" clId="{FEC7A904-D273-42F0-83AB-71E7B3BFEEAC}" dt="2023-06-14T08:46:30.319" v="315" actId="1076"/>
+          <ac:spMkLst>
+            <pc:docMk/>
+            <pc:sldMk cId="1231642108" sldId="257"/>
+            <ac:spMk id="11" creationId="{1AFAF5AE-C9E2-1BD1-BC92-790C25067A35}"/>
+          </ac:spMkLst>
+        </pc:spChg>
         <pc:spChg chg="add del mod">
           <ac:chgData name="Ryan Sundberg" userId="9d928d5ca16deceb" providerId="LiveId" clId="{FEC7A904-D273-42F0-83AB-71E7B3BFEEAC}" dt="2023-06-13T16:40:15.774" v="36"/>
           <ac:spMkLst>
@@ -234,6 +784,14 @@
             <ac:spMk id="11" creationId="{419F5905-D43D-ED79-826C-61C21E8F3D46}"/>
           </ac:spMkLst>
         </pc:spChg>
+        <pc:spChg chg="add mod">
+          <ac:chgData name="Ryan Sundberg" userId="9d928d5ca16deceb" providerId="LiveId" clId="{FEC7A904-D273-42F0-83AB-71E7B3BFEEAC}" dt="2023-06-14T08:47:06.676" v="351" actId="1076"/>
+          <ac:spMkLst>
+            <pc:docMk/>
+            <pc:sldMk cId="1231642108" sldId="257"/>
+            <ac:spMk id="12" creationId="{457B3AC5-D7E8-B117-AC78-6522E854412D}"/>
+          </ac:spMkLst>
+        </pc:spChg>
         <pc:spChg chg="add del mod">
           <ac:chgData name="Ryan Sundberg" userId="9d928d5ca16deceb" providerId="LiveId" clId="{FEC7A904-D273-42F0-83AB-71E7B3BFEEAC}" dt="2023-06-13T16:40:15.774" v="36"/>
           <ac:spMkLst>
@@ -250,6 +808,22 @@
             <ac:spMk id="13" creationId="{45E0AE20-2D23-597A-5D97-CD34F818F4D5}"/>
           </ac:spMkLst>
         </pc:spChg>
+        <pc:spChg chg="add mod">
+          <ac:chgData name="Ryan Sundberg" userId="9d928d5ca16deceb" providerId="LiveId" clId="{FEC7A904-D273-42F0-83AB-71E7B3BFEEAC}" dt="2023-06-14T09:19:34.186" v="934" actId="14100"/>
+          <ac:spMkLst>
+            <pc:docMk/>
+            <pc:sldMk cId="1231642108" sldId="257"/>
+            <ac:spMk id="13" creationId="{9826609D-6926-AD31-96BB-F33346D43A28}"/>
+          </ac:spMkLst>
+        </pc:spChg>
+        <pc:spChg chg="add mod ord">
+          <ac:chgData name="Ryan Sundberg" userId="9d928d5ca16deceb" providerId="LiveId" clId="{FEC7A904-D273-42F0-83AB-71E7B3BFEEAC}" dt="2023-06-14T09:23:39.016" v="1026" actId="1582"/>
+          <ac:spMkLst>
+            <pc:docMk/>
+            <pc:sldMk cId="1231642108" sldId="257"/>
+            <ac:spMk id="14" creationId="{BB69C2F7-09EC-4814-8FB0-213360ADC2CA}"/>
+          </ac:spMkLst>
+        </pc:spChg>
         <pc:spChg chg="add del mod">
           <ac:chgData name="Ryan Sundberg" userId="9d928d5ca16deceb" providerId="LiveId" clId="{FEC7A904-D273-42F0-83AB-71E7B3BFEEAC}" dt="2023-06-13T16:40:15.412" v="35"/>
           <ac:spMkLst>
@@ -266,6 +840,14 @@
             <ac:spMk id="15" creationId="{3AE3D983-16C1-0662-1B4E-186CA23D7989}"/>
           </ac:spMkLst>
         </pc:spChg>
+        <pc:spChg chg="add mod">
+          <ac:chgData name="Ryan Sundberg" userId="9d928d5ca16deceb" providerId="LiveId" clId="{FEC7A904-D273-42F0-83AB-71E7B3BFEEAC}" dt="2023-06-14T09:17:58.991" v="910" actId="1076"/>
+          <ac:spMkLst>
+            <pc:docMk/>
+            <pc:sldMk cId="1231642108" sldId="257"/>
+            <ac:spMk id="15" creationId="{A7F2BBFF-6625-9287-FA90-144AF88EDA89}"/>
+          </ac:spMkLst>
+        </pc:spChg>
         <pc:spChg chg="add del mod">
           <ac:chgData name="Ryan Sundberg" userId="9d928d5ca16deceb" providerId="LiveId" clId="{FEC7A904-D273-42F0-83AB-71E7B3BFEEAC}" dt="2023-06-13T16:40:13.711" v="34"/>
           <ac:spMkLst>
@@ -274,6 +856,14 @@
             <ac:spMk id="16" creationId="{02958CCF-CE52-A7E9-5A34-5CC30EB08200}"/>
           </ac:spMkLst>
         </pc:spChg>
+        <pc:spChg chg="add mod ord">
+          <ac:chgData name="Ryan Sundberg" userId="9d928d5ca16deceb" providerId="LiveId" clId="{FEC7A904-D273-42F0-83AB-71E7B3BFEEAC}" dt="2023-06-14T09:18:49.699" v="922" actId="166"/>
+          <ac:spMkLst>
+            <pc:docMk/>
+            <pc:sldMk cId="1231642108" sldId="257"/>
+            <ac:spMk id="16" creationId="{D7534418-0F41-F727-B18C-AFF4F706796C}"/>
+          </ac:spMkLst>
+        </pc:spChg>
         <pc:spChg chg="add del mod">
           <ac:chgData name="Ryan Sundberg" userId="9d928d5ca16deceb" providerId="LiveId" clId="{FEC7A904-D273-42F0-83AB-71E7B3BFEEAC}" dt="2023-06-13T16:40:11.632" v="29"/>
           <ac:spMkLst>
@@ -282,6 +872,14 @@
             <ac:spMk id="17" creationId="{54FCD170-40CF-7738-CF42-64BA0CC519B6}"/>
           </ac:spMkLst>
         </pc:spChg>
+        <pc:spChg chg="add mod">
+          <ac:chgData name="Ryan Sundberg" userId="9d928d5ca16deceb" providerId="LiveId" clId="{FEC7A904-D273-42F0-83AB-71E7B3BFEEAC}" dt="2023-06-14T09:18:57.219" v="924" actId="1076"/>
+          <ac:spMkLst>
+            <pc:docMk/>
+            <pc:sldMk cId="1231642108" sldId="257"/>
+            <ac:spMk id="17" creationId="{95FCCE86-84AA-786C-BB36-6F4C4AFF7376}"/>
+          </ac:spMkLst>
+        </pc:spChg>
         <pc:spChg chg="add del mod">
           <ac:chgData name="Ryan Sundberg" userId="9d928d5ca16deceb" providerId="LiveId" clId="{FEC7A904-D273-42F0-83AB-71E7B3BFEEAC}" dt="2023-06-13T16:40:11.632" v="29"/>
           <ac:spMkLst>
@@ -290,6 +888,22 @@
             <ac:spMk id="18" creationId="{2899CC2C-7917-326D-00A6-E2912F0D81E8}"/>
           </ac:spMkLst>
         </pc:spChg>
+        <pc:spChg chg="add mod">
+          <ac:chgData name="Ryan Sundberg" userId="9d928d5ca16deceb" providerId="LiveId" clId="{FEC7A904-D273-42F0-83AB-71E7B3BFEEAC}" dt="2023-06-14T08:54:33.961" v="447" actId="1076"/>
+          <ac:spMkLst>
+            <pc:docMk/>
+            <pc:sldMk cId="1231642108" sldId="257"/>
+            <ac:spMk id="18" creationId="{6674A9DF-ED7A-E998-E367-071F9BAE9EEB}"/>
+          </ac:spMkLst>
+        </pc:spChg>
+        <pc:spChg chg="add mod">
+          <ac:chgData name="Ryan Sundberg" userId="9d928d5ca16deceb" providerId="LiveId" clId="{FEC7A904-D273-42F0-83AB-71E7B3BFEEAC}" dt="2023-06-14T08:54:42.943" v="450" actId="1076"/>
+          <ac:spMkLst>
+            <pc:docMk/>
+            <pc:sldMk cId="1231642108" sldId="257"/>
+            <ac:spMk id="19" creationId="{DAD4158E-D158-8963-C14A-3AC23ACA9477}"/>
+          </ac:spMkLst>
+        </pc:spChg>
         <pc:spChg chg="add del mod">
           <ac:chgData name="Ryan Sundberg" userId="9d928d5ca16deceb" providerId="LiveId" clId="{FEC7A904-D273-42F0-83AB-71E7B3BFEEAC}" dt="2023-06-13T16:40:11.422" v="28"/>
           <ac:spMkLst>
@@ -298,6 +912,14 @@
             <ac:spMk id="19" creationId="{F34DFB0E-1F66-EAA5-63EF-14DD679F31D2}"/>
           </ac:spMkLst>
         </pc:spChg>
+        <pc:spChg chg="add mod">
+          <ac:chgData name="Ryan Sundberg" userId="9d928d5ca16deceb" providerId="LiveId" clId="{FEC7A904-D273-42F0-83AB-71E7B3BFEEAC}" dt="2023-06-14T08:54:54.548" v="454" actId="1076"/>
+          <ac:spMkLst>
+            <pc:docMk/>
+            <pc:sldMk cId="1231642108" sldId="257"/>
+            <ac:spMk id="20" creationId="{34E98191-1101-45E5-1A8B-6933A6FD6121}"/>
+          </ac:spMkLst>
+        </pc:spChg>
         <pc:spChg chg="add del mod">
           <ac:chgData name="Ryan Sundberg" userId="9d928d5ca16deceb" providerId="LiveId" clId="{FEC7A904-D273-42F0-83AB-71E7B3BFEEAC}" dt="2023-06-13T16:40:11.422" v="28"/>
           <ac:spMkLst>
@@ -306,80 +928,80 @@
             <ac:spMk id="20" creationId="{B3E4E166-10FC-7F1D-FFB3-D10AB789625A}"/>
           </ac:spMkLst>
         </pc:spChg>
-        <pc:spChg chg="add mod">
-          <ac:chgData name="Ryan Sundberg" userId="9d928d5ca16deceb" providerId="LiveId" clId="{FEC7A904-D273-42F0-83AB-71E7B3BFEEAC}" dt="2023-06-13T16:40:23.314" v="41" actId="1076"/>
+        <pc:spChg chg="add del mod">
+          <ac:chgData name="Ryan Sundberg" userId="9d928d5ca16deceb" providerId="LiveId" clId="{FEC7A904-D273-42F0-83AB-71E7B3BFEEAC}" dt="2023-06-14T08:39:18.890" v="242" actId="478"/>
           <ac:spMkLst>
             <pc:docMk/>
             <pc:sldMk cId="1231642108" sldId="257"/>
             <ac:spMk id="21" creationId="{E79EFE57-3FB5-F564-2F18-4012F4BE5411}"/>
           </ac:spMkLst>
         </pc:spChg>
-        <pc:spChg chg="add mod">
-          <ac:chgData name="Ryan Sundberg" userId="9d928d5ca16deceb" providerId="LiveId" clId="{FEC7A904-D273-42F0-83AB-71E7B3BFEEAC}" dt="2023-06-13T16:40:23.314" v="41" actId="1076"/>
+        <pc:spChg chg="add del mod">
+          <ac:chgData name="Ryan Sundberg" userId="9d928d5ca16deceb" providerId="LiveId" clId="{FEC7A904-D273-42F0-83AB-71E7B3BFEEAC}" dt="2023-06-14T08:39:18.890" v="242" actId="478"/>
           <ac:spMkLst>
             <pc:docMk/>
             <pc:sldMk cId="1231642108" sldId="257"/>
             <ac:spMk id="22" creationId="{2E62665E-C9C2-7CB3-5D54-A99FE6273236}"/>
           </ac:spMkLst>
         </pc:spChg>
-        <pc:spChg chg="add mod">
-          <ac:chgData name="Ryan Sundberg" userId="9d928d5ca16deceb" providerId="LiveId" clId="{FEC7A904-D273-42F0-83AB-71E7B3BFEEAC}" dt="2023-06-13T16:40:26.338" v="43" actId="1076"/>
+        <pc:spChg chg="add del mod">
+          <ac:chgData name="Ryan Sundberg" userId="9d928d5ca16deceb" providerId="LiveId" clId="{FEC7A904-D273-42F0-83AB-71E7B3BFEEAC}" dt="2023-06-14T08:39:18.890" v="242" actId="478"/>
           <ac:spMkLst>
             <pc:docMk/>
             <pc:sldMk cId="1231642108" sldId="257"/>
             <ac:spMk id="23" creationId="{15E44D86-C0B6-900D-1AC6-7CE3CCE4AF86}"/>
           </ac:spMkLst>
         </pc:spChg>
-        <pc:spChg chg="add mod">
-          <ac:chgData name="Ryan Sundberg" userId="9d928d5ca16deceb" providerId="LiveId" clId="{FEC7A904-D273-42F0-83AB-71E7B3BFEEAC}" dt="2023-06-13T16:40:26.338" v="43" actId="1076"/>
+        <pc:spChg chg="add del mod">
+          <ac:chgData name="Ryan Sundberg" userId="9d928d5ca16deceb" providerId="LiveId" clId="{FEC7A904-D273-42F0-83AB-71E7B3BFEEAC}" dt="2023-06-14T08:39:18.890" v="242" actId="478"/>
           <ac:spMkLst>
             <pc:docMk/>
             <pc:sldMk cId="1231642108" sldId="257"/>
             <ac:spMk id="24" creationId="{5BF7EF37-B677-20C9-ECD7-0BE1EEE79486}"/>
           </ac:spMkLst>
         </pc:spChg>
-        <pc:spChg chg="add mod">
-          <ac:chgData name="Ryan Sundberg" userId="9d928d5ca16deceb" providerId="LiveId" clId="{FEC7A904-D273-42F0-83AB-71E7B3BFEEAC}" dt="2023-06-13T16:40:30.472" v="45" actId="1076"/>
+        <pc:spChg chg="add del mod">
+          <ac:chgData name="Ryan Sundberg" userId="9d928d5ca16deceb" providerId="LiveId" clId="{FEC7A904-D273-42F0-83AB-71E7B3BFEEAC}" dt="2023-06-14T08:39:18.890" v="242" actId="478"/>
           <ac:spMkLst>
             <pc:docMk/>
             <pc:sldMk cId="1231642108" sldId="257"/>
             <ac:spMk id="25" creationId="{9EE40796-E32D-DAF0-E5F2-6F358DC90BEF}"/>
           </ac:spMkLst>
         </pc:spChg>
-        <pc:spChg chg="add mod">
-          <ac:chgData name="Ryan Sundberg" userId="9d928d5ca16deceb" providerId="LiveId" clId="{FEC7A904-D273-42F0-83AB-71E7B3BFEEAC}" dt="2023-06-13T16:40:30.472" v="45" actId="1076"/>
+        <pc:spChg chg="add del mod">
+          <ac:chgData name="Ryan Sundberg" userId="9d928d5ca16deceb" providerId="LiveId" clId="{FEC7A904-D273-42F0-83AB-71E7B3BFEEAC}" dt="2023-06-14T08:39:18.890" v="242" actId="478"/>
           <ac:spMkLst>
             <pc:docMk/>
             <pc:sldMk cId="1231642108" sldId="257"/>
             <ac:spMk id="26" creationId="{D1562B99-9FB7-9F9B-0845-9B23BB3F40F2}"/>
           </ac:spMkLst>
         </pc:spChg>
-        <pc:spChg chg="add mod">
-          <ac:chgData name="Ryan Sundberg" userId="9d928d5ca16deceb" providerId="LiveId" clId="{FEC7A904-D273-42F0-83AB-71E7B3BFEEAC}" dt="2023-06-13T16:40:33.835" v="47" actId="1076"/>
+        <pc:spChg chg="add del mod">
+          <ac:chgData name="Ryan Sundberg" userId="9d928d5ca16deceb" providerId="LiveId" clId="{FEC7A904-D273-42F0-83AB-71E7B3BFEEAC}" dt="2023-06-14T08:39:18.890" v="242" actId="478"/>
           <ac:spMkLst>
             <pc:docMk/>
             <pc:sldMk cId="1231642108" sldId="257"/>
             <ac:spMk id="27" creationId="{22F7258E-7E49-283C-19EE-20B20835E837}"/>
           </ac:spMkLst>
         </pc:spChg>
-        <pc:spChg chg="add mod">
-          <ac:chgData name="Ryan Sundberg" userId="9d928d5ca16deceb" providerId="LiveId" clId="{FEC7A904-D273-42F0-83AB-71E7B3BFEEAC}" dt="2023-06-13T16:40:33.835" v="47" actId="1076"/>
+        <pc:spChg chg="add del mod">
+          <ac:chgData name="Ryan Sundberg" userId="9d928d5ca16deceb" providerId="LiveId" clId="{FEC7A904-D273-42F0-83AB-71E7B3BFEEAC}" dt="2023-06-14T08:39:18.890" v="242" actId="478"/>
           <ac:spMkLst>
             <pc:docMk/>
             <pc:sldMk cId="1231642108" sldId="257"/>
             <ac:spMk id="28" creationId="{B24CE886-BB2B-F599-A3B0-B5D43C5C84B1}"/>
           </ac:spMkLst>
         </pc:spChg>
-        <pc:spChg chg="add mod">
-          <ac:chgData name="Ryan Sundberg" userId="9d928d5ca16deceb" providerId="LiveId" clId="{FEC7A904-D273-42F0-83AB-71E7B3BFEEAC}" dt="2023-06-13T16:41:00.837" v="59" actId="1076"/>
+        <pc:spChg chg="add del mod">
+          <ac:chgData name="Ryan Sundberg" userId="9d928d5ca16deceb" providerId="LiveId" clId="{FEC7A904-D273-42F0-83AB-71E7B3BFEEAC}" dt="2023-06-14T08:39:04.973" v="241" actId="478"/>
           <ac:spMkLst>
             <pc:docMk/>
             <pc:sldMk cId="1231642108" sldId="257"/>
             <ac:spMk id="29" creationId="{043E04CC-2EC3-CD12-46E7-D932BECF505B}"/>
           </ac:spMkLst>
         </pc:spChg>
-        <pc:spChg chg="add mod">
-          <ac:chgData name="Ryan Sundberg" userId="9d928d5ca16deceb" providerId="LiveId" clId="{FEC7A904-D273-42F0-83AB-71E7B3BFEEAC}" dt="2023-06-13T16:41:12.659" v="103" actId="20577"/>
+        <pc:spChg chg="add del mod">
+          <ac:chgData name="Ryan Sundberg" userId="9d928d5ca16deceb" providerId="LiveId" clId="{FEC7A904-D273-42F0-83AB-71E7B3BFEEAC}" dt="2023-06-14T08:39:04.973" v="241" actId="478"/>
           <ac:spMkLst>
             <pc:docMk/>
             <pc:sldMk cId="1231642108" sldId="257"/>
@@ -387,83 +1009,698 @@
           </ac:spMkLst>
         </pc:spChg>
         <pc:spChg chg="add mod">
-          <ac:chgData name="Ryan Sundberg" userId="9d928d5ca16deceb" providerId="LiveId" clId="{FEC7A904-D273-42F0-83AB-71E7B3BFEEAC}" dt="2023-06-13T16:42:20.895" v="145" actId="14100"/>
+          <ac:chgData name="Ryan Sundberg" userId="9d928d5ca16deceb" providerId="LiveId" clId="{FEC7A904-D273-42F0-83AB-71E7B3BFEEAC}" dt="2023-06-14T08:58:07.075" v="568" actId="1076"/>
           <ac:spMkLst>
             <pc:docMk/>
             <pc:sldMk cId="1231642108" sldId="257"/>
             <ac:spMk id="31" creationId="{75BB2F26-DCA6-E3B2-2AED-3D913E6E1B4C}"/>
           </ac:spMkLst>
         </pc:spChg>
-        <pc:spChg chg="add mod">
-          <ac:chgData name="Ryan Sundberg" userId="9d928d5ca16deceb" providerId="LiveId" clId="{FEC7A904-D273-42F0-83AB-71E7B3BFEEAC}" dt="2023-06-13T16:42:23.019" v="146" actId="14100"/>
+        <pc:spChg chg="add del mod">
+          <ac:chgData name="Ryan Sundberg" userId="9d928d5ca16deceb" providerId="LiveId" clId="{FEC7A904-D273-42F0-83AB-71E7B3BFEEAC}" dt="2023-06-14T09:08:10.831" v="798" actId="478"/>
           <ac:spMkLst>
             <pc:docMk/>
             <pc:sldMk cId="1231642108" sldId="257"/>
             <ac:spMk id="32" creationId="{01172F56-A790-FA73-D95E-A31D97AE186D}"/>
           </ac:spMkLst>
         </pc:spChg>
-        <pc:spChg chg="add mod">
-          <ac:chgData name="Ryan Sundberg" userId="9d928d5ca16deceb" providerId="LiveId" clId="{FEC7A904-D273-42F0-83AB-71E7B3BFEEAC}" dt="2023-06-13T16:42:51.749" v="154" actId="14100"/>
+        <pc:spChg chg="add del mod">
+          <ac:chgData name="Ryan Sundberg" userId="9d928d5ca16deceb" providerId="LiveId" clId="{FEC7A904-D273-42F0-83AB-71E7B3BFEEAC}" dt="2023-06-14T08:42:41.516" v="268" actId="478"/>
           <ac:spMkLst>
             <pc:docMk/>
             <pc:sldMk cId="1231642108" sldId="257"/>
             <ac:spMk id="33" creationId="{60F0F6EF-FECC-BBCE-BD31-591015789A14}"/>
           </ac:spMkLst>
         </pc:spChg>
-        <pc:spChg chg="add mod">
-          <ac:chgData name="Ryan Sundberg" userId="9d928d5ca16deceb" providerId="LiveId" clId="{FEC7A904-D273-42F0-83AB-71E7B3BFEEAC}" dt="2023-06-13T16:42:49.517" v="153" actId="14100"/>
+        <pc:spChg chg="add del mod">
+          <ac:chgData name="Ryan Sundberg" userId="9d928d5ca16deceb" providerId="LiveId" clId="{FEC7A904-D273-42F0-83AB-71E7B3BFEEAC}" dt="2023-06-14T08:42:41.516" v="268" actId="478"/>
           <ac:spMkLst>
             <pc:docMk/>
             <pc:sldMk cId="1231642108" sldId="257"/>
             <ac:spMk id="34" creationId="{2539307A-983D-7578-AFD3-0642C6F49B71}"/>
           </ac:spMkLst>
         </pc:spChg>
-        <pc:spChg chg="add mod">
-          <ac:chgData name="Ryan Sundberg" userId="9d928d5ca16deceb" providerId="LiveId" clId="{FEC7A904-D273-42F0-83AB-71E7B3BFEEAC}" dt="2023-06-13T16:43:26.117" v="168" actId="1076"/>
+        <pc:spChg chg="add del mod">
+          <ac:chgData name="Ryan Sundberg" userId="9d928d5ca16deceb" providerId="LiveId" clId="{FEC7A904-D273-42F0-83AB-71E7B3BFEEAC}" dt="2023-06-14T08:42:41.516" v="268" actId="478"/>
           <ac:spMkLst>
             <pc:docMk/>
             <pc:sldMk cId="1231642108" sldId="257"/>
             <ac:spMk id="35" creationId="{C0797EFD-4B03-324D-D7C4-AC3ADB8ACDB7}"/>
           </ac:spMkLst>
         </pc:spChg>
-        <pc:spChg chg="add mod">
-          <ac:chgData name="Ryan Sundberg" userId="9d928d5ca16deceb" providerId="LiveId" clId="{FEC7A904-D273-42F0-83AB-71E7B3BFEEAC}" dt="2023-06-13T16:43:33.885" v="171" actId="20577"/>
+        <pc:spChg chg="add del mod">
+          <ac:chgData name="Ryan Sundberg" userId="9d928d5ca16deceb" providerId="LiveId" clId="{FEC7A904-D273-42F0-83AB-71E7B3BFEEAC}" dt="2023-06-14T08:42:41.516" v="268" actId="478"/>
           <ac:spMkLst>
             <pc:docMk/>
             <pc:sldMk cId="1231642108" sldId="257"/>
             <ac:spMk id="36" creationId="{5613EAF9-1977-8D57-7EB9-19B3B677B3E8}"/>
           </ac:spMkLst>
         </pc:spChg>
-        <pc:spChg chg="add mod">
-          <ac:chgData name="Ryan Sundberg" userId="9d928d5ca16deceb" providerId="LiveId" clId="{FEC7A904-D273-42F0-83AB-71E7B3BFEEAC}" dt="2023-06-13T16:43:17.890" v="166" actId="1076"/>
+        <pc:spChg chg="add del mod">
+          <ac:chgData name="Ryan Sundberg" userId="9d928d5ca16deceb" providerId="LiveId" clId="{FEC7A904-D273-42F0-83AB-71E7B3BFEEAC}" dt="2023-06-14T08:42:41.516" v="268" actId="478"/>
           <ac:spMkLst>
             <pc:docMk/>
             <pc:sldMk cId="1231642108" sldId="257"/>
             <ac:spMk id="37" creationId="{1AC021F9-10B5-FC61-4944-3C1274629F91}"/>
           </ac:spMkLst>
         </pc:spChg>
-        <pc:spChg chg="add mod">
-          <ac:chgData name="Ryan Sundberg" userId="9d928d5ca16deceb" providerId="LiveId" clId="{FEC7A904-D273-42F0-83AB-71E7B3BFEEAC}" dt="2023-06-13T16:43:37.044" v="173" actId="20577"/>
+        <pc:spChg chg="add del mod">
+          <ac:chgData name="Ryan Sundberg" userId="9d928d5ca16deceb" providerId="LiveId" clId="{FEC7A904-D273-42F0-83AB-71E7B3BFEEAC}" dt="2023-06-14T08:42:41.516" v="268" actId="478"/>
           <ac:spMkLst>
             <pc:docMk/>
             <pc:sldMk cId="1231642108" sldId="257"/>
             <ac:spMk id="38" creationId="{3FB29616-7A4F-4391-202B-F2D3EC165C88}"/>
           </ac:spMkLst>
         </pc:spChg>
-        <pc:spChg chg="add mod">
-          <ac:chgData name="Ryan Sundberg" userId="9d928d5ca16deceb" providerId="LiveId" clId="{FEC7A904-D273-42F0-83AB-71E7B3BFEEAC}" dt="2023-06-13T16:43:06.795" v="162" actId="1076"/>
+        <pc:spChg chg="add del mod">
+          <ac:chgData name="Ryan Sundberg" userId="9d928d5ca16deceb" providerId="LiveId" clId="{FEC7A904-D273-42F0-83AB-71E7B3BFEEAC}" dt="2023-06-14T08:42:41.516" v="268" actId="478"/>
           <ac:spMkLst>
             <pc:docMk/>
             <pc:sldMk cId="1231642108" sldId="257"/>
             <ac:spMk id="39" creationId="{FC7190DC-76F8-C4CA-C87D-8ED960F8ADA2}"/>
           </ac:spMkLst>
         </pc:spChg>
-        <pc:spChg chg="add mod">
-          <ac:chgData name="Ryan Sundberg" userId="9d928d5ca16deceb" providerId="LiveId" clId="{FEC7A904-D273-42F0-83AB-71E7B3BFEEAC}" dt="2023-06-13T16:43:46.093" v="178" actId="20577"/>
+        <pc:spChg chg="add del mod">
+          <ac:chgData name="Ryan Sundberg" userId="9d928d5ca16deceb" providerId="LiveId" clId="{FEC7A904-D273-42F0-83AB-71E7B3BFEEAC}" dt="2023-06-14T08:42:41.516" v="268" actId="478"/>
           <ac:spMkLst>
             <pc:docMk/>
             <pc:sldMk cId="1231642108" sldId="257"/>
             <ac:spMk id="40" creationId="{8674D817-B165-65FC-6CC8-E25FF93209F5}"/>
+          </ac:spMkLst>
+        </pc:spChg>
+        <pc:spChg chg="add mod">
+          <ac:chgData name="Ryan Sundberg" userId="9d928d5ca16deceb" providerId="LiveId" clId="{FEC7A904-D273-42F0-83AB-71E7B3BFEEAC}" dt="2023-06-14T08:55:09.972" v="460" actId="1076"/>
+          <ac:spMkLst>
+            <pc:docMk/>
+            <pc:sldMk cId="1231642108" sldId="257"/>
+            <ac:spMk id="41" creationId="{8DD23417-22EC-003D-F07C-D2E63BB763AB}"/>
+          </ac:spMkLst>
+        </pc:spChg>
+        <pc:spChg chg="add mod">
+          <ac:chgData name="Ryan Sundberg" userId="9d928d5ca16deceb" providerId="LiveId" clId="{FEC7A904-D273-42F0-83AB-71E7B3BFEEAC}" dt="2023-06-14T08:55:08.339" v="459" actId="1076"/>
+          <ac:spMkLst>
+            <pc:docMk/>
+            <pc:sldMk cId="1231642108" sldId="257"/>
+            <ac:spMk id="42" creationId="{B1170EEA-4278-619F-33FB-17C43EFD9226}"/>
+          </ac:spMkLst>
+        </pc:spChg>
+        <pc:spChg chg="add del mod">
+          <ac:chgData name="Ryan Sundberg" userId="9d928d5ca16deceb" providerId="LiveId" clId="{FEC7A904-D273-42F0-83AB-71E7B3BFEEAC}" dt="2023-06-14T09:11:05.533" v="874" actId="21"/>
+          <ac:spMkLst>
+            <pc:docMk/>
+            <pc:sldMk cId="1231642108" sldId="257"/>
+            <ac:spMk id="43" creationId="{3346FBA0-2F22-CEB7-094D-7A6A3A987096}"/>
+          </ac:spMkLst>
+        </pc:spChg>
+        <pc:spChg chg="add del mod">
+          <ac:chgData name="Ryan Sundberg" userId="9d928d5ca16deceb" providerId="LiveId" clId="{FEC7A904-D273-42F0-83AB-71E7B3BFEEAC}" dt="2023-06-14T08:47:28.366" v="358" actId="478"/>
+          <ac:spMkLst>
+            <pc:docMk/>
+            <pc:sldMk cId="1231642108" sldId="257"/>
+            <ac:spMk id="44" creationId="{EB97CB61-AB10-D596-E775-DE203AF1E972}"/>
+          </ac:spMkLst>
+        </pc:spChg>
+        <pc:spChg chg="add del mod">
+          <ac:chgData name="Ryan Sundberg" userId="9d928d5ca16deceb" providerId="LiveId" clId="{FEC7A904-D273-42F0-83AB-71E7B3BFEEAC}" dt="2023-06-14T08:47:28.366" v="358" actId="478"/>
+          <ac:spMkLst>
+            <pc:docMk/>
+            <pc:sldMk cId="1231642108" sldId="257"/>
+            <ac:spMk id="45" creationId="{A00573B6-9441-2F8F-55E9-05D1A8DD016F}"/>
+          </ac:spMkLst>
+        </pc:spChg>
+        <pc:spChg chg="add del mod">
+          <ac:chgData name="Ryan Sundberg" userId="9d928d5ca16deceb" providerId="LiveId" clId="{FEC7A904-D273-42F0-83AB-71E7B3BFEEAC}" dt="2023-06-14T08:47:28.366" v="358" actId="478"/>
+          <ac:spMkLst>
+            <pc:docMk/>
+            <pc:sldMk cId="1231642108" sldId="257"/>
+            <ac:spMk id="46" creationId="{34032BD5-10A6-7F6D-A36B-2B258E636744}"/>
+          </ac:spMkLst>
+        </pc:spChg>
+        <pc:spChg chg="add del mod">
+          <ac:chgData name="Ryan Sundberg" userId="9d928d5ca16deceb" providerId="LiveId" clId="{FEC7A904-D273-42F0-83AB-71E7B3BFEEAC}" dt="2023-06-14T09:11:05.533" v="874" actId="21"/>
+          <ac:spMkLst>
+            <pc:docMk/>
+            <pc:sldMk cId="1231642108" sldId="257"/>
+            <ac:spMk id="47" creationId="{28E65CBB-68B0-7A7B-4EB4-EE4F313F4392}"/>
+          </ac:spMkLst>
+        </pc:spChg>
+        <pc:spChg chg="add del mod">
+          <ac:chgData name="Ryan Sundberg" userId="9d928d5ca16deceb" providerId="LiveId" clId="{FEC7A904-D273-42F0-83AB-71E7B3BFEEAC}" dt="2023-06-14T09:11:05.533" v="874" actId="21"/>
+          <ac:spMkLst>
+            <pc:docMk/>
+            <pc:sldMk cId="1231642108" sldId="257"/>
+            <ac:spMk id="48" creationId="{FDEC437A-96F1-CF4F-A664-BA83EFA02D16}"/>
+          </ac:spMkLst>
+        </pc:spChg>
+        <pc:spChg chg="add del mod">
+          <ac:chgData name="Ryan Sundberg" userId="9d928d5ca16deceb" providerId="LiveId" clId="{FEC7A904-D273-42F0-83AB-71E7B3BFEEAC}" dt="2023-06-14T09:11:05.533" v="874" actId="21"/>
+          <ac:spMkLst>
+            <pc:docMk/>
+            <pc:sldMk cId="1231642108" sldId="257"/>
+            <ac:spMk id="49" creationId="{7BB00220-33E4-EC1D-3FB5-15438FE3BFAA}"/>
+          </ac:spMkLst>
+        </pc:spChg>
+        <pc:spChg chg="add del mod">
+          <ac:chgData name="Ryan Sundberg" userId="9d928d5ca16deceb" providerId="LiveId" clId="{FEC7A904-D273-42F0-83AB-71E7B3BFEEAC}" dt="2023-06-14T09:11:05.533" v="874" actId="21"/>
+          <ac:spMkLst>
+            <pc:docMk/>
+            <pc:sldMk cId="1231642108" sldId="257"/>
+            <ac:spMk id="50" creationId="{240B7773-8E68-318F-24E4-90CC41B19808}"/>
+          </ac:spMkLst>
+        </pc:spChg>
+        <pc:spChg chg="add mod">
+          <ac:chgData name="Ryan Sundberg" userId="9d928d5ca16deceb" providerId="LiveId" clId="{FEC7A904-D273-42F0-83AB-71E7B3BFEEAC}" dt="2023-06-14T09:19:37.542" v="935" actId="1076"/>
+          <ac:spMkLst>
+            <pc:docMk/>
+            <pc:sldMk cId="1231642108" sldId="257"/>
+            <ac:spMk id="51" creationId="{0EB085B2-715B-64DA-7C95-8B29C81A160F}"/>
+          </ac:spMkLst>
+        </pc:spChg>
+        <pc:spChg chg="add mod">
+          <ac:chgData name="Ryan Sundberg" userId="9d928d5ca16deceb" providerId="LiveId" clId="{FEC7A904-D273-42F0-83AB-71E7B3BFEEAC}" dt="2023-06-14T09:19:12.557" v="928" actId="1076"/>
+          <ac:spMkLst>
+            <pc:docMk/>
+            <pc:sldMk cId="1231642108" sldId="257"/>
+            <ac:spMk id="52" creationId="{6610CBB3-78BD-6CAB-C309-D8CA39391355}"/>
+          </ac:spMkLst>
+        </pc:spChg>
+        <pc:spChg chg="add mod ord">
+          <ac:chgData name="Ryan Sundberg" userId="9d928d5ca16deceb" providerId="LiveId" clId="{FEC7A904-D273-42F0-83AB-71E7B3BFEEAC}" dt="2023-06-14T09:18:49.699" v="922" actId="166"/>
+          <ac:spMkLst>
+            <pc:docMk/>
+            <pc:sldMk cId="1231642108" sldId="257"/>
+            <ac:spMk id="53" creationId="{DC3F493D-DF6F-E5AD-747F-CEBF334BC8A5}"/>
+          </ac:spMkLst>
+        </pc:spChg>
+        <pc:spChg chg="add mod">
+          <ac:chgData name="Ryan Sundberg" userId="9d928d5ca16deceb" providerId="LiveId" clId="{FEC7A904-D273-42F0-83AB-71E7B3BFEEAC}" dt="2023-06-14T09:18:02.587" v="911" actId="1076"/>
+          <ac:spMkLst>
+            <pc:docMk/>
+            <pc:sldMk cId="1231642108" sldId="257"/>
+            <ac:spMk id="54" creationId="{7BC2FD47-CB28-96CD-EEAF-08AB9991CB51}"/>
+          </ac:spMkLst>
+        </pc:spChg>
+        <pc:spChg chg="add mod">
+          <ac:chgData name="Ryan Sundberg" userId="9d928d5ca16deceb" providerId="LiveId" clId="{FEC7A904-D273-42F0-83AB-71E7B3BFEEAC}" dt="2023-06-14T08:57:37.968" v="546" actId="1076"/>
+          <ac:spMkLst>
+            <pc:docMk/>
+            <pc:sldMk cId="1231642108" sldId="257"/>
+            <ac:spMk id="55" creationId="{2B97828E-4547-17FE-F16B-0084B0065DEE}"/>
+          </ac:spMkLst>
+        </pc:spChg>
+        <pc:spChg chg="add mod">
+          <ac:chgData name="Ryan Sundberg" userId="9d928d5ca16deceb" providerId="LiveId" clId="{FEC7A904-D273-42F0-83AB-71E7B3BFEEAC}" dt="2023-06-14T08:57:53.183" v="566" actId="20577"/>
+          <ac:spMkLst>
+            <pc:docMk/>
+            <pc:sldMk cId="1231642108" sldId="257"/>
+            <ac:spMk id="56" creationId="{D07E2861-128D-A126-2571-6169BEA299D6}"/>
+          </ac:spMkLst>
+        </pc:spChg>
+        <pc:spChg chg="add mod ord">
+          <ac:chgData name="Ryan Sundberg" userId="9d928d5ca16deceb" providerId="LiveId" clId="{FEC7A904-D273-42F0-83AB-71E7B3BFEEAC}" dt="2023-06-14T09:19:31.028" v="933" actId="14100"/>
+          <ac:spMkLst>
+            <pc:docMk/>
+            <pc:sldMk cId="1231642108" sldId="257"/>
+            <ac:spMk id="57" creationId="{16995DB4-317B-3078-0D20-CDF8B1130DF3}"/>
+          </ac:spMkLst>
+        </pc:spChg>
+        <pc:spChg chg="add del mod ord">
+          <ac:chgData name="Ryan Sundberg" userId="9d928d5ca16deceb" providerId="LiveId" clId="{FEC7A904-D273-42F0-83AB-71E7B3BFEEAC}" dt="2023-06-14T09:17:24.684" v="902" actId="478"/>
+          <ac:spMkLst>
+            <pc:docMk/>
+            <pc:sldMk cId="1231642108" sldId="257"/>
+            <ac:spMk id="58" creationId="{1A146AE9-88F2-C684-FDBF-427AAC099305}"/>
+          </ac:spMkLst>
+        </pc:spChg>
+        <pc:spChg chg="add del mod ord">
+          <ac:chgData name="Ryan Sundberg" userId="9d928d5ca16deceb" providerId="LiveId" clId="{FEC7A904-D273-42F0-83AB-71E7B3BFEEAC}" dt="2023-06-14T09:17:26.312" v="903" actId="478"/>
+          <ac:spMkLst>
+            <pc:docMk/>
+            <pc:sldMk cId="1231642108" sldId="257"/>
+            <ac:spMk id="59" creationId="{3CB15D58-BA76-96FB-00A0-816DC1B2ABBD}"/>
+          </ac:spMkLst>
+        </pc:spChg>
+        <pc:spChg chg="add del mod ord">
+          <ac:chgData name="Ryan Sundberg" userId="9d928d5ca16deceb" providerId="LiveId" clId="{FEC7A904-D273-42F0-83AB-71E7B3BFEEAC}" dt="2023-06-14T09:17:04.218" v="898" actId="478"/>
+          <ac:spMkLst>
+            <pc:docMk/>
+            <pc:sldMk cId="1231642108" sldId="257"/>
+            <ac:spMk id="60" creationId="{6DEFBF63-800C-BE5E-9ED7-731E2DB01E4D}"/>
+          </ac:spMkLst>
+        </pc:spChg>
+        <pc:spChg chg="add mod">
+          <ac:chgData name="Ryan Sundberg" userId="9d928d5ca16deceb" providerId="LiveId" clId="{FEC7A904-D273-42F0-83AB-71E7B3BFEEAC}" dt="2023-06-14T09:19:53.493" v="936" actId="14100"/>
+          <ac:spMkLst>
+            <pc:docMk/>
+            <pc:sldMk cId="1231642108" sldId="257"/>
+            <ac:spMk id="61" creationId="{28270ED1-D735-7CB5-64B3-C41F378BAB80}"/>
+          </ac:spMkLst>
+        </pc:spChg>
+        <pc:spChg chg="add del mod">
+          <ac:chgData name="Ryan Sundberg" userId="9d928d5ca16deceb" providerId="LiveId" clId="{FEC7A904-D273-42F0-83AB-71E7B3BFEEAC}" dt="2023-06-14T09:17:21.546" v="901" actId="478"/>
+          <ac:spMkLst>
+            <pc:docMk/>
+            <pc:sldMk cId="1231642108" sldId="257"/>
+            <ac:spMk id="62" creationId="{59DE7987-80CA-34E4-CCD2-38535E4DF461}"/>
+          </ac:spMkLst>
+        </pc:spChg>
+        <pc:spChg chg="add del mod">
+          <ac:chgData name="Ryan Sundberg" userId="9d928d5ca16deceb" providerId="LiveId" clId="{FEC7A904-D273-42F0-83AB-71E7B3BFEEAC}" dt="2023-06-14T09:17:26.860" v="904" actId="478"/>
+          <ac:spMkLst>
+            <pc:docMk/>
+            <pc:sldMk cId="1231642108" sldId="257"/>
+            <ac:spMk id="63" creationId="{A0AD844C-DF42-946F-D9A2-1E135CC98304}"/>
+          </ac:spMkLst>
+        </pc:spChg>
+        <pc:spChg chg="add del mod">
+          <ac:chgData name="Ryan Sundberg" userId="9d928d5ca16deceb" providerId="LiveId" clId="{FEC7A904-D273-42F0-83AB-71E7B3BFEEAC}" dt="2023-06-14T09:17:02.510" v="897" actId="478"/>
+          <ac:spMkLst>
+            <pc:docMk/>
+            <pc:sldMk cId="1231642108" sldId="257"/>
+            <ac:spMk id="64" creationId="{42C42F1A-7AF1-FF38-853C-BA6F4538E8F7}"/>
+          </ac:spMkLst>
+        </pc:spChg>
+        <pc:spChg chg="add mod">
+          <ac:chgData name="Ryan Sundberg" userId="9d928d5ca16deceb" providerId="LiveId" clId="{FEC7A904-D273-42F0-83AB-71E7B3BFEEAC}" dt="2023-06-14T09:08:13.765" v="799" actId="1076"/>
+          <ac:spMkLst>
+            <pc:docMk/>
+            <pc:sldMk cId="1231642108" sldId="257"/>
+            <ac:spMk id="65" creationId="{73C995EE-8D66-135B-6F2B-A859D4659980}"/>
+          </ac:spMkLst>
+        </pc:spChg>
+        <pc:spChg chg="add mod">
+          <ac:chgData name="Ryan Sundberg" userId="9d928d5ca16deceb" providerId="LiveId" clId="{FEC7A904-D273-42F0-83AB-71E7B3BFEEAC}" dt="2023-06-14T09:10:25.930" v="872" actId="1076"/>
+          <ac:spMkLst>
+            <pc:docMk/>
+            <pc:sldMk cId="1231642108" sldId="257"/>
+            <ac:spMk id="66" creationId="{CFC406B3-A3C7-80E2-ACAB-A9E5C9A617F2}"/>
+          </ac:spMkLst>
+        </pc:spChg>
+        <pc:spChg chg="add mod ord">
+          <ac:chgData name="Ryan Sundberg" userId="9d928d5ca16deceb" providerId="LiveId" clId="{FEC7A904-D273-42F0-83AB-71E7B3BFEEAC}" dt="2023-06-14T09:21:36.401" v="1012" actId="1076"/>
+          <ac:spMkLst>
+            <pc:docMk/>
+            <pc:sldMk cId="1231642108" sldId="257"/>
+            <ac:spMk id="67" creationId="{D50453B4-40BE-AB05-AEFB-3E10333DD5E2}"/>
+          </ac:spMkLst>
+        </pc:spChg>
+        <pc:spChg chg="add mod">
+          <ac:chgData name="Ryan Sundberg" userId="9d928d5ca16deceb" providerId="LiveId" clId="{FEC7A904-D273-42F0-83AB-71E7B3BFEEAC}" dt="2023-06-14T09:21:17.959" v="1005" actId="14100"/>
+          <ac:spMkLst>
+            <pc:docMk/>
+            <pc:sldMk cId="1231642108" sldId="257"/>
+            <ac:spMk id="68" creationId="{7F911D5C-DBF5-A1F5-65C3-1C959F629079}"/>
+          </ac:spMkLst>
+        </pc:spChg>
+        <pc:spChg chg="add mod">
+          <ac:chgData name="Ryan Sundberg" userId="9d928d5ca16deceb" providerId="LiveId" clId="{FEC7A904-D273-42F0-83AB-71E7B3BFEEAC}" dt="2023-06-14T09:21:12.295" v="1002" actId="14100"/>
+          <ac:spMkLst>
+            <pc:docMk/>
+            <pc:sldMk cId="1231642108" sldId="257"/>
+            <ac:spMk id="69" creationId="{0A140BF9-FADB-DAB7-1003-D0690E407330}"/>
+          </ac:spMkLst>
+        </pc:spChg>
+        <pc:spChg chg="add mod">
+          <ac:chgData name="Ryan Sundberg" userId="9d928d5ca16deceb" providerId="LiveId" clId="{FEC7A904-D273-42F0-83AB-71E7B3BFEEAC}" dt="2023-06-14T09:21:02.589" v="1000" actId="14100"/>
+          <ac:spMkLst>
+            <pc:docMk/>
+            <pc:sldMk cId="1231642108" sldId="257"/>
+            <ac:spMk id="70" creationId="{E7C21389-FE5D-61EE-42DE-3B5D2B4B0AFC}"/>
+          </ac:spMkLst>
+        </pc:spChg>
+        <pc:spChg chg="add mod">
+          <ac:chgData name="Ryan Sundberg" userId="9d928d5ca16deceb" providerId="LiveId" clId="{FEC7A904-D273-42F0-83AB-71E7B3BFEEAC}" dt="2023-06-14T09:21:27.125" v="1009" actId="1076"/>
+          <ac:spMkLst>
+            <pc:docMk/>
+            <pc:sldMk cId="1231642108" sldId="257"/>
+            <ac:spMk id="71" creationId="{0AE4B6E5-CC1C-B5CB-8112-85BD8C0B68E1}"/>
+          </ac:spMkLst>
+        </pc:spChg>
+        <pc:spChg chg="add mod">
+          <ac:chgData name="Ryan Sundberg" userId="9d928d5ca16deceb" providerId="LiveId" clId="{FEC7A904-D273-42F0-83AB-71E7B3BFEEAC}" dt="2023-06-14T09:21:24.311" v="1008" actId="1076"/>
+          <ac:spMkLst>
+            <pc:docMk/>
+            <pc:sldMk cId="1231642108" sldId="257"/>
+            <ac:spMk id="72" creationId="{9BCAE6E2-40D2-D46E-A23A-FF716267192B}"/>
+          </ac:spMkLst>
+        </pc:spChg>
+      </pc:sldChg>
+      <pc:sldChg chg="addSp delSp modSp new mod">
+        <pc:chgData name="Ryan Sundberg" userId="9d928d5ca16deceb" providerId="LiveId" clId="{FEC7A904-D273-42F0-83AB-71E7B3BFEEAC}" dt="2023-06-14T09:37:47.693" v="1335" actId="14100"/>
+        <pc:sldMkLst>
+          <pc:docMk/>
+          <pc:sldMk cId="2524665562" sldId="258"/>
+        </pc:sldMkLst>
+        <pc:spChg chg="del">
+          <ac:chgData name="Ryan Sundberg" userId="9d928d5ca16deceb" providerId="LiveId" clId="{FEC7A904-D273-42F0-83AB-71E7B3BFEEAC}" dt="2023-06-14T09:09:20.753" v="826" actId="478"/>
+          <ac:spMkLst>
+            <pc:docMk/>
+            <pc:sldMk cId="2524665562" sldId="258"/>
+            <ac:spMk id="2" creationId="{93E4BCD0-BF4C-131E-D6FF-76111D830FAC}"/>
+          </ac:spMkLst>
+        </pc:spChg>
+        <pc:spChg chg="del">
+          <ac:chgData name="Ryan Sundberg" userId="9d928d5ca16deceb" providerId="LiveId" clId="{FEC7A904-D273-42F0-83AB-71E7B3BFEEAC}" dt="2023-06-14T09:09:22.482" v="827" actId="478"/>
+          <ac:spMkLst>
+            <pc:docMk/>
+            <pc:sldMk cId="2524665562" sldId="258"/>
+            <ac:spMk id="3" creationId="{1735479A-3BB7-3E2F-BCA3-F58B2905D36B}"/>
+          </ac:spMkLst>
+        </pc:spChg>
+        <pc:spChg chg="add mod">
+          <ac:chgData name="Ryan Sundberg" userId="9d928d5ca16deceb" providerId="LiveId" clId="{FEC7A904-D273-42F0-83AB-71E7B3BFEEAC}" dt="2023-06-14T09:28:05.951" v="1113" actId="1076"/>
+          <ac:spMkLst>
+            <pc:docMk/>
+            <pc:sldMk cId="2524665562" sldId="258"/>
+            <ac:spMk id="4" creationId="{199161A9-8E64-9C73-D976-5B2125842C77}"/>
+          </ac:spMkLst>
+        </pc:spChg>
+        <pc:spChg chg="add mod">
+          <ac:chgData name="Ryan Sundberg" userId="9d928d5ca16deceb" providerId="LiveId" clId="{FEC7A904-D273-42F0-83AB-71E7B3BFEEAC}" dt="2023-06-14T09:22:56.339" v="1023" actId="14100"/>
+          <ac:spMkLst>
+            <pc:docMk/>
+            <pc:sldMk cId="2524665562" sldId="258"/>
+            <ac:spMk id="5" creationId="{6F636595-7F63-3C06-B5FD-45BF6AA44164}"/>
+          </ac:spMkLst>
+        </pc:spChg>
+        <pc:spChg chg="add del mod">
+          <ac:chgData name="Ryan Sundberg" userId="9d928d5ca16deceb" providerId="LiveId" clId="{FEC7A904-D273-42F0-83AB-71E7B3BFEEAC}" dt="2023-06-14T09:25:04.797" v="1064" actId="478"/>
+          <ac:spMkLst>
+            <pc:docMk/>
+            <pc:sldMk cId="2524665562" sldId="258"/>
+            <ac:spMk id="6" creationId="{98D349AB-9781-02B0-EBFB-EC8B5ED7CF49}"/>
+          </ac:spMkLst>
+        </pc:spChg>
+        <pc:spChg chg="add mod">
+          <ac:chgData name="Ryan Sundberg" userId="9d928d5ca16deceb" providerId="LiveId" clId="{FEC7A904-D273-42F0-83AB-71E7B3BFEEAC}" dt="2023-06-14T09:35:56.805" v="1266" actId="1076"/>
+          <ac:spMkLst>
+            <pc:docMk/>
+            <pc:sldMk cId="2524665562" sldId="258"/>
+            <ac:spMk id="7" creationId="{95AA82F5-046A-2D90-5A02-896F4E21B78C}"/>
+          </ac:spMkLst>
+        </pc:spChg>
+        <pc:spChg chg="add del mod">
+          <ac:chgData name="Ryan Sundberg" userId="9d928d5ca16deceb" providerId="LiveId" clId="{FEC7A904-D273-42F0-83AB-71E7B3BFEEAC}" dt="2023-06-14T09:25:09.182" v="1066" actId="478"/>
+          <ac:spMkLst>
+            <pc:docMk/>
+            <pc:sldMk cId="2524665562" sldId="258"/>
+            <ac:spMk id="8" creationId="{DF77CCEB-7C42-FFCB-7990-A2AD9ADD850C}"/>
+          </ac:spMkLst>
+        </pc:spChg>
+        <pc:spChg chg="add del mod">
+          <ac:chgData name="Ryan Sundberg" userId="9d928d5ca16deceb" providerId="LiveId" clId="{FEC7A904-D273-42F0-83AB-71E7B3BFEEAC}" dt="2023-06-14T09:25:10.963" v="1067" actId="478"/>
+          <ac:spMkLst>
+            <pc:docMk/>
+            <pc:sldMk cId="2524665562" sldId="258"/>
+            <ac:spMk id="9" creationId="{C59A8346-BA8E-F0AF-BEC2-0899685329D1}"/>
+          </ac:spMkLst>
+        </pc:spChg>
+        <pc:spChg chg="add del mod">
+          <ac:chgData name="Ryan Sundberg" userId="9d928d5ca16deceb" providerId="LiveId" clId="{FEC7A904-D273-42F0-83AB-71E7B3BFEEAC}" dt="2023-06-14T09:25:11.569" v="1068" actId="478"/>
+          <ac:spMkLst>
+            <pc:docMk/>
+            <pc:sldMk cId="2524665562" sldId="258"/>
+            <ac:spMk id="10" creationId="{0CBC7AA1-4BB2-F1D1-55EB-58411A8C5933}"/>
+          </ac:spMkLst>
+        </pc:spChg>
+        <pc:spChg chg="add mod">
+          <ac:chgData name="Ryan Sundberg" userId="9d928d5ca16deceb" providerId="LiveId" clId="{FEC7A904-D273-42F0-83AB-71E7B3BFEEAC}" dt="2023-06-14T09:36:01.162" v="1267" actId="1076"/>
+          <ac:spMkLst>
+            <pc:docMk/>
+            <pc:sldMk cId="2524665562" sldId="258"/>
+            <ac:spMk id="11" creationId="{3CBA285E-C695-A33E-FDE4-37138E322B06}"/>
+          </ac:spMkLst>
+        </pc:spChg>
+        <pc:spChg chg="add mod">
+          <ac:chgData name="Ryan Sundberg" userId="9d928d5ca16deceb" providerId="LiveId" clId="{FEC7A904-D273-42F0-83AB-71E7B3BFEEAC}" dt="2023-06-14T09:36:03.478" v="1268" actId="1076"/>
+          <ac:spMkLst>
+            <pc:docMk/>
+            <pc:sldMk cId="2524665562" sldId="258"/>
+            <ac:spMk id="12" creationId="{F7A70FCE-8355-CB89-6079-A745ADF186E3}"/>
+          </ac:spMkLst>
+        </pc:spChg>
+        <pc:spChg chg="add mod">
+          <ac:chgData name="Ryan Sundberg" userId="9d928d5ca16deceb" providerId="LiveId" clId="{FEC7A904-D273-42F0-83AB-71E7B3BFEEAC}" dt="2023-06-14T09:36:06.197" v="1269" actId="1076"/>
+          <ac:spMkLst>
+            <pc:docMk/>
+            <pc:sldMk cId="2524665562" sldId="258"/>
+            <ac:spMk id="13" creationId="{59074C25-2B69-08F3-9836-20AF50CA4EDF}"/>
+          </ac:spMkLst>
+        </pc:spChg>
+        <pc:spChg chg="add mod">
+          <ac:chgData name="Ryan Sundberg" userId="9d928d5ca16deceb" providerId="LiveId" clId="{FEC7A904-D273-42F0-83AB-71E7B3BFEEAC}" dt="2023-06-14T09:26:49.388" v="1094" actId="1076"/>
+          <ac:spMkLst>
+            <pc:docMk/>
+            <pc:sldMk cId="2524665562" sldId="258"/>
+            <ac:spMk id="14" creationId="{9C021A27-77F4-5CF4-8869-0885B8238F8C}"/>
+          </ac:spMkLst>
+        </pc:spChg>
+        <pc:spChg chg="add mod">
+          <ac:chgData name="Ryan Sundberg" userId="9d928d5ca16deceb" providerId="LiveId" clId="{FEC7A904-D273-42F0-83AB-71E7B3BFEEAC}" dt="2023-06-14T09:34:16.550" v="1241" actId="115"/>
+          <ac:spMkLst>
+            <pc:docMk/>
+            <pc:sldMk cId="2524665562" sldId="258"/>
+            <ac:spMk id="15" creationId="{3696087B-49F0-8CF4-5E90-84010D863FE5}"/>
+          </ac:spMkLst>
+        </pc:spChg>
+        <pc:spChg chg="add mod">
+          <ac:chgData name="Ryan Sundberg" userId="9d928d5ca16deceb" providerId="LiveId" clId="{FEC7A904-D273-42F0-83AB-71E7B3BFEEAC}" dt="2023-06-14T09:25:48.971" v="1078" actId="1076"/>
+          <ac:spMkLst>
+            <pc:docMk/>
+            <pc:sldMk cId="2524665562" sldId="258"/>
+            <ac:spMk id="16" creationId="{9E6B0A4E-CED7-9D1F-0BB7-800BC637D15E}"/>
+          </ac:spMkLst>
+        </pc:spChg>
+        <pc:spChg chg="add mod">
+          <ac:chgData name="Ryan Sundberg" userId="9d928d5ca16deceb" providerId="LiveId" clId="{FEC7A904-D273-42F0-83AB-71E7B3BFEEAC}" dt="2023-06-14T09:25:48.971" v="1078" actId="1076"/>
+          <ac:spMkLst>
+            <pc:docMk/>
+            <pc:sldMk cId="2524665562" sldId="258"/>
+            <ac:spMk id="17" creationId="{EF75E7EC-E5E1-B091-38FA-6C2E0D976540}"/>
+          </ac:spMkLst>
+        </pc:spChg>
+        <pc:spChg chg="add mod">
+          <ac:chgData name="Ryan Sundberg" userId="9d928d5ca16deceb" providerId="LiveId" clId="{FEC7A904-D273-42F0-83AB-71E7B3BFEEAC}" dt="2023-06-14T09:26:27.573" v="1087" actId="14100"/>
+          <ac:spMkLst>
+            <pc:docMk/>
+            <pc:sldMk cId="2524665562" sldId="258"/>
+            <ac:spMk id="18" creationId="{210D32A1-8FD5-90EF-B367-CCAC0492235F}"/>
+          </ac:spMkLst>
+        </pc:spChg>
+        <pc:spChg chg="add mod">
+          <ac:chgData name="Ryan Sundberg" userId="9d928d5ca16deceb" providerId="LiveId" clId="{FEC7A904-D273-42F0-83AB-71E7B3BFEEAC}" dt="2023-06-14T09:35:13.974" v="1263" actId="1076"/>
+          <ac:spMkLst>
+            <pc:docMk/>
+            <pc:sldMk cId="2524665562" sldId="258"/>
+            <ac:spMk id="19" creationId="{2CE7483E-566E-F821-3FA9-B608324AF53E}"/>
+          </ac:spMkLst>
+        </pc:spChg>
+        <pc:spChg chg="add mod">
+          <ac:chgData name="Ryan Sundberg" userId="9d928d5ca16deceb" providerId="LiveId" clId="{FEC7A904-D273-42F0-83AB-71E7B3BFEEAC}" dt="2023-06-14T09:27:16.123" v="1103" actId="14100"/>
+          <ac:spMkLst>
+            <pc:docMk/>
+            <pc:sldMk cId="2524665562" sldId="258"/>
+            <ac:spMk id="20" creationId="{01984E27-5645-FF62-0A33-91BBD6DB94D2}"/>
+          </ac:spMkLst>
+        </pc:spChg>
+        <pc:spChg chg="add mod">
+          <ac:chgData name="Ryan Sundberg" userId="9d928d5ca16deceb" providerId="LiveId" clId="{FEC7A904-D273-42F0-83AB-71E7B3BFEEAC}" dt="2023-06-14T09:27:11.906" v="1102" actId="1076"/>
+          <ac:spMkLst>
+            <pc:docMk/>
+            <pc:sldMk cId="2524665562" sldId="258"/>
+            <ac:spMk id="21" creationId="{2B6FE995-D706-4106-CA56-11E42186333E}"/>
+          </ac:spMkLst>
+        </pc:spChg>
+        <pc:spChg chg="add mod">
+          <ac:chgData name="Ryan Sundberg" userId="9d928d5ca16deceb" providerId="LiveId" clId="{FEC7A904-D273-42F0-83AB-71E7B3BFEEAC}" dt="2023-06-14T09:28:02.332" v="1111" actId="14100"/>
+          <ac:spMkLst>
+            <pc:docMk/>
+            <pc:sldMk cId="2524665562" sldId="258"/>
+            <ac:spMk id="22" creationId="{7EBB3BF2-92F5-A1D1-390A-678BB1CB9970}"/>
+          </ac:spMkLst>
+        </pc:spChg>
+        <pc:spChg chg="add mod">
+          <ac:chgData name="Ryan Sundberg" userId="9d928d5ca16deceb" providerId="LiveId" clId="{FEC7A904-D273-42F0-83AB-71E7B3BFEEAC}" dt="2023-06-14T09:28:10.409" v="1114" actId="1076"/>
+          <ac:spMkLst>
+            <pc:docMk/>
+            <pc:sldMk cId="2524665562" sldId="258"/>
+            <ac:spMk id="23" creationId="{BA121359-AAFC-EEAA-A379-50AE6AD19F58}"/>
+          </ac:spMkLst>
+        </pc:spChg>
+        <pc:spChg chg="add mod">
+          <ac:chgData name="Ryan Sundberg" userId="9d928d5ca16deceb" providerId="LiveId" clId="{FEC7A904-D273-42F0-83AB-71E7B3BFEEAC}" dt="2023-06-14T09:27:59.297" v="1110" actId="14100"/>
+          <ac:spMkLst>
+            <pc:docMk/>
+            <pc:sldMk cId="2524665562" sldId="258"/>
+            <ac:spMk id="24" creationId="{3CA4D140-453C-2F58-EBA6-64D5367506FE}"/>
+          </ac:spMkLst>
+        </pc:spChg>
+        <pc:spChg chg="add mod">
+          <ac:chgData name="Ryan Sundberg" userId="9d928d5ca16deceb" providerId="LiveId" clId="{FEC7A904-D273-42F0-83AB-71E7B3BFEEAC}" dt="2023-06-14T09:28:37.356" v="1119" actId="1076"/>
+          <ac:spMkLst>
+            <pc:docMk/>
+            <pc:sldMk cId="2524665562" sldId="258"/>
+            <ac:spMk id="25" creationId="{1155919D-13C9-ABE9-9CAE-7F387D8457F9}"/>
+          </ac:spMkLst>
+        </pc:spChg>
+        <pc:spChg chg="add mod">
+          <ac:chgData name="Ryan Sundberg" userId="9d928d5ca16deceb" providerId="LiveId" clId="{FEC7A904-D273-42F0-83AB-71E7B3BFEEAC}" dt="2023-06-14T09:28:45.327" v="1121" actId="14100"/>
+          <ac:spMkLst>
+            <pc:docMk/>
+            <pc:sldMk cId="2524665562" sldId="258"/>
+            <ac:spMk id="26" creationId="{C64AADA3-DE07-89F1-EBC5-F7BBCD71478D}"/>
+          </ac:spMkLst>
+        </pc:spChg>
+        <pc:spChg chg="add mod">
+          <ac:chgData name="Ryan Sundberg" userId="9d928d5ca16deceb" providerId="LiveId" clId="{FEC7A904-D273-42F0-83AB-71E7B3BFEEAC}" dt="2023-06-14T09:28:49.393" v="1122" actId="1076"/>
+          <ac:spMkLst>
+            <pc:docMk/>
+            <pc:sldMk cId="2524665562" sldId="258"/>
+            <ac:spMk id="27" creationId="{8391FD29-F8E4-066C-D4EB-E7C25DB81D1C}"/>
+          </ac:spMkLst>
+        </pc:spChg>
+        <pc:spChg chg="add mod">
+          <ac:chgData name="Ryan Sundberg" userId="9d928d5ca16deceb" providerId="LiveId" clId="{FEC7A904-D273-42F0-83AB-71E7B3BFEEAC}" dt="2023-06-14T09:28:32.458" v="1117" actId="14100"/>
+          <ac:spMkLst>
+            <pc:docMk/>
+            <pc:sldMk cId="2524665562" sldId="258"/>
+            <ac:spMk id="28" creationId="{1D715C5A-E778-B55C-5193-EE2FA774F5DB}"/>
+          </ac:spMkLst>
+        </pc:spChg>
+        <pc:spChg chg="add mod">
+          <ac:chgData name="Ryan Sundberg" userId="9d928d5ca16deceb" providerId="LiveId" clId="{FEC7A904-D273-42F0-83AB-71E7B3BFEEAC}" dt="2023-06-14T09:28:35.504" v="1118" actId="1076"/>
+          <ac:spMkLst>
+            <pc:docMk/>
+            <pc:sldMk cId="2524665562" sldId="258"/>
+            <ac:spMk id="29" creationId="{571BDB59-1314-A537-A945-ECAF9A5F228C}"/>
+          </ac:spMkLst>
+        </pc:spChg>
+        <pc:spChg chg="add mod">
+          <ac:chgData name="Ryan Sundberg" userId="9d928d5ca16deceb" providerId="LiveId" clId="{FEC7A904-D273-42F0-83AB-71E7B3BFEEAC}" dt="2023-06-14T09:29:31.573" v="1128" actId="14100"/>
+          <ac:spMkLst>
+            <pc:docMk/>
+            <pc:sldMk cId="2524665562" sldId="258"/>
+            <ac:spMk id="30" creationId="{918A49D6-3846-2D31-7AEE-D748AE56C33D}"/>
+          </ac:spMkLst>
+        </pc:spChg>
+        <pc:spChg chg="add mod">
+          <ac:chgData name="Ryan Sundberg" userId="9d928d5ca16deceb" providerId="LiveId" clId="{FEC7A904-D273-42F0-83AB-71E7B3BFEEAC}" dt="2023-06-14T09:29:27.924" v="1127" actId="1076"/>
+          <ac:spMkLst>
+            <pc:docMk/>
+            <pc:sldMk cId="2524665562" sldId="258"/>
+            <ac:spMk id="31" creationId="{8CBC7A90-A891-A70C-32EA-8BFE07ABFF0F}"/>
+          </ac:spMkLst>
+        </pc:spChg>
+        <pc:spChg chg="add mod">
+          <ac:chgData name="Ryan Sundberg" userId="9d928d5ca16deceb" providerId="LiveId" clId="{FEC7A904-D273-42F0-83AB-71E7B3BFEEAC}" dt="2023-06-14T09:29:40.741" v="1132" actId="14100"/>
+          <ac:spMkLst>
+            <pc:docMk/>
+            <pc:sldMk cId="2524665562" sldId="258"/>
+            <ac:spMk id="32" creationId="{A1A0B342-4B10-6E0E-F4A1-4297C5418CF2}"/>
+          </ac:spMkLst>
+        </pc:spChg>
+        <pc:spChg chg="add mod">
+          <ac:chgData name="Ryan Sundberg" userId="9d928d5ca16deceb" providerId="LiveId" clId="{FEC7A904-D273-42F0-83AB-71E7B3BFEEAC}" dt="2023-06-14T09:29:46.324" v="1133" actId="1076"/>
+          <ac:spMkLst>
+            <pc:docMk/>
+            <pc:sldMk cId="2524665562" sldId="258"/>
+            <ac:spMk id="33" creationId="{B3D8C4CD-108B-5EC5-3FAB-618B883219F7}"/>
+          </ac:spMkLst>
+        </pc:spChg>
+        <pc:spChg chg="add mod">
+          <ac:chgData name="Ryan Sundberg" userId="9d928d5ca16deceb" providerId="LiveId" clId="{FEC7A904-D273-42F0-83AB-71E7B3BFEEAC}" dt="2023-06-14T09:37:13.948" v="1292" actId="1076"/>
+          <ac:spMkLst>
+            <pc:docMk/>
+            <pc:sldMk cId="2524665562" sldId="258"/>
+            <ac:spMk id="34" creationId="{9EF23226-4A0E-4AE1-4040-E0767A5946CF}"/>
+          </ac:spMkLst>
+        </pc:spChg>
+        <pc:spChg chg="add mod">
+          <ac:chgData name="Ryan Sundberg" userId="9d928d5ca16deceb" providerId="LiveId" clId="{FEC7A904-D273-42F0-83AB-71E7B3BFEEAC}" dt="2023-06-14T09:37:19.489" v="1294" actId="1076"/>
+          <ac:spMkLst>
+            <pc:docMk/>
+            <pc:sldMk cId="2524665562" sldId="258"/>
+            <ac:spMk id="35" creationId="{9DCCCEC2-5CF0-1574-BF9A-2FFF281DCAAE}"/>
+          </ac:spMkLst>
+        </pc:spChg>
+        <pc:spChg chg="add mod">
+          <ac:chgData name="Ryan Sundberg" userId="9d928d5ca16deceb" providerId="LiveId" clId="{FEC7A904-D273-42F0-83AB-71E7B3BFEEAC}" dt="2023-06-14T09:34:44.212" v="1254" actId="207"/>
+          <ac:spMkLst>
+            <pc:docMk/>
+            <pc:sldMk cId="2524665562" sldId="258"/>
+            <ac:spMk id="36" creationId="{E9F1FFE8-2C6B-2B4B-5A0C-A2093DF902BA}"/>
+          </ac:spMkLst>
+        </pc:spChg>
+        <pc:spChg chg="add mod">
+          <ac:chgData name="Ryan Sundberg" userId="9d928d5ca16deceb" providerId="LiveId" clId="{FEC7A904-D273-42F0-83AB-71E7B3BFEEAC}" dt="2023-06-14T09:34:53.915" v="1260" actId="1076"/>
+          <ac:spMkLst>
+            <pc:docMk/>
+            <pc:sldMk cId="2524665562" sldId="258"/>
+            <ac:spMk id="37" creationId="{787C87C1-B6C9-5F71-9C9B-B649EAFDC325}"/>
+          </ac:spMkLst>
+        </pc:spChg>
+        <pc:spChg chg="add mod">
+          <ac:chgData name="Ryan Sundberg" userId="9d928d5ca16deceb" providerId="LiveId" clId="{FEC7A904-D273-42F0-83AB-71E7B3BFEEAC}" dt="2023-06-14T09:35:06.703" v="1262" actId="1076"/>
+          <ac:spMkLst>
+            <pc:docMk/>
+            <pc:sldMk cId="2524665562" sldId="258"/>
+            <ac:spMk id="38" creationId="{F9A02A3D-A549-C5EF-4784-AB583749EDBA}"/>
+          </ac:spMkLst>
+        </pc:spChg>
+        <pc:spChg chg="add mod">
+          <ac:chgData name="Ryan Sundberg" userId="9d928d5ca16deceb" providerId="LiveId" clId="{FEC7A904-D273-42F0-83AB-71E7B3BFEEAC}" dt="2023-06-14T09:35:02.106" v="1261" actId="1076"/>
+          <ac:spMkLst>
+            <pc:docMk/>
+            <pc:sldMk cId="2524665562" sldId="258"/>
+            <ac:spMk id="39" creationId="{F237A503-5929-94B2-80C0-4F89C1E37842}"/>
+          </ac:spMkLst>
+        </pc:spChg>
+        <pc:spChg chg="add mod">
+          <ac:chgData name="Ryan Sundberg" userId="9d928d5ca16deceb" providerId="LiveId" clId="{FEC7A904-D273-42F0-83AB-71E7B3BFEEAC}" dt="2023-06-14T09:34:50.654" v="1259" actId="1076"/>
+          <ac:spMkLst>
+            <pc:docMk/>
+            <pc:sldMk cId="2524665562" sldId="258"/>
+            <ac:spMk id="40" creationId="{B5B1625F-DE2A-C635-4CFE-80FFAC88F462}"/>
+          </ac:spMkLst>
+        </pc:spChg>
+        <pc:spChg chg="add mod">
+          <ac:chgData name="Ryan Sundberg" userId="9d928d5ca16deceb" providerId="LiveId" clId="{FEC7A904-D273-42F0-83AB-71E7B3BFEEAC}" dt="2023-06-14T09:36:25.459" v="1280" actId="1076"/>
+          <ac:spMkLst>
+            <pc:docMk/>
+            <pc:sldMk cId="2524665562" sldId="258"/>
+            <ac:spMk id="41" creationId="{8D6E1612-C2D1-DF9A-A0E5-A2E3117BADDE}"/>
+          </ac:spMkLst>
+        </pc:spChg>
+        <pc:spChg chg="add mod">
+          <ac:chgData name="Ryan Sundberg" userId="9d928d5ca16deceb" providerId="LiveId" clId="{FEC7A904-D273-42F0-83AB-71E7B3BFEEAC}" dt="2023-06-14T09:37:47.693" v="1335" actId="14100"/>
+          <ac:spMkLst>
+            <pc:docMk/>
+            <pc:sldMk cId="2524665562" sldId="258"/>
+            <ac:spMk id="42" creationId="{5BB99EB8-076F-CCE9-5DDF-BFA4788045AE}"/>
+          </ac:spMkLst>
+        </pc:spChg>
+        <pc:spChg chg="add mod">
+          <ac:chgData name="Ryan Sundberg" userId="9d928d5ca16deceb" providerId="LiveId" clId="{FEC7A904-D273-42F0-83AB-71E7B3BFEEAC}" dt="2023-06-14T09:37:40.237" v="1322" actId="14100"/>
+          <ac:spMkLst>
+            <pc:docMk/>
+            <pc:sldMk cId="2524665562" sldId="258"/>
+            <ac:spMk id="43" creationId="{CDFFF703-603E-53DD-14BB-362C999F565E}"/>
+          </ac:spMkLst>
+        </pc:spChg>
+        <pc:spChg chg="add mod">
+          <ac:chgData name="Ryan Sundberg" userId="9d928d5ca16deceb" providerId="LiveId" clId="{FEC7A904-D273-42F0-83AB-71E7B3BFEEAC}" dt="2023-06-14T09:37:32.440" v="1309" actId="20577"/>
+          <ac:spMkLst>
+            <pc:docMk/>
+            <pc:sldMk cId="2524665562" sldId="258"/>
+            <ac:spMk id="44" creationId="{32F0DAF2-4B73-8F34-BAA3-2AEA7069330B}"/>
+          </ac:spMkLst>
+        </pc:spChg>
+        <pc:spChg chg="add mod">
+          <ac:chgData name="Ryan Sundberg" userId="9d928d5ca16deceb" providerId="LiveId" clId="{FEC7A904-D273-42F0-83AB-71E7B3BFEEAC}" dt="2023-06-14T09:37:25.086" v="1299" actId="20577"/>
+          <ac:spMkLst>
+            <pc:docMk/>
+            <pc:sldMk cId="2524665562" sldId="258"/>
+            <ac:spMk id="45" creationId="{5F89FA22-832A-6742-5930-3C340D0B4B96}"/>
           </ac:spMkLst>
         </pc:spChg>
       </pc:sldChg>
@@ -619,7 +1856,7 @@
           <a:p>
             <a:fld id="{00A01243-4B41-4CE1-94BD-11FF7F2A9137}" type="datetimeFigureOut">
               <a:rPr lang="en-US" smtClean="0"/>
-              <a:t>6/13/2023</a:t>
+              <a:t>6/14/2023</a:t>
             </a:fld>
             <a:endParaRPr lang="en-US"/>
           </a:p>
@@ -817,7 +2054,7 @@
           <a:p>
             <a:fld id="{00A01243-4B41-4CE1-94BD-11FF7F2A9137}" type="datetimeFigureOut">
               <a:rPr lang="en-US" smtClean="0"/>
-              <a:t>6/13/2023</a:t>
+              <a:t>6/14/2023</a:t>
             </a:fld>
             <a:endParaRPr lang="en-US"/>
           </a:p>
@@ -1025,7 +2262,7 @@
           <a:p>
             <a:fld id="{00A01243-4B41-4CE1-94BD-11FF7F2A9137}" type="datetimeFigureOut">
               <a:rPr lang="en-US" smtClean="0"/>
-              <a:t>6/13/2023</a:t>
+              <a:t>6/14/2023</a:t>
             </a:fld>
             <a:endParaRPr lang="en-US"/>
           </a:p>
@@ -1223,7 +2460,7 @@
           <a:p>
             <a:fld id="{00A01243-4B41-4CE1-94BD-11FF7F2A9137}" type="datetimeFigureOut">
               <a:rPr lang="en-US" smtClean="0"/>
-              <a:t>6/13/2023</a:t>
+              <a:t>6/14/2023</a:t>
             </a:fld>
             <a:endParaRPr lang="en-US"/>
           </a:p>
@@ -1498,7 +2735,7 @@
           <a:p>
             <a:fld id="{00A01243-4B41-4CE1-94BD-11FF7F2A9137}" type="datetimeFigureOut">
               <a:rPr lang="en-US" smtClean="0"/>
-              <a:t>6/13/2023</a:t>
+              <a:t>6/14/2023</a:t>
             </a:fld>
             <a:endParaRPr lang="en-US"/>
           </a:p>
@@ -1763,7 +3000,7 @@
           <a:p>
             <a:fld id="{00A01243-4B41-4CE1-94BD-11FF7F2A9137}" type="datetimeFigureOut">
               <a:rPr lang="en-US" smtClean="0"/>
-              <a:t>6/13/2023</a:t>
+              <a:t>6/14/2023</a:t>
             </a:fld>
             <a:endParaRPr lang="en-US"/>
           </a:p>
@@ -2175,7 +3412,7 @@
           <a:p>
             <a:fld id="{00A01243-4B41-4CE1-94BD-11FF7F2A9137}" type="datetimeFigureOut">
               <a:rPr lang="en-US" smtClean="0"/>
-              <a:t>6/13/2023</a:t>
+              <a:t>6/14/2023</a:t>
             </a:fld>
             <a:endParaRPr lang="en-US"/>
           </a:p>
@@ -2316,7 +3553,7 @@
           <a:p>
             <a:fld id="{00A01243-4B41-4CE1-94BD-11FF7F2A9137}" type="datetimeFigureOut">
               <a:rPr lang="en-US" smtClean="0"/>
-              <a:t>6/13/2023</a:t>
+              <a:t>6/14/2023</a:t>
             </a:fld>
             <a:endParaRPr lang="en-US"/>
           </a:p>
@@ -2429,7 +3666,7 @@
           <a:p>
             <a:fld id="{00A01243-4B41-4CE1-94BD-11FF7F2A9137}" type="datetimeFigureOut">
               <a:rPr lang="en-US" smtClean="0"/>
-              <a:t>6/13/2023</a:t>
+              <a:t>6/14/2023</a:t>
             </a:fld>
             <a:endParaRPr lang="en-US"/>
           </a:p>
@@ -2740,7 +3977,7 @@
           <a:p>
             <a:fld id="{00A01243-4B41-4CE1-94BD-11FF7F2A9137}" type="datetimeFigureOut">
               <a:rPr lang="en-US" smtClean="0"/>
-              <a:t>6/13/2023</a:t>
+              <a:t>6/14/2023</a:t>
             </a:fld>
             <a:endParaRPr lang="en-US"/>
           </a:p>
@@ -3028,7 +4265,7 @@
           <a:p>
             <a:fld id="{00A01243-4B41-4CE1-94BD-11FF7F2A9137}" type="datetimeFigureOut">
               <a:rPr lang="en-US" smtClean="0"/>
-              <a:t>6/13/2023</a:t>
+              <a:t>6/14/2023</a:t>
             </a:fld>
             <a:endParaRPr lang="en-US"/>
           </a:p>
@@ -3269,7 +4506,7 @@
           <a:p>
             <a:fld id="{00A01243-4B41-4CE1-94BD-11FF7F2A9137}" type="datetimeFigureOut">
               <a:rPr lang="en-US" smtClean="0"/>
-              <a:t>6/13/2023</a:t>
+              <a:t>6/14/2023</a:t>
             </a:fld>
             <a:endParaRPr lang="en-US"/>
           </a:p>
@@ -3688,10 +4925,10 @@
       </p:grpSpPr>
       <p:sp>
         <p:nvSpPr>
-          <p:cNvPr id="4" name="Rectangle 3">
-            <a:extLst>
-              <a:ext uri="{FF2B5EF4-FFF2-40B4-BE49-F238E27FC236}">
-                <a16:creationId xmlns:a16="http://schemas.microsoft.com/office/drawing/2014/main" id="{D1D70C9C-A904-38D7-2345-E12E54666AA4}"/>
+          <p:cNvPr id="5" name="Rectangle 4">
+            <a:extLst>
+              <a:ext uri="{FF2B5EF4-FFF2-40B4-BE49-F238E27FC236}">
+                <a16:creationId xmlns:a16="http://schemas.microsoft.com/office/drawing/2014/main" id="{9ECB103C-6A13-2898-EBDB-9AA37CB80D59}"/>
               </a:ext>
             </a:extLst>
           </p:cNvPr>
@@ -3700,8 +4937,8 @@
         </p:nvSpPr>
         <p:spPr>
           <a:xfrm>
-            <a:off x="4376057" y="298580"/>
-            <a:ext cx="2705878" cy="755779"/>
+            <a:off x="239069" y="38836"/>
+            <a:ext cx="1640002" cy="800751"/>
           </a:xfrm>
           <a:prstGeom prst="rect">
             <a:avLst/>
@@ -3734,10 +4971,10 @@
       </p:sp>
       <p:sp>
         <p:nvSpPr>
-          <p:cNvPr id="5" name="Rectangle 4">
-            <a:extLst>
-              <a:ext uri="{FF2B5EF4-FFF2-40B4-BE49-F238E27FC236}">
-                <a16:creationId xmlns:a16="http://schemas.microsoft.com/office/drawing/2014/main" id="{9ECB103C-6A13-2898-EBDB-9AA37CB80D59}"/>
+          <p:cNvPr id="63" name="Rectangle 62">
+            <a:extLst>
+              <a:ext uri="{FF2B5EF4-FFF2-40B4-BE49-F238E27FC236}">
+                <a16:creationId xmlns:a16="http://schemas.microsoft.com/office/drawing/2014/main" id="{B343C836-029A-238F-EAFC-9F9E5D489A6D}"/>
               </a:ext>
             </a:extLst>
           </p:cNvPr>
@@ -3746,8 +4983,8 @@
         </p:nvSpPr>
         <p:spPr>
           <a:xfrm>
-            <a:off x="587229" y="1451295"/>
-            <a:ext cx="1040235" cy="411061"/>
+            <a:off x="10372632" y="48773"/>
+            <a:ext cx="1640002" cy="800751"/>
           </a:xfrm>
           <a:prstGeom prst="rect">
             <a:avLst/>
@@ -3780,10 +5017,10 @@
       </p:sp>
       <p:sp>
         <p:nvSpPr>
-          <p:cNvPr id="6" name="Rectangle 5">
-            <a:extLst>
-              <a:ext uri="{FF2B5EF4-FFF2-40B4-BE49-F238E27FC236}">
-                <a16:creationId xmlns:a16="http://schemas.microsoft.com/office/drawing/2014/main" id="{A607355B-1AB1-E7BF-3E74-35458E0F3831}"/>
+          <p:cNvPr id="64" name="Rectangle 63">
+            <a:extLst>
+              <a:ext uri="{FF2B5EF4-FFF2-40B4-BE49-F238E27FC236}">
+                <a16:creationId xmlns:a16="http://schemas.microsoft.com/office/drawing/2014/main" id="{B80F11B3-593D-904D-D07E-AFA08BA921C0}"/>
               </a:ext>
             </a:extLst>
           </p:cNvPr>
@@ -3792,8 +5029,8 @@
         </p:nvSpPr>
         <p:spPr>
           <a:xfrm>
-            <a:off x="2541864" y="1451295"/>
-            <a:ext cx="956345" cy="411061"/>
+            <a:off x="7980032" y="73446"/>
+            <a:ext cx="1640002" cy="800751"/>
           </a:xfrm>
           <a:prstGeom prst="rect">
             <a:avLst/>
@@ -3826,10 +5063,10 @@
       </p:sp>
       <p:sp>
         <p:nvSpPr>
-          <p:cNvPr id="7" name="Rectangle 6">
-            <a:extLst>
-              <a:ext uri="{FF2B5EF4-FFF2-40B4-BE49-F238E27FC236}">
-                <a16:creationId xmlns:a16="http://schemas.microsoft.com/office/drawing/2014/main" id="{821F21FE-15EE-4203-85FA-876ADB2D16A6}"/>
+          <p:cNvPr id="65" name="Rectangle 64">
+            <a:extLst>
+              <a:ext uri="{FF2B5EF4-FFF2-40B4-BE49-F238E27FC236}">
+                <a16:creationId xmlns:a16="http://schemas.microsoft.com/office/drawing/2014/main" id="{80475B14-D32B-BC3C-0730-1BACA650DEDB}"/>
               </a:ext>
             </a:extLst>
           </p:cNvPr>
@@ -3838,8 +5075,8 @@
         </p:nvSpPr>
         <p:spPr>
           <a:xfrm>
-            <a:off x="5025006" y="1535185"/>
-            <a:ext cx="1070994" cy="327171"/>
+            <a:off x="2297973" y="50589"/>
+            <a:ext cx="1640002" cy="800751"/>
           </a:xfrm>
           <a:prstGeom prst="rect">
             <a:avLst/>
@@ -3872,10 +5109,10 @@
       </p:sp>
       <p:sp>
         <p:nvSpPr>
-          <p:cNvPr id="8" name="Rectangle 7">
-            <a:extLst>
-              <a:ext uri="{FF2B5EF4-FFF2-40B4-BE49-F238E27FC236}">
-                <a16:creationId xmlns:a16="http://schemas.microsoft.com/office/drawing/2014/main" id="{740A49BF-8A7F-D80E-1D75-FAC5561DFDC3}"/>
+          <p:cNvPr id="66" name="Rectangle 65">
+            <a:extLst>
+              <a:ext uri="{FF2B5EF4-FFF2-40B4-BE49-F238E27FC236}">
+                <a16:creationId xmlns:a16="http://schemas.microsoft.com/office/drawing/2014/main" id="{D282AD40-90D4-6EDF-A91F-970D84684FF1}"/>
               </a:ext>
             </a:extLst>
           </p:cNvPr>
@@ -3884,8 +5121,8 @@
         </p:nvSpPr>
         <p:spPr>
           <a:xfrm>
-            <a:off x="8288323" y="1535185"/>
-            <a:ext cx="1140903" cy="327171"/>
+            <a:off x="5009969" y="48019"/>
+            <a:ext cx="1640002" cy="800751"/>
           </a:xfrm>
           <a:prstGeom prst="rect">
             <a:avLst/>
@@ -3918,10 +5155,10 @@
       </p:sp>
       <p:sp>
         <p:nvSpPr>
-          <p:cNvPr id="9" name="Rectangle 8">
-            <a:extLst>
-              <a:ext uri="{FF2B5EF4-FFF2-40B4-BE49-F238E27FC236}">
-                <a16:creationId xmlns:a16="http://schemas.microsoft.com/office/drawing/2014/main" id="{E5B09FD3-182A-0D2F-2178-03B7E889760B}"/>
+          <p:cNvPr id="10" name="Rectangle 9">
+            <a:extLst>
+              <a:ext uri="{FF2B5EF4-FFF2-40B4-BE49-F238E27FC236}">
+                <a16:creationId xmlns:a16="http://schemas.microsoft.com/office/drawing/2014/main" id="{FEB653DC-6A33-9521-B3D9-A0AB189B8EC9}"/>
               </a:ext>
             </a:extLst>
           </p:cNvPr>
@@ -3930,8 +5167,8 @@
         </p:nvSpPr>
         <p:spPr>
           <a:xfrm>
-            <a:off x="10662407" y="1535185"/>
-            <a:ext cx="1140903" cy="327171"/>
+            <a:off x="97443" y="1803633"/>
+            <a:ext cx="2705878" cy="1711354"/>
           </a:xfrm>
           <a:prstGeom prst="rect">
             <a:avLst/>
@@ -3964,10 +5201,162 @@
       </p:sp>
       <p:sp>
         <p:nvSpPr>
-          <p:cNvPr id="10" name="Rectangle 9">
-            <a:extLst>
-              <a:ext uri="{FF2B5EF4-FFF2-40B4-BE49-F238E27FC236}">
-                <a16:creationId xmlns:a16="http://schemas.microsoft.com/office/drawing/2014/main" id="{FEB653DC-6A33-9521-B3D9-A0AB189B8EC9}"/>
+          <p:cNvPr id="16" name="TextBox 15">
+            <a:extLst>
+              <a:ext uri="{FF2B5EF4-FFF2-40B4-BE49-F238E27FC236}">
+                <a16:creationId xmlns:a16="http://schemas.microsoft.com/office/drawing/2014/main" id="{A7E180B4-75B8-E2B0-7CF9-81ADC0D640C2}"/>
+              </a:ext>
+            </a:extLst>
+          </p:cNvPr>
+          <p:cNvSpPr txBox="1"/>
+          <p:nvPr/>
+        </p:nvSpPr>
+        <p:spPr>
+          <a:xfrm>
+            <a:off x="5631109" y="1167475"/>
+            <a:ext cx="1753299" cy="461665"/>
+          </a:xfrm>
+          <a:prstGeom prst="rect">
+            <a:avLst/>
+          </a:prstGeom>
+          <a:noFill/>
+        </p:spPr>
+        <p:txBody>
+          <a:bodyPr wrap="square" rtlCol="0">
+            <a:spAutoFit/>
+          </a:bodyPr>
+          <a:lstStyle/>
+          <a:p>
+            <a:r>
+              <a:rPr lang="en-US" sz="2400" b="1" u="sng" dirty="0"/>
+              <a:t>Current City</a:t>
+            </a:r>
+          </a:p>
+        </p:txBody>
+      </p:sp>
+      <p:sp>
+        <p:nvSpPr>
+          <p:cNvPr id="17" name="TextBox 16">
+            <a:extLst>
+              <a:ext uri="{FF2B5EF4-FFF2-40B4-BE49-F238E27FC236}">
+                <a16:creationId xmlns:a16="http://schemas.microsoft.com/office/drawing/2014/main" id="{E08DA473-6963-6B06-0171-EF67EBFCF331}"/>
+              </a:ext>
+            </a:extLst>
+          </p:cNvPr>
+          <p:cNvSpPr txBox="1"/>
+          <p:nvPr/>
+        </p:nvSpPr>
+        <p:spPr>
+          <a:xfrm>
+            <a:off x="620772" y="84429"/>
+            <a:ext cx="1190323" cy="369332"/>
+          </a:xfrm>
+          <a:prstGeom prst="rect">
+            <a:avLst/>
+          </a:prstGeom>
+          <a:noFill/>
+        </p:spPr>
+        <p:txBody>
+          <a:bodyPr wrap="square" rtlCol="0">
+            <a:spAutoFit/>
+          </a:bodyPr>
+          <a:lstStyle/>
+          <a:p>
+            <a:r>
+              <a:rPr lang="en-US" dirty="0">
+                <a:solidFill>
+                  <a:schemeClr val="bg1"/>
+                </a:solidFill>
+              </a:rPr>
+              <a:t>Image</a:t>
+            </a:r>
+          </a:p>
+        </p:txBody>
+      </p:sp>
+      <p:sp>
+        <p:nvSpPr>
+          <p:cNvPr id="18" name="TextBox 17">
+            <a:extLst>
+              <a:ext uri="{FF2B5EF4-FFF2-40B4-BE49-F238E27FC236}">
+                <a16:creationId xmlns:a16="http://schemas.microsoft.com/office/drawing/2014/main" id="{9EC3FA9F-E6EA-6B9F-25D8-C3883A8319BF}"/>
+              </a:ext>
+            </a:extLst>
+          </p:cNvPr>
+          <p:cNvSpPr txBox="1"/>
+          <p:nvPr/>
+        </p:nvSpPr>
+        <p:spPr>
+          <a:xfrm>
+            <a:off x="2642725" y="13082"/>
+            <a:ext cx="1190323" cy="369332"/>
+          </a:xfrm>
+          <a:prstGeom prst="rect">
+            <a:avLst/>
+          </a:prstGeom>
+          <a:noFill/>
+        </p:spPr>
+        <p:txBody>
+          <a:bodyPr wrap="square" rtlCol="0">
+            <a:spAutoFit/>
+          </a:bodyPr>
+          <a:lstStyle/>
+          <a:p>
+            <a:r>
+              <a:rPr lang="en-US" dirty="0">
+                <a:solidFill>
+                  <a:schemeClr val="bg1"/>
+                </a:solidFill>
+              </a:rPr>
+              <a:t>Image</a:t>
+            </a:r>
+          </a:p>
+        </p:txBody>
+      </p:sp>
+      <p:sp>
+        <p:nvSpPr>
+          <p:cNvPr id="21" name="TextBox 20">
+            <a:extLst>
+              <a:ext uri="{FF2B5EF4-FFF2-40B4-BE49-F238E27FC236}">
+                <a16:creationId xmlns:a16="http://schemas.microsoft.com/office/drawing/2014/main" id="{0CEB686C-FE03-5536-4D96-091C6D81F731}"/>
+              </a:ext>
+            </a:extLst>
+          </p:cNvPr>
+          <p:cNvSpPr txBox="1"/>
+          <p:nvPr/>
+        </p:nvSpPr>
+        <p:spPr>
+          <a:xfrm>
+            <a:off x="10753063" y="56507"/>
+            <a:ext cx="1190323" cy="369332"/>
+          </a:xfrm>
+          <a:prstGeom prst="rect">
+            <a:avLst/>
+          </a:prstGeom>
+          <a:noFill/>
+        </p:spPr>
+        <p:txBody>
+          <a:bodyPr wrap="square" rtlCol="0">
+            <a:spAutoFit/>
+          </a:bodyPr>
+          <a:lstStyle/>
+          <a:p>
+            <a:r>
+              <a:rPr lang="en-US" dirty="0">
+                <a:solidFill>
+                  <a:schemeClr val="bg1"/>
+                </a:solidFill>
+              </a:rPr>
+              <a:t>Image</a:t>
+            </a:r>
+          </a:p>
+        </p:txBody>
+      </p:sp>
+      <p:sp>
+        <p:nvSpPr>
+          <p:cNvPr id="26" name="Rectangle 25">
+            <a:extLst>
+              <a:ext uri="{FF2B5EF4-FFF2-40B4-BE49-F238E27FC236}">
+                <a16:creationId xmlns:a16="http://schemas.microsoft.com/office/drawing/2014/main" id="{15661926-DA73-CA43-5CD2-DEBA1D1DDDC0}"/>
               </a:ext>
             </a:extLst>
           </p:cNvPr>
@@ -3976,8 +5365,8 @@
         </p:nvSpPr>
         <p:spPr>
           <a:xfrm>
-            <a:off x="654341" y="2416029"/>
-            <a:ext cx="2315362" cy="1258349"/>
+            <a:off x="3489821" y="1105103"/>
+            <a:ext cx="2013358" cy="634187"/>
           </a:xfrm>
           <a:prstGeom prst="rect">
             <a:avLst/>
@@ -4010,10 +5399,166 @@
       </p:sp>
       <p:sp>
         <p:nvSpPr>
-          <p:cNvPr id="11" name="Rectangle 10">
-            <a:extLst>
-              <a:ext uri="{FF2B5EF4-FFF2-40B4-BE49-F238E27FC236}">
-                <a16:creationId xmlns:a16="http://schemas.microsoft.com/office/drawing/2014/main" id="{F2D8CD20-9DB7-5262-826E-30E40514290F}"/>
+          <p:cNvPr id="27" name="TextBox 26">
+            <a:extLst>
+              <a:ext uri="{FF2B5EF4-FFF2-40B4-BE49-F238E27FC236}">
+                <a16:creationId xmlns:a16="http://schemas.microsoft.com/office/drawing/2014/main" id="{C445F471-75DF-F2B7-8A10-BBF0ABDC3C64}"/>
+              </a:ext>
+            </a:extLst>
+          </p:cNvPr>
+          <p:cNvSpPr txBox="1"/>
+          <p:nvPr/>
+        </p:nvSpPr>
+        <p:spPr>
+          <a:xfrm>
+            <a:off x="3676499" y="1179817"/>
+            <a:ext cx="1640002" cy="523220"/>
+          </a:xfrm>
+          <a:prstGeom prst="rect">
+            <a:avLst/>
+          </a:prstGeom>
+          <a:noFill/>
+        </p:spPr>
+        <p:txBody>
+          <a:bodyPr wrap="square" rtlCol="0">
+            <a:spAutoFit/>
+          </a:bodyPr>
+          <a:lstStyle/>
+          <a:p>
+            <a:r>
+              <a:rPr lang="en-US" sz="1400" dirty="0">
+                <a:solidFill>
+                  <a:schemeClr val="bg1"/>
+                </a:solidFill>
+              </a:rPr>
+              <a:t>Local Time, Clouds, and Temp</a:t>
+            </a:r>
+          </a:p>
+        </p:txBody>
+      </p:sp>
+      <p:sp>
+        <p:nvSpPr>
+          <p:cNvPr id="3" name="TextBox 2">
+            <a:extLst>
+              <a:ext uri="{FF2B5EF4-FFF2-40B4-BE49-F238E27FC236}">
+                <a16:creationId xmlns:a16="http://schemas.microsoft.com/office/drawing/2014/main" id="{D38669A9-BC08-07C9-FF17-165967A041CB}"/>
+              </a:ext>
+            </a:extLst>
+          </p:cNvPr>
+          <p:cNvSpPr txBox="1"/>
+          <p:nvPr/>
+        </p:nvSpPr>
+        <p:spPr>
+          <a:xfrm>
+            <a:off x="5359679" y="38837"/>
+            <a:ext cx="1190323" cy="369332"/>
+          </a:xfrm>
+          <a:prstGeom prst="rect">
+            <a:avLst/>
+          </a:prstGeom>
+          <a:noFill/>
+        </p:spPr>
+        <p:txBody>
+          <a:bodyPr wrap="square" rtlCol="0">
+            <a:spAutoFit/>
+          </a:bodyPr>
+          <a:lstStyle/>
+          <a:p>
+            <a:r>
+              <a:rPr lang="en-US" dirty="0">
+                <a:solidFill>
+                  <a:schemeClr val="bg1"/>
+                </a:solidFill>
+              </a:rPr>
+              <a:t>Image</a:t>
+            </a:r>
+          </a:p>
+        </p:txBody>
+      </p:sp>
+      <p:sp>
+        <p:nvSpPr>
+          <p:cNvPr id="37" name="TextBox 36">
+            <a:extLst>
+              <a:ext uri="{FF2B5EF4-FFF2-40B4-BE49-F238E27FC236}">
+                <a16:creationId xmlns:a16="http://schemas.microsoft.com/office/drawing/2014/main" id="{4EDB8FC3-E7B6-A3F0-0E04-3229DB08632F}"/>
+              </a:ext>
+            </a:extLst>
+          </p:cNvPr>
+          <p:cNvSpPr txBox="1"/>
+          <p:nvPr/>
+        </p:nvSpPr>
+        <p:spPr>
+          <a:xfrm>
+            <a:off x="8276897" y="59327"/>
+            <a:ext cx="1190323" cy="369332"/>
+          </a:xfrm>
+          <a:prstGeom prst="rect">
+            <a:avLst/>
+          </a:prstGeom>
+          <a:noFill/>
+        </p:spPr>
+        <p:txBody>
+          <a:bodyPr wrap="square" rtlCol="0">
+            <a:spAutoFit/>
+          </a:bodyPr>
+          <a:lstStyle/>
+          <a:p>
+            <a:r>
+              <a:rPr lang="en-US" dirty="0">
+                <a:solidFill>
+                  <a:schemeClr val="bg1"/>
+                </a:solidFill>
+              </a:rPr>
+              <a:t>Image</a:t>
+            </a:r>
+          </a:p>
+        </p:txBody>
+      </p:sp>
+      <p:sp>
+        <p:nvSpPr>
+          <p:cNvPr id="40" name="TextBox 39">
+            <a:extLst>
+              <a:ext uri="{FF2B5EF4-FFF2-40B4-BE49-F238E27FC236}">
+                <a16:creationId xmlns:a16="http://schemas.microsoft.com/office/drawing/2014/main" id="{5B6AB585-297A-3D88-7F07-5F049056DCFF}"/>
+              </a:ext>
+            </a:extLst>
+          </p:cNvPr>
+          <p:cNvSpPr txBox="1"/>
+          <p:nvPr/>
+        </p:nvSpPr>
+        <p:spPr>
+          <a:xfrm>
+            <a:off x="1006031" y="2156578"/>
+            <a:ext cx="888701" cy="646331"/>
+          </a:xfrm>
+          <a:prstGeom prst="rect">
+            <a:avLst/>
+          </a:prstGeom>
+          <a:noFill/>
+        </p:spPr>
+        <p:txBody>
+          <a:bodyPr wrap="square" rtlCol="0">
+            <a:spAutoFit/>
+          </a:bodyPr>
+          <a:lstStyle/>
+          <a:p>
+            <a:r>
+              <a:rPr lang="en-US" dirty="0">
+                <a:solidFill>
+                  <a:schemeClr val="bg1"/>
+                </a:solidFill>
+              </a:rPr>
+              <a:t>Skyline Image</a:t>
+            </a:r>
+          </a:p>
+        </p:txBody>
+      </p:sp>
+      <p:sp>
+        <p:nvSpPr>
+          <p:cNvPr id="41" name="Rectangle 40">
+            <a:extLst>
+              <a:ext uri="{FF2B5EF4-FFF2-40B4-BE49-F238E27FC236}">
+                <a16:creationId xmlns:a16="http://schemas.microsoft.com/office/drawing/2014/main" id="{DBCBBD0F-265F-EB30-F21E-00F8C6FA8859}"/>
               </a:ext>
             </a:extLst>
           </p:cNvPr>
@@ -4022,8 +5567,8 @@
         </p:nvSpPr>
         <p:spPr>
           <a:xfrm>
-            <a:off x="654341" y="4672668"/>
-            <a:ext cx="2315362" cy="1342238"/>
+            <a:off x="9164544" y="1947232"/>
+            <a:ext cx="2705878" cy="1711354"/>
           </a:xfrm>
           <a:prstGeom prst="rect">
             <a:avLst/>
@@ -4056,10 +5601,49 @@
       </p:sp>
       <p:sp>
         <p:nvSpPr>
-          <p:cNvPr id="12" name="Rectangle 11">
-            <a:extLst>
-              <a:ext uri="{FF2B5EF4-FFF2-40B4-BE49-F238E27FC236}">
-                <a16:creationId xmlns:a16="http://schemas.microsoft.com/office/drawing/2014/main" id="{1B05B709-941B-02ED-912B-EAC4F7E400E8}"/>
+          <p:cNvPr id="42" name="TextBox 41">
+            <a:extLst>
+              <a:ext uri="{FF2B5EF4-FFF2-40B4-BE49-F238E27FC236}">
+                <a16:creationId xmlns:a16="http://schemas.microsoft.com/office/drawing/2014/main" id="{E375EC1D-0AE6-01B5-EDF8-5B65D1550FAF}"/>
+              </a:ext>
+            </a:extLst>
+          </p:cNvPr>
+          <p:cNvSpPr txBox="1"/>
+          <p:nvPr/>
+        </p:nvSpPr>
+        <p:spPr>
+          <a:xfrm>
+            <a:off x="9496338" y="2467956"/>
+            <a:ext cx="1568959" cy="646331"/>
+          </a:xfrm>
+          <a:prstGeom prst="rect">
+            <a:avLst/>
+          </a:prstGeom>
+          <a:noFill/>
+        </p:spPr>
+        <p:txBody>
+          <a:bodyPr wrap="square" rtlCol="0">
+            <a:spAutoFit/>
+          </a:bodyPr>
+          <a:lstStyle/>
+          <a:p>
+            <a:r>
+              <a:rPr lang="en-US" dirty="0">
+                <a:solidFill>
+                  <a:schemeClr val="bg1"/>
+                </a:solidFill>
+              </a:rPr>
+              <a:t>Neighborhood Image</a:t>
+            </a:r>
+          </a:p>
+        </p:txBody>
+      </p:sp>
+      <p:sp>
+        <p:nvSpPr>
+          <p:cNvPr id="43" name="Rectangle 42">
+            <a:extLst>
+              <a:ext uri="{FF2B5EF4-FFF2-40B4-BE49-F238E27FC236}">
+                <a16:creationId xmlns:a16="http://schemas.microsoft.com/office/drawing/2014/main" id="{D7CB54C9-A685-2042-DF80-E5349528324E}"/>
               </a:ext>
             </a:extLst>
           </p:cNvPr>
@@ -4068,8 +5652,8 @@
         </p:nvSpPr>
         <p:spPr>
           <a:xfrm>
-            <a:off x="8028264" y="2416029"/>
-            <a:ext cx="2449586" cy="1258349"/>
+            <a:off x="104863" y="3840308"/>
+            <a:ext cx="2705878" cy="1711354"/>
           </a:xfrm>
           <a:prstGeom prst="rect">
             <a:avLst/>
@@ -4102,10 +5686,49 @@
       </p:sp>
       <p:sp>
         <p:nvSpPr>
-          <p:cNvPr id="13" name="Rectangle 12">
-            <a:extLst>
-              <a:ext uri="{FF2B5EF4-FFF2-40B4-BE49-F238E27FC236}">
-                <a16:creationId xmlns:a16="http://schemas.microsoft.com/office/drawing/2014/main" id="{80EF415D-CFD5-0051-DBA9-E878A0BB915D}"/>
+          <p:cNvPr id="44" name="TextBox 43">
+            <a:extLst>
+              <a:ext uri="{FF2B5EF4-FFF2-40B4-BE49-F238E27FC236}">
+                <a16:creationId xmlns:a16="http://schemas.microsoft.com/office/drawing/2014/main" id="{B23D0498-1562-9337-09C0-5F280F330223}"/>
+              </a:ext>
+            </a:extLst>
+          </p:cNvPr>
+          <p:cNvSpPr txBox="1"/>
+          <p:nvPr/>
+        </p:nvSpPr>
+        <p:spPr>
+          <a:xfrm>
+            <a:off x="1013451" y="4193253"/>
+            <a:ext cx="888701" cy="646331"/>
+          </a:xfrm>
+          <a:prstGeom prst="rect">
+            <a:avLst/>
+          </a:prstGeom>
+          <a:noFill/>
+        </p:spPr>
+        <p:txBody>
+          <a:bodyPr wrap="square" rtlCol="0">
+            <a:spAutoFit/>
+          </a:bodyPr>
+          <a:lstStyle/>
+          <a:p>
+            <a:r>
+              <a:rPr lang="en-US" dirty="0">
+                <a:solidFill>
+                  <a:schemeClr val="bg1"/>
+                </a:solidFill>
+              </a:rPr>
+              <a:t>Nature Image</a:t>
+            </a:r>
+          </a:p>
+        </p:txBody>
+      </p:sp>
+      <p:sp>
+        <p:nvSpPr>
+          <p:cNvPr id="45" name="Rectangle 44">
+            <a:extLst>
+              <a:ext uri="{FF2B5EF4-FFF2-40B4-BE49-F238E27FC236}">
+                <a16:creationId xmlns:a16="http://schemas.microsoft.com/office/drawing/2014/main" id="{8E30FD2E-B667-1854-81CA-E978EC299EAE}"/>
               </a:ext>
             </a:extLst>
           </p:cNvPr>
@@ -4114,8 +5737,8 @@
         </p:nvSpPr>
         <p:spPr>
           <a:xfrm>
-            <a:off x="8028264" y="4672668"/>
-            <a:ext cx="2499919" cy="1342238"/>
+            <a:off x="9176698" y="3995355"/>
+            <a:ext cx="2705878" cy="1711354"/>
           </a:xfrm>
           <a:prstGeom prst="rect">
             <a:avLst/>
@@ -4148,10 +5771,49 @@
       </p:sp>
       <p:sp>
         <p:nvSpPr>
-          <p:cNvPr id="15" name="Rectangle 14">
-            <a:extLst>
-              <a:ext uri="{FF2B5EF4-FFF2-40B4-BE49-F238E27FC236}">
-                <a16:creationId xmlns:a16="http://schemas.microsoft.com/office/drawing/2014/main" id="{C9B9D8F5-C1E3-1765-5774-A579D74604C6}"/>
+          <p:cNvPr id="46" name="TextBox 45">
+            <a:extLst>
+              <a:ext uri="{FF2B5EF4-FFF2-40B4-BE49-F238E27FC236}">
+                <a16:creationId xmlns:a16="http://schemas.microsoft.com/office/drawing/2014/main" id="{D58C29BE-4ABB-AE93-435E-0CCA27D43320}"/>
+              </a:ext>
+            </a:extLst>
+          </p:cNvPr>
+          <p:cNvSpPr txBox="1"/>
+          <p:nvPr/>
+        </p:nvSpPr>
+        <p:spPr>
+          <a:xfrm>
+            <a:off x="9610558" y="4349286"/>
+            <a:ext cx="1381605" cy="646331"/>
+          </a:xfrm>
+          <a:prstGeom prst="rect">
+            <a:avLst/>
+          </a:prstGeom>
+          <a:noFill/>
+        </p:spPr>
+        <p:txBody>
+          <a:bodyPr wrap="square" rtlCol="0">
+            <a:spAutoFit/>
+          </a:bodyPr>
+          <a:lstStyle/>
+          <a:p>
+            <a:r>
+              <a:rPr lang="en-US" dirty="0">
+                <a:solidFill>
+                  <a:schemeClr val="bg1"/>
+                </a:solidFill>
+              </a:rPr>
+              <a:t>Industry Image</a:t>
+            </a:r>
+          </a:p>
+        </p:txBody>
+      </p:sp>
+      <p:sp>
+        <p:nvSpPr>
+          <p:cNvPr id="47" name="Rectangle 46">
+            <a:extLst>
+              <a:ext uri="{FF2B5EF4-FFF2-40B4-BE49-F238E27FC236}">
+                <a16:creationId xmlns:a16="http://schemas.microsoft.com/office/drawing/2014/main" id="{1E76809D-ACE6-9BCD-A9F4-23A961DA2944}"/>
               </a:ext>
             </a:extLst>
           </p:cNvPr>
@@ -4160,12 +5822,20 @@
         </p:nvSpPr>
         <p:spPr>
           <a:xfrm>
-            <a:off x="4311941" y="2416029"/>
-            <a:ext cx="2705878" cy="3473043"/>
-          </a:xfrm>
-          <a:prstGeom prst="rect">
-            <a:avLst/>
-          </a:prstGeom>
+            <a:off x="6238184" y="3995355"/>
+            <a:ext cx="2964058" cy="1711354"/>
+          </a:xfrm>
+          <a:prstGeom prst="rect">
+            <a:avLst/>
+          </a:prstGeom>
+          <a:solidFill>
+            <a:schemeClr val="bg1"/>
+          </a:solidFill>
+          <a:ln>
+            <a:solidFill>
+              <a:schemeClr val="tx1"/>
+            </a:solidFill>
+          </a:ln>
         </p:spPr>
         <p:style>
           <a:lnRef idx="2">
@@ -4194,10 +5864,10 @@
       </p:sp>
       <p:sp>
         <p:nvSpPr>
-          <p:cNvPr id="14" name="TextBox 13">
-            <a:extLst>
-              <a:ext uri="{FF2B5EF4-FFF2-40B4-BE49-F238E27FC236}">
-                <a16:creationId xmlns:a16="http://schemas.microsoft.com/office/drawing/2014/main" id="{84707F47-61E0-FB9C-8264-30D8A0C3719B}"/>
+          <p:cNvPr id="48" name="TextBox 47">
+            <a:extLst>
+              <a:ext uri="{FF2B5EF4-FFF2-40B4-BE49-F238E27FC236}">
+                <a16:creationId xmlns:a16="http://schemas.microsoft.com/office/drawing/2014/main" id="{B6411961-273D-63F1-2536-2BB5B4BF6BB0}"/>
               </a:ext>
             </a:extLst>
           </p:cNvPr>
@@ -4206,8 +5876,8 @@
         </p:nvSpPr>
         <p:spPr>
           <a:xfrm>
-            <a:off x="4389839" y="3288484"/>
-            <a:ext cx="2994869" cy="646331"/>
+            <a:off x="6720705" y="4188995"/>
+            <a:ext cx="2579459" cy="369332"/>
           </a:xfrm>
           <a:prstGeom prst="rect">
             <a:avLst/>
@@ -4221,412 +5891,18 @@
           <a:lstStyle/>
           <a:p>
             <a:r>
-              <a:rPr lang="en-US" dirty="0">
-                <a:solidFill>
-                  <a:schemeClr val="bg1"/>
-                </a:solidFill>
-              </a:rPr>
-              <a:t>3 cool facts and what the town is known for</a:t>
-            </a:r>
-          </a:p>
-        </p:txBody>
-      </p:sp>
-      <p:sp>
-        <p:nvSpPr>
-          <p:cNvPr id="16" name="TextBox 15">
-            <a:extLst>
-              <a:ext uri="{FF2B5EF4-FFF2-40B4-BE49-F238E27FC236}">
-                <a16:creationId xmlns:a16="http://schemas.microsoft.com/office/drawing/2014/main" id="{A7E180B4-75B8-E2B0-7CF9-81ADC0D640C2}"/>
-              </a:ext>
-            </a:extLst>
-          </p:cNvPr>
-          <p:cNvSpPr txBox="1"/>
-          <p:nvPr/>
-        </p:nvSpPr>
-        <p:spPr>
-          <a:xfrm>
-            <a:off x="4865615" y="444617"/>
-            <a:ext cx="1753299" cy="369332"/>
-          </a:xfrm>
-          <a:prstGeom prst="rect">
-            <a:avLst/>
-          </a:prstGeom>
-          <a:noFill/>
-        </p:spPr>
-        <p:txBody>
-          <a:bodyPr wrap="square" rtlCol="0">
-            <a:spAutoFit/>
-          </a:bodyPr>
-          <a:lstStyle/>
-          <a:p>
-            <a:r>
-              <a:rPr lang="en-US" dirty="0">
-                <a:solidFill>
-                  <a:schemeClr val="bg1"/>
-                </a:solidFill>
-              </a:rPr>
-              <a:t>Current City</a:t>
-            </a:r>
-          </a:p>
-        </p:txBody>
-      </p:sp>
-      <p:sp>
-        <p:nvSpPr>
-          <p:cNvPr id="17" name="TextBox 16">
-            <a:extLst>
-              <a:ext uri="{FF2B5EF4-FFF2-40B4-BE49-F238E27FC236}">
-                <a16:creationId xmlns:a16="http://schemas.microsoft.com/office/drawing/2014/main" id="{E08DA473-6963-6B06-0171-EF67EBFCF331}"/>
-              </a:ext>
-            </a:extLst>
-          </p:cNvPr>
-          <p:cNvSpPr txBox="1"/>
-          <p:nvPr/>
-        </p:nvSpPr>
-        <p:spPr>
-          <a:xfrm>
-            <a:off x="792760" y="1414315"/>
-            <a:ext cx="755009" cy="369332"/>
-          </a:xfrm>
-          <a:prstGeom prst="rect">
-            <a:avLst/>
-          </a:prstGeom>
-          <a:noFill/>
-        </p:spPr>
-        <p:txBody>
-          <a:bodyPr wrap="square" rtlCol="0">
-            <a:spAutoFit/>
-          </a:bodyPr>
-          <a:lstStyle/>
-          <a:p>
-            <a:r>
-              <a:rPr lang="en-US" dirty="0">
-                <a:solidFill>
-                  <a:schemeClr val="bg1"/>
-                </a:solidFill>
-              </a:rPr>
-              <a:t>City</a:t>
-            </a:r>
-          </a:p>
-        </p:txBody>
-      </p:sp>
-      <p:sp>
-        <p:nvSpPr>
-          <p:cNvPr id="18" name="TextBox 17">
-            <a:extLst>
-              <a:ext uri="{FF2B5EF4-FFF2-40B4-BE49-F238E27FC236}">
-                <a16:creationId xmlns:a16="http://schemas.microsoft.com/office/drawing/2014/main" id="{9EC3FA9F-E6EA-6B9F-25D8-C3883A8319BF}"/>
-              </a:ext>
-            </a:extLst>
-          </p:cNvPr>
-          <p:cNvSpPr txBox="1"/>
-          <p:nvPr/>
-        </p:nvSpPr>
-        <p:spPr>
-          <a:xfrm>
-            <a:off x="2697061" y="1444555"/>
-            <a:ext cx="755009" cy="369332"/>
-          </a:xfrm>
-          <a:prstGeom prst="rect">
-            <a:avLst/>
-          </a:prstGeom>
-          <a:noFill/>
-        </p:spPr>
-        <p:txBody>
-          <a:bodyPr wrap="square" rtlCol="0">
-            <a:spAutoFit/>
-          </a:bodyPr>
-          <a:lstStyle/>
-          <a:p>
-            <a:r>
-              <a:rPr lang="en-US" dirty="0">
-                <a:solidFill>
-                  <a:schemeClr val="bg1"/>
-                </a:solidFill>
-              </a:rPr>
-              <a:t>City</a:t>
-            </a:r>
-          </a:p>
-        </p:txBody>
-      </p:sp>
-      <p:sp>
-        <p:nvSpPr>
-          <p:cNvPr id="19" name="TextBox 18">
-            <a:extLst>
-              <a:ext uri="{FF2B5EF4-FFF2-40B4-BE49-F238E27FC236}">
-                <a16:creationId xmlns:a16="http://schemas.microsoft.com/office/drawing/2014/main" id="{9C117233-0A57-68DE-66BF-17AE901C0EDC}"/>
-              </a:ext>
-            </a:extLst>
-          </p:cNvPr>
-          <p:cNvSpPr txBox="1"/>
-          <p:nvPr/>
-        </p:nvSpPr>
-        <p:spPr>
-          <a:xfrm>
-            <a:off x="5266888" y="1501738"/>
-            <a:ext cx="755009" cy="369332"/>
-          </a:xfrm>
-          <a:prstGeom prst="rect">
-            <a:avLst/>
-          </a:prstGeom>
-          <a:noFill/>
-        </p:spPr>
-        <p:txBody>
-          <a:bodyPr wrap="square" rtlCol="0">
-            <a:spAutoFit/>
-          </a:bodyPr>
-          <a:lstStyle/>
-          <a:p>
-            <a:r>
-              <a:rPr lang="en-US" dirty="0">
-                <a:solidFill>
-                  <a:schemeClr val="bg1"/>
-                </a:solidFill>
-              </a:rPr>
-              <a:t>City</a:t>
-            </a:r>
-          </a:p>
-        </p:txBody>
-      </p:sp>
-      <p:sp>
-        <p:nvSpPr>
-          <p:cNvPr id="20" name="TextBox 19">
-            <a:extLst>
-              <a:ext uri="{FF2B5EF4-FFF2-40B4-BE49-F238E27FC236}">
-                <a16:creationId xmlns:a16="http://schemas.microsoft.com/office/drawing/2014/main" id="{BEFF95D1-01CE-ABD5-0390-74A8B0B5AEE3}"/>
-              </a:ext>
-            </a:extLst>
-          </p:cNvPr>
-          <p:cNvSpPr txBox="1"/>
-          <p:nvPr/>
-        </p:nvSpPr>
-        <p:spPr>
-          <a:xfrm>
-            <a:off x="8523214" y="1472159"/>
-            <a:ext cx="755009" cy="369332"/>
-          </a:xfrm>
-          <a:prstGeom prst="rect">
-            <a:avLst/>
-          </a:prstGeom>
-          <a:noFill/>
-        </p:spPr>
-        <p:txBody>
-          <a:bodyPr wrap="square" rtlCol="0">
-            <a:spAutoFit/>
-          </a:bodyPr>
-          <a:lstStyle/>
-          <a:p>
-            <a:r>
-              <a:rPr lang="en-US" dirty="0">
-                <a:solidFill>
-                  <a:schemeClr val="bg1"/>
-                </a:solidFill>
-              </a:rPr>
-              <a:t>City</a:t>
-            </a:r>
-          </a:p>
-        </p:txBody>
-      </p:sp>
-      <p:sp>
-        <p:nvSpPr>
-          <p:cNvPr id="21" name="TextBox 20">
-            <a:extLst>
-              <a:ext uri="{FF2B5EF4-FFF2-40B4-BE49-F238E27FC236}">
-                <a16:creationId xmlns:a16="http://schemas.microsoft.com/office/drawing/2014/main" id="{0CEB686C-FE03-5536-4D96-091C6D81F731}"/>
-              </a:ext>
-            </a:extLst>
-          </p:cNvPr>
-          <p:cNvSpPr txBox="1"/>
-          <p:nvPr/>
-        </p:nvSpPr>
-        <p:spPr>
-          <a:xfrm>
-            <a:off x="10912679" y="1514104"/>
-            <a:ext cx="755009" cy="369332"/>
-          </a:xfrm>
-          <a:prstGeom prst="rect">
-            <a:avLst/>
-          </a:prstGeom>
-          <a:noFill/>
-        </p:spPr>
-        <p:txBody>
-          <a:bodyPr wrap="square" rtlCol="0">
-            <a:spAutoFit/>
-          </a:bodyPr>
-          <a:lstStyle/>
-          <a:p>
-            <a:r>
-              <a:rPr lang="en-US" dirty="0">
-                <a:solidFill>
-                  <a:schemeClr val="bg1"/>
-                </a:solidFill>
-              </a:rPr>
-              <a:t>City</a:t>
-            </a:r>
-          </a:p>
-        </p:txBody>
-      </p:sp>
-      <p:sp>
-        <p:nvSpPr>
-          <p:cNvPr id="22" name="TextBox 21">
-            <a:extLst>
-              <a:ext uri="{FF2B5EF4-FFF2-40B4-BE49-F238E27FC236}">
-                <a16:creationId xmlns:a16="http://schemas.microsoft.com/office/drawing/2014/main" id="{C908AA13-DEE2-FDB8-5E7B-4A6CD15EE45F}"/>
-              </a:ext>
-            </a:extLst>
-          </p:cNvPr>
-          <p:cNvSpPr txBox="1"/>
-          <p:nvPr/>
-        </p:nvSpPr>
-        <p:spPr>
-          <a:xfrm>
-            <a:off x="1286312" y="5159121"/>
-            <a:ext cx="755009" cy="646331"/>
-          </a:xfrm>
-          <a:prstGeom prst="rect">
-            <a:avLst/>
-          </a:prstGeom>
-          <a:noFill/>
-        </p:spPr>
-        <p:txBody>
-          <a:bodyPr wrap="square" rtlCol="0">
-            <a:spAutoFit/>
-          </a:bodyPr>
-          <a:lstStyle/>
-          <a:p>
-            <a:r>
-              <a:rPr lang="en-US" dirty="0">
-                <a:solidFill>
-                  <a:schemeClr val="bg1"/>
-                </a:solidFill>
-              </a:rPr>
-              <a:t>City Pic 2</a:t>
-            </a:r>
-          </a:p>
-        </p:txBody>
-      </p:sp>
-      <p:sp>
-        <p:nvSpPr>
-          <p:cNvPr id="23" name="TextBox 22">
-            <a:extLst>
-              <a:ext uri="{FF2B5EF4-FFF2-40B4-BE49-F238E27FC236}">
-                <a16:creationId xmlns:a16="http://schemas.microsoft.com/office/drawing/2014/main" id="{B8DF7588-68BE-0F49-301A-2FDBE4A538A1}"/>
-              </a:ext>
-            </a:extLst>
-          </p:cNvPr>
-          <p:cNvSpPr txBox="1"/>
-          <p:nvPr/>
-        </p:nvSpPr>
-        <p:spPr>
-          <a:xfrm>
-            <a:off x="9041235" y="5201175"/>
-            <a:ext cx="755009" cy="646331"/>
-          </a:xfrm>
-          <a:prstGeom prst="rect">
-            <a:avLst/>
-          </a:prstGeom>
-          <a:noFill/>
-        </p:spPr>
-        <p:txBody>
-          <a:bodyPr wrap="square" rtlCol="0">
-            <a:spAutoFit/>
-          </a:bodyPr>
-          <a:lstStyle/>
-          <a:p>
-            <a:r>
-              <a:rPr lang="en-US" dirty="0">
-                <a:solidFill>
-                  <a:schemeClr val="bg1"/>
-                </a:solidFill>
-              </a:rPr>
-              <a:t>City Pic 4</a:t>
-            </a:r>
-          </a:p>
-        </p:txBody>
-      </p:sp>
-      <p:sp>
-        <p:nvSpPr>
-          <p:cNvPr id="24" name="TextBox 23">
-            <a:extLst>
-              <a:ext uri="{FF2B5EF4-FFF2-40B4-BE49-F238E27FC236}">
-                <a16:creationId xmlns:a16="http://schemas.microsoft.com/office/drawing/2014/main" id="{B468D73C-A24E-FF18-E8E0-C589FA5AC054}"/>
-              </a:ext>
-            </a:extLst>
-          </p:cNvPr>
-          <p:cNvSpPr txBox="1"/>
-          <p:nvPr/>
-        </p:nvSpPr>
-        <p:spPr>
-          <a:xfrm>
-            <a:off x="9051721" y="2794520"/>
-            <a:ext cx="755009" cy="646331"/>
-          </a:xfrm>
-          <a:prstGeom prst="rect">
-            <a:avLst/>
-          </a:prstGeom>
-          <a:noFill/>
-        </p:spPr>
-        <p:txBody>
-          <a:bodyPr wrap="square" rtlCol="0">
-            <a:spAutoFit/>
-          </a:bodyPr>
-          <a:lstStyle/>
-          <a:p>
-            <a:r>
-              <a:rPr lang="en-US" dirty="0">
-                <a:solidFill>
-                  <a:schemeClr val="bg1"/>
-                </a:solidFill>
-              </a:rPr>
-              <a:t>City Pic 3</a:t>
-            </a:r>
-          </a:p>
-        </p:txBody>
-      </p:sp>
-      <p:sp>
-        <p:nvSpPr>
-          <p:cNvPr id="25" name="TextBox 24">
-            <a:extLst>
-              <a:ext uri="{FF2B5EF4-FFF2-40B4-BE49-F238E27FC236}">
-                <a16:creationId xmlns:a16="http://schemas.microsoft.com/office/drawing/2014/main" id="{91C9DEC3-DBF0-F49D-97A9-E1B75E0F7B32}"/>
-              </a:ext>
-            </a:extLst>
-          </p:cNvPr>
-          <p:cNvSpPr txBox="1"/>
-          <p:nvPr/>
-        </p:nvSpPr>
-        <p:spPr>
-          <a:xfrm>
-            <a:off x="1170264" y="2794520"/>
-            <a:ext cx="755009" cy="646331"/>
-          </a:xfrm>
-          <a:prstGeom prst="rect">
-            <a:avLst/>
-          </a:prstGeom>
-          <a:noFill/>
-        </p:spPr>
-        <p:txBody>
-          <a:bodyPr wrap="square" rtlCol="0">
-            <a:spAutoFit/>
-          </a:bodyPr>
-          <a:lstStyle/>
-          <a:p>
-            <a:r>
-              <a:rPr lang="en-US" dirty="0">
-                <a:solidFill>
-                  <a:schemeClr val="bg1"/>
-                </a:solidFill>
-              </a:rPr>
-              <a:t>City Pic 1</a:t>
-            </a:r>
-          </a:p>
-        </p:txBody>
-      </p:sp>
-      <p:sp>
-        <p:nvSpPr>
-          <p:cNvPr id="26" name="Rectangle 25">
-            <a:extLst>
-              <a:ext uri="{FF2B5EF4-FFF2-40B4-BE49-F238E27FC236}">
-                <a16:creationId xmlns:a16="http://schemas.microsoft.com/office/drawing/2014/main" id="{15661926-DA73-CA43-5CD2-DEBA1D1DDDC0}"/>
+              <a:rPr lang="en-US" dirty="0"/>
+              <a:t>Info Text</a:t>
+            </a:r>
+          </a:p>
+        </p:txBody>
+      </p:sp>
+      <p:sp>
+        <p:nvSpPr>
+          <p:cNvPr id="49" name="Rectangle 48">
+            <a:extLst>
+              <a:ext uri="{FF2B5EF4-FFF2-40B4-BE49-F238E27FC236}">
+                <a16:creationId xmlns:a16="http://schemas.microsoft.com/office/drawing/2014/main" id="{8328485D-C210-377F-663F-118D3E877471}"/>
               </a:ext>
             </a:extLst>
           </p:cNvPr>
@@ -4635,12 +5911,20 @@
         </p:nvSpPr>
         <p:spPr>
           <a:xfrm>
-            <a:off x="2491530" y="335560"/>
-            <a:ext cx="1560353" cy="718799"/>
-          </a:xfrm>
-          <a:prstGeom prst="rect">
-            <a:avLst/>
-          </a:prstGeom>
+            <a:off x="2810740" y="3840307"/>
+            <a:ext cx="2938515" cy="1711354"/>
+          </a:xfrm>
+          <a:prstGeom prst="rect">
+            <a:avLst/>
+          </a:prstGeom>
+          <a:solidFill>
+            <a:schemeClr val="bg1"/>
+          </a:solidFill>
+          <a:ln>
+            <a:solidFill>
+              <a:schemeClr val="tx1"/>
+            </a:solidFill>
+          </a:ln>
         </p:spPr>
         <p:style>
           <a:lnRef idx="2">
@@ -4669,10 +5953,10 @@
       </p:sp>
       <p:sp>
         <p:nvSpPr>
-          <p:cNvPr id="27" name="TextBox 26">
-            <a:extLst>
-              <a:ext uri="{FF2B5EF4-FFF2-40B4-BE49-F238E27FC236}">
-                <a16:creationId xmlns:a16="http://schemas.microsoft.com/office/drawing/2014/main" id="{C445F471-75DF-F2B7-8A10-BBF0ABDC3C64}"/>
+          <p:cNvPr id="50" name="TextBox 49">
+            <a:extLst>
+              <a:ext uri="{FF2B5EF4-FFF2-40B4-BE49-F238E27FC236}">
+                <a16:creationId xmlns:a16="http://schemas.microsoft.com/office/drawing/2014/main" id="{94AC6094-704E-F689-2C35-10CC2866E9D9}"/>
               </a:ext>
             </a:extLst>
           </p:cNvPr>
@@ -4681,8 +5965,267 @@
         </p:nvSpPr>
         <p:spPr>
           <a:xfrm>
-            <a:off x="2697061" y="298580"/>
-            <a:ext cx="1132514" cy="646331"/>
+            <a:off x="3174615" y="4033947"/>
+            <a:ext cx="2557230" cy="369332"/>
+          </a:xfrm>
+          <a:prstGeom prst="rect">
+            <a:avLst/>
+          </a:prstGeom>
+          <a:noFill/>
+        </p:spPr>
+        <p:txBody>
+          <a:bodyPr wrap="square" rtlCol="0">
+            <a:spAutoFit/>
+          </a:bodyPr>
+          <a:lstStyle/>
+          <a:p>
+            <a:r>
+              <a:rPr lang="en-US" dirty="0"/>
+              <a:t>Info Text</a:t>
+            </a:r>
+          </a:p>
+        </p:txBody>
+      </p:sp>
+      <p:sp>
+        <p:nvSpPr>
+          <p:cNvPr id="51" name="Rectangle 50">
+            <a:extLst>
+              <a:ext uri="{FF2B5EF4-FFF2-40B4-BE49-F238E27FC236}">
+                <a16:creationId xmlns:a16="http://schemas.microsoft.com/office/drawing/2014/main" id="{EF835473-283E-6FDC-DAF2-5D956743FB7B}"/>
+              </a:ext>
+            </a:extLst>
+          </p:cNvPr>
+          <p:cNvSpPr/>
+          <p:nvPr/>
+        </p:nvSpPr>
+        <p:spPr>
+          <a:xfrm>
+            <a:off x="2803320" y="1797906"/>
+            <a:ext cx="2949430" cy="1711354"/>
+          </a:xfrm>
+          <a:prstGeom prst="rect">
+            <a:avLst/>
+          </a:prstGeom>
+          <a:solidFill>
+            <a:schemeClr val="bg1"/>
+          </a:solidFill>
+          <a:ln>
+            <a:solidFill>
+              <a:schemeClr val="tx1"/>
+            </a:solidFill>
+          </a:ln>
+        </p:spPr>
+        <p:style>
+          <a:lnRef idx="2">
+            <a:schemeClr val="accent1">
+              <a:shade val="50000"/>
+            </a:schemeClr>
+          </a:lnRef>
+          <a:fillRef idx="1">
+            <a:schemeClr val="accent1"/>
+          </a:fillRef>
+          <a:effectRef idx="0">
+            <a:schemeClr val="accent1"/>
+          </a:effectRef>
+          <a:fontRef idx="minor">
+            <a:schemeClr val="lt1"/>
+          </a:fontRef>
+        </p:style>
+        <p:txBody>
+          <a:bodyPr rtlCol="0" anchor="ctr"/>
+          <a:lstStyle/>
+          <a:p>
+            <a:pPr algn="ctr"/>
+            <a:endParaRPr lang="en-US"/>
+          </a:p>
+        </p:txBody>
+      </p:sp>
+      <p:sp>
+        <p:nvSpPr>
+          <p:cNvPr id="52" name="TextBox 51">
+            <a:extLst>
+              <a:ext uri="{FF2B5EF4-FFF2-40B4-BE49-F238E27FC236}">
+                <a16:creationId xmlns:a16="http://schemas.microsoft.com/office/drawing/2014/main" id="{F05C0A89-87BF-02B6-CB6F-2C3BCE811739}"/>
+              </a:ext>
+            </a:extLst>
+          </p:cNvPr>
+          <p:cNvSpPr txBox="1"/>
+          <p:nvPr/>
+        </p:nvSpPr>
+        <p:spPr>
+          <a:xfrm>
+            <a:off x="3167195" y="1991546"/>
+            <a:ext cx="2566729" cy="369332"/>
+          </a:xfrm>
+          <a:prstGeom prst="rect">
+            <a:avLst/>
+          </a:prstGeom>
+          <a:noFill/>
+        </p:spPr>
+        <p:txBody>
+          <a:bodyPr wrap="square" rtlCol="0">
+            <a:spAutoFit/>
+          </a:bodyPr>
+          <a:lstStyle/>
+          <a:p>
+            <a:r>
+              <a:rPr lang="en-US" dirty="0"/>
+              <a:t>Info Text</a:t>
+            </a:r>
+          </a:p>
+        </p:txBody>
+      </p:sp>
+      <p:sp>
+        <p:nvSpPr>
+          <p:cNvPr id="53" name="Rectangle 52">
+            <a:extLst>
+              <a:ext uri="{FF2B5EF4-FFF2-40B4-BE49-F238E27FC236}">
+                <a16:creationId xmlns:a16="http://schemas.microsoft.com/office/drawing/2014/main" id="{7BA05E19-D556-8308-D68B-C6B44C45DC67}"/>
+              </a:ext>
+            </a:extLst>
+          </p:cNvPr>
+          <p:cNvSpPr/>
+          <p:nvPr/>
+        </p:nvSpPr>
+        <p:spPr>
+          <a:xfrm>
+            <a:off x="6215115" y="1946470"/>
+            <a:ext cx="2930603" cy="1711354"/>
+          </a:xfrm>
+          <a:prstGeom prst="rect">
+            <a:avLst/>
+          </a:prstGeom>
+          <a:solidFill>
+            <a:schemeClr val="bg1"/>
+          </a:solidFill>
+          <a:ln>
+            <a:solidFill>
+              <a:schemeClr val="tx1"/>
+            </a:solidFill>
+          </a:ln>
+        </p:spPr>
+        <p:style>
+          <a:lnRef idx="2">
+            <a:schemeClr val="accent1">
+              <a:shade val="50000"/>
+            </a:schemeClr>
+          </a:lnRef>
+          <a:fillRef idx="1">
+            <a:schemeClr val="accent1"/>
+          </a:fillRef>
+          <a:effectRef idx="0">
+            <a:schemeClr val="accent1"/>
+          </a:effectRef>
+          <a:fontRef idx="minor">
+            <a:schemeClr val="lt1"/>
+          </a:fontRef>
+        </p:style>
+        <p:txBody>
+          <a:bodyPr rtlCol="0" anchor="ctr"/>
+          <a:lstStyle/>
+          <a:p>
+            <a:pPr algn="ctr"/>
+            <a:endParaRPr lang="en-US"/>
+          </a:p>
+        </p:txBody>
+      </p:sp>
+      <p:sp>
+        <p:nvSpPr>
+          <p:cNvPr id="54" name="TextBox 53">
+            <a:extLst>
+              <a:ext uri="{FF2B5EF4-FFF2-40B4-BE49-F238E27FC236}">
+                <a16:creationId xmlns:a16="http://schemas.microsoft.com/office/drawing/2014/main" id="{D5318264-8CC2-53B0-3035-315B28A4EE86}"/>
+              </a:ext>
+            </a:extLst>
+          </p:cNvPr>
+          <p:cNvSpPr txBox="1"/>
+          <p:nvPr/>
+        </p:nvSpPr>
+        <p:spPr>
+          <a:xfrm>
+            <a:off x="6693296" y="2140110"/>
+            <a:ext cx="2550345" cy="369332"/>
+          </a:xfrm>
+          <a:prstGeom prst="rect">
+            <a:avLst/>
+          </a:prstGeom>
+          <a:noFill/>
+        </p:spPr>
+        <p:txBody>
+          <a:bodyPr wrap="square" rtlCol="0">
+            <a:spAutoFit/>
+          </a:bodyPr>
+          <a:lstStyle/>
+          <a:p>
+            <a:r>
+              <a:rPr lang="en-US" dirty="0"/>
+              <a:t>Info Text</a:t>
+            </a:r>
+          </a:p>
+        </p:txBody>
+      </p:sp>
+      <p:sp>
+        <p:nvSpPr>
+          <p:cNvPr id="55" name="Rectangle 54">
+            <a:extLst>
+              <a:ext uri="{FF2B5EF4-FFF2-40B4-BE49-F238E27FC236}">
+                <a16:creationId xmlns:a16="http://schemas.microsoft.com/office/drawing/2014/main" id="{E3D4E044-B40A-E723-6F31-237851058F52}"/>
+              </a:ext>
+            </a:extLst>
+          </p:cNvPr>
+          <p:cNvSpPr/>
+          <p:nvPr/>
+        </p:nvSpPr>
+        <p:spPr>
+          <a:xfrm>
+            <a:off x="3489820" y="6006517"/>
+            <a:ext cx="4790114" cy="704676"/>
+          </a:xfrm>
+          <a:prstGeom prst="rect">
+            <a:avLst/>
+          </a:prstGeom>
+        </p:spPr>
+        <p:style>
+          <a:lnRef idx="2">
+            <a:schemeClr val="accent1">
+              <a:shade val="50000"/>
+            </a:schemeClr>
+          </a:lnRef>
+          <a:fillRef idx="1">
+            <a:schemeClr val="accent1"/>
+          </a:fillRef>
+          <a:effectRef idx="0">
+            <a:schemeClr val="accent1"/>
+          </a:effectRef>
+          <a:fontRef idx="minor">
+            <a:schemeClr val="lt1"/>
+          </a:fontRef>
+        </p:style>
+        <p:txBody>
+          <a:bodyPr rtlCol="0" anchor="ctr"/>
+          <a:lstStyle/>
+          <a:p>
+            <a:pPr algn="ctr"/>
+            <a:endParaRPr lang="en-US"/>
+          </a:p>
+        </p:txBody>
+      </p:sp>
+      <p:sp>
+        <p:nvSpPr>
+          <p:cNvPr id="56" name="TextBox 55">
+            <a:extLst>
+              <a:ext uri="{FF2B5EF4-FFF2-40B4-BE49-F238E27FC236}">
+                <a16:creationId xmlns:a16="http://schemas.microsoft.com/office/drawing/2014/main" id="{57565B96-68FC-60A5-685F-AC66CA5D77E2}"/>
+              </a:ext>
+            </a:extLst>
+          </p:cNvPr>
+          <p:cNvSpPr txBox="1"/>
+          <p:nvPr/>
+        </p:nvSpPr>
+        <p:spPr>
+          <a:xfrm>
+            <a:off x="4890781" y="6175905"/>
+            <a:ext cx="3233956" cy="369332"/>
           </a:xfrm>
           <a:prstGeom prst="rect">
             <a:avLst/>
@@ -4701,7 +6244,217 @@
                   <a:schemeClr val="bg1"/>
                 </a:solidFill>
               </a:rPr>
-              <a:t>City Data (weather)</a:t>
+              <a:t>Embedded Video</a:t>
+            </a:r>
+          </a:p>
+        </p:txBody>
+      </p:sp>
+      <p:sp>
+        <p:nvSpPr>
+          <p:cNvPr id="57" name="TextBox 56">
+            <a:extLst>
+              <a:ext uri="{FF2B5EF4-FFF2-40B4-BE49-F238E27FC236}">
+                <a16:creationId xmlns:a16="http://schemas.microsoft.com/office/drawing/2014/main" id="{7CA77A6C-F447-3400-5785-4D4DEA63A16C}"/>
+              </a:ext>
+            </a:extLst>
+          </p:cNvPr>
+          <p:cNvSpPr txBox="1"/>
+          <p:nvPr/>
+        </p:nvSpPr>
+        <p:spPr>
+          <a:xfrm>
+            <a:off x="522621" y="1077943"/>
+            <a:ext cx="2248678" cy="646331"/>
+          </a:xfrm>
+          <a:prstGeom prst="rect">
+            <a:avLst/>
+          </a:prstGeom>
+          <a:noFill/>
+        </p:spPr>
+        <p:txBody>
+          <a:bodyPr wrap="square" rtlCol="0">
+            <a:spAutoFit/>
+          </a:bodyPr>
+          <a:lstStyle/>
+          <a:p>
+            <a:r>
+              <a:rPr lang="en-US" dirty="0"/>
+              <a:t>*Background zoomed themed image of city</a:t>
+            </a:r>
+          </a:p>
+        </p:txBody>
+      </p:sp>
+      <p:sp>
+        <p:nvSpPr>
+          <p:cNvPr id="58" name="TextBox 57">
+            <a:extLst>
+              <a:ext uri="{FF2B5EF4-FFF2-40B4-BE49-F238E27FC236}">
+                <a16:creationId xmlns:a16="http://schemas.microsoft.com/office/drawing/2014/main" id="{ECE09E92-1456-002A-DB91-7AF3664BD3D4}"/>
+              </a:ext>
+            </a:extLst>
+          </p:cNvPr>
+          <p:cNvSpPr txBox="1"/>
+          <p:nvPr/>
+        </p:nvSpPr>
+        <p:spPr>
+          <a:xfrm>
+            <a:off x="620772" y="797326"/>
+            <a:ext cx="962213" cy="307777"/>
+          </a:xfrm>
+          <a:prstGeom prst="rect">
+            <a:avLst/>
+          </a:prstGeom>
+          <a:noFill/>
+        </p:spPr>
+        <p:txBody>
+          <a:bodyPr wrap="square" rtlCol="0">
+            <a:spAutoFit/>
+          </a:bodyPr>
+          <a:lstStyle/>
+          <a:p>
+            <a:r>
+              <a:rPr lang="en-US" sz="1400" dirty="0"/>
+              <a:t>Seattle</a:t>
+            </a:r>
+          </a:p>
+        </p:txBody>
+      </p:sp>
+      <p:sp>
+        <p:nvSpPr>
+          <p:cNvPr id="59" name="TextBox 58">
+            <a:extLst>
+              <a:ext uri="{FF2B5EF4-FFF2-40B4-BE49-F238E27FC236}">
+                <a16:creationId xmlns:a16="http://schemas.microsoft.com/office/drawing/2014/main" id="{493CCBA9-FF66-122D-A2DA-9E43B07EB552}"/>
+              </a:ext>
+            </a:extLst>
+          </p:cNvPr>
+          <p:cNvSpPr txBox="1"/>
+          <p:nvPr/>
+        </p:nvSpPr>
+        <p:spPr>
+          <a:xfrm>
+            <a:off x="2712340" y="801476"/>
+            <a:ext cx="1183264" cy="307777"/>
+          </a:xfrm>
+          <a:prstGeom prst="rect">
+            <a:avLst/>
+          </a:prstGeom>
+          <a:noFill/>
+        </p:spPr>
+        <p:txBody>
+          <a:bodyPr wrap="square" rtlCol="0">
+            <a:spAutoFit/>
+          </a:bodyPr>
+          <a:lstStyle/>
+          <a:p>
+            <a:r>
+              <a:rPr lang="en-US" sz="1400" dirty="0"/>
+              <a:t>Tempe</a:t>
+            </a:r>
+          </a:p>
+        </p:txBody>
+      </p:sp>
+      <p:sp>
+        <p:nvSpPr>
+          <p:cNvPr id="60" name="TextBox 59">
+            <a:extLst>
+              <a:ext uri="{FF2B5EF4-FFF2-40B4-BE49-F238E27FC236}">
+                <a16:creationId xmlns:a16="http://schemas.microsoft.com/office/drawing/2014/main" id="{802EFB1A-2F7E-94DF-2B07-9BD8F49C2057}"/>
+              </a:ext>
+            </a:extLst>
+          </p:cNvPr>
+          <p:cNvSpPr txBox="1"/>
+          <p:nvPr/>
+        </p:nvSpPr>
+        <p:spPr>
+          <a:xfrm>
+            <a:off x="10706001" y="803853"/>
+            <a:ext cx="1183264" cy="307777"/>
+          </a:xfrm>
+          <a:prstGeom prst="rect">
+            <a:avLst/>
+          </a:prstGeom>
+          <a:noFill/>
+        </p:spPr>
+        <p:txBody>
+          <a:bodyPr wrap="square" rtlCol="0">
+            <a:spAutoFit/>
+          </a:bodyPr>
+          <a:lstStyle/>
+          <a:p>
+            <a:r>
+              <a:rPr lang="en-US" sz="1400" dirty="0"/>
+              <a:t>Dutch Harbor</a:t>
+            </a:r>
+          </a:p>
+        </p:txBody>
+      </p:sp>
+      <p:sp>
+        <p:nvSpPr>
+          <p:cNvPr id="61" name="TextBox 60">
+            <a:extLst>
+              <a:ext uri="{FF2B5EF4-FFF2-40B4-BE49-F238E27FC236}">
+                <a16:creationId xmlns:a16="http://schemas.microsoft.com/office/drawing/2014/main" id="{99ADD78A-88B8-B0CD-B45E-DF437859018C}"/>
+              </a:ext>
+            </a:extLst>
+          </p:cNvPr>
+          <p:cNvSpPr txBox="1"/>
+          <p:nvPr/>
+        </p:nvSpPr>
+        <p:spPr>
+          <a:xfrm>
+            <a:off x="8183723" y="776521"/>
+            <a:ext cx="1573892" cy="307777"/>
+          </a:xfrm>
+          <a:prstGeom prst="rect">
+            <a:avLst/>
+          </a:prstGeom>
+          <a:noFill/>
+        </p:spPr>
+        <p:txBody>
+          <a:bodyPr wrap="square" rtlCol="0">
+            <a:spAutoFit/>
+          </a:bodyPr>
+          <a:lstStyle/>
+          <a:p>
+            <a:r>
+              <a:rPr lang="en-US" sz="1400" dirty="0"/>
+              <a:t>Laguna Beach</a:t>
+            </a:r>
+          </a:p>
+        </p:txBody>
+      </p:sp>
+      <p:sp>
+        <p:nvSpPr>
+          <p:cNvPr id="62" name="TextBox 61">
+            <a:extLst>
+              <a:ext uri="{FF2B5EF4-FFF2-40B4-BE49-F238E27FC236}">
+                <a16:creationId xmlns:a16="http://schemas.microsoft.com/office/drawing/2014/main" id="{EC88E1B7-341D-6DD6-75FA-BD5DFA0EFF1B}"/>
+              </a:ext>
+            </a:extLst>
+          </p:cNvPr>
+          <p:cNvSpPr txBox="1"/>
+          <p:nvPr/>
+        </p:nvSpPr>
+        <p:spPr>
+          <a:xfrm>
+            <a:off x="5301383" y="845885"/>
+            <a:ext cx="1530022" cy="307777"/>
+          </a:xfrm>
+          <a:prstGeom prst="rect">
+            <a:avLst/>
+          </a:prstGeom>
+          <a:noFill/>
+        </p:spPr>
+        <p:txBody>
+          <a:bodyPr wrap="square" rtlCol="0">
+            <a:spAutoFit/>
+          </a:bodyPr>
+          <a:lstStyle/>
+          <a:p>
+            <a:r>
+              <a:rPr lang="en-US" sz="1400" dirty="0"/>
+              <a:t>Copenhagen</a:t>
             </a:r>
           </a:p>
         </p:txBody>
@@ -4738,10 +6491,10 @@
       </p:grpSpPr>
       <p:sp>
         <p:nvSpPr>
-          <p:cNvPr id="4" name="Rectangle 3">
-            <a:extLst>
-              <a:ext uri="{FF2B5EF4-FFF2-40B4-BE49-F238E27FC236}">
-                <a16:creationId xmlns:a16="http://schemas.microsoft.com/office/drawing/2014/main" id="{7F542B40-6A9B-81B1-1B5C-B46DF047DE1F}"/>
+          <p:cNvPr id="14" name="Rectangle 13">
+            <a:extLst>
+              <a:ext uri="{FF2B5EF4-FFF2-40B4-BE49-F238E27FC236}">
+                <a16:creationId xmlns:a16="http://schemas.microsoft.com/office/drawing/2014/main" id="{BB69C2F7-09EC-4814-8FB0-213360ADC2CA}"/>
               </a:ext>
             </a:extLst>
           </p:cNvPr>
@@ -4750,15 +6503,18 @@
         </p:nvSpPr>
         <p:spPr>
           <a:xfrm>
-            <a:off x="3452069" y="0"/>
-            <a:ext cx="5394121" cy="6858000"/>
-          </a:xfrm>
-          <a:prstGeom prst="rect">
-            <a:avLst/>
-          </a:prstGeom>
-          <a:ln>
+            <a:off x="3238151" y="0"/>
+            <a:ext cx="4194495" cy="6858000"/>
+          </a:xfrm>
+          <a:prstGeom prst="rect">
+            <a:avLst/>
+          </a:prstGeom>
+          <a:solidFill>
+            <a:schemeClr val="bg1"/>
+          </a:solidFill>
+          <a:ln w="57150">
             <a:solidFill>
-              <a:schemeClr val="accent2"/>
+              <a:schemeClr val="tx1"/>
             </a:solidFill>
           </a:ln>
         </p:spPr>
@@ -4783,53 +6539,7 @@
           <a:lstStyle/>
           <a:p>
             <a:pPr algn="ctr"/>
-            <a:endParaRPr lang="en-US"/>
-          </a:p>
-        </p:txBody>
-      </p:sp>
-      <p:sp>
-        <p:nvSpPr>
-          <p:cNvPr id="5" name="Rectangle 4">
-            <a:extLst>
-              <a:ext uri="{FF2B5EF4-FFF2-40B4-BE49-F238E27FC236}">
-                <a16:creationId xmlns:a16="http://schemas.microsoft.com/office/drawing/2014/main" id="{D318772D-0B1C-329B-6A0D-79F02BF201D6}"/>
-              </a:ext>
-            </a:extLst>
-          </p:cNvPr>
-          <p:cNvSpPr/>
-          <p:nvPr/>
-        </p:nvSpPr>
-        <p:spPr>
-          <a:xfrm>
-            <a:off x="5293453" y="276837"/>
-            <a:ext cx="1820411" cy="914400"/>
-          </a:xfrm>
-          <a:prstGeom prst="rect">
-            <a:avLst/>
-          </a:prstGeom>
-        </p:spPr>
-        <p:style>
-          <a:lnRef idx="2">
-            <a:schemeClr val="accent2">
-              <a:shade val="50000"/>
-            </a:schemeClr>
-          </a:lnRef>
-          <a:fillRef idx="1">
-            <a:schemeClr val="accent2"/>
-          </a:fillRef>
-          <a:effectRef idx="0">
-            <a:schemeClr val="accent2"/>
-          </a:effectRef>
-          <a:fontRef idx="minor">
-            <a:schemeClr val="lt1"/>
-          </a:fontRef>
-        </p:style>
-        <p:txBody>
-          <a:bodyPr rtlCol="0" anchor="ctr"/>
-          <a:lstStyle/>
-          <a:p>
-            <a:pPr algn="ctr"/>
-            <a:endParaRPr lang="en-US"/>
+            <a:endParaRPr lang="en-US" dirty="0"/>
           </a:p>
         </p:txBody>
       </p:sp>
@@ -4847,8 +6557,8 @@
         </p:nvSpPr>
         <p:spPr>
           <a:xfrm>
-            <a:off x="5511567" y="520117"/>
-            <a:ext cx="1275127" cy="646331"/>
+            <a:off x="5251902" y="1088197"/>
+            <a:ext cx="1614668" cy="369332"/>
           </a:xfrm>
           <a:prstGeom prst="rect">
             <a:avLst/>
@@ -4862,7 +6572,7 @@
           <a:lstStyle/>
           <a:p>
             <a:r>
-              <a:rPr lang="en-US" dirty="0"/>
+              <a:rPr lang="en-US" b="1" u="sng" dirty="0"/>
               <a:t>Current City</a:t>
             </a:r>
           </a:p>
@@ -4870,10 +6580,10 @@
       </p:sp>
       <p:sp>
         <p:nvSpPr>
-          <p:cNvPr id="7" name="Rectangle 6">
-            <a:extLst>
-              <a:ext uri="{FF2B5EF4-FFF2-40B4-BE49-F238E27FC236}">
-                <a16:creationId xmlns:a16="http://schemas.microsoft.com/office/drawing/2014/main" id="{9F83C3C7-E25A-E453-8DC0-B0F2918A1A08}"/>
+          <p:cNvPr id="31" name="Rectangle 30">
+            <a:extLst>
+              <a:ext uri="{FF2B5EF4-FFF2-40B4-BE49-F238E27FC236}">
+                <a16:creationId xmlns:a16="http://schemas.microsoft.com/office/drawing/2014/main" id="{75BB2F26-DCA6-E3B2-2AED-3D913E6E1B4C}"/>
               </a:ext>
             </a:extLst>
           </p:cNvPr>
@@ -4882,8 +6592,8 @@
         </p:nvSpPr>
         <p:spPr>
           <a:xfrm>
-            <a:off x="3556933" y="1535185"/>
-            <a:ext cx="1082180" cy="478173"/>
+            <a:off x="3827766" y="960575"/>
+            <a:ext cx="1338043" cy="695366"/>
           </a:xfrm>
           <a:prstGeom prst="rect">
             <a:avLst/>
@@ -4916,49 +6626,10 @@
       </p:sp>
       <p:sp>
         <p:nvSpPr>
-          <p:cNvPr id="8" name="TextBox 7">
-            <a:extLst>
-              <a:ext uri="{FF2B5EF4-FFF2-40B4-BE49-F238E27FC236}">
-                <a16:creationId xmlns:a16="http://schemas.microsoft.com/office/drawing/2014/main" id="{0251424B-73C8-CD57-EB4E-0DD20A3A753F}"/>
-              </a:ext>
-            </a:extLst>
-          </p:cNvPr>
-          <p:cNvSpPr txBox="1"/>
-          <p:nvPr/>
-        </p:nvSpPr>
-        <p:spPr>
-          <a:xfrm>
-            <a:off x="3773964" y="1505018"/>
-            <a:ext cx="785453" cy="369332"/>
-          </a:xfrm>
-          <a:prstGeom prst="rect">
-            <a:avLst/>
-          </a:prstGeom>
-          <a:noFill/>
-        </p:spPr>
-        <p:txBody>
-          <a:bodyPr wrap="square" rtlCol="0">
-            <a:spAutoFit/>
-          </a:bodyPr>
-          <a:lstStyle/>
-          <a:p>
-            <a:r>
-              <a:rPr lang="en-US" dirty="0">
-                <a:solidFill>
-                  <a:schemeClr val="bg1"/>
-                </a:solidFill>
-              </a:rPr>
-              <a:t>City</a:t>
-            </a:r>
-          </a:p>
-        </p:txBody>
-      </p:sp>
-      <p:sp>
-        <p:nvSpPr>
-          <p:cNvPr id="21" name="Rectangle 20">
-            <a:extLst>
-              <a:ext uri="{FF2B5EF4-FFF2-40B4-BE49-F238E27FC236}">
-                <a16:creationId xmlns:a16="http://schemas.microsoft.com/office/drawing/2014/main" id="{E79EFE57-3FB5-F564-2F18-4012F4BE5411}"/>
+          <p:cNvPr id="3" name="Oval 2">
+            <a:extLst>
+              <a:ext uri="{FF2B5EF4-FFF2-40B4-BE49-F238E27FC236}">
+                <a16:creationId xmlns:a16="http://schemas.microsoft.com/office/drawing/2014/main" id="{557DF18F-A23D-9D25-8B28-7F254BADD076}"/>
               </a:ext>
             </a:extLst>
           </p:cNvPr>
@@ -4967,10 +6638,10 @@
         </p:nvSpPr>
         <p:spPr>
           <a:xfrm>
-            <a:off x="3598878" y="2315361"/>
-            <a:ext cx="1040235" cy="411061"/>
-          </a:xfrm>
-          <a:prstGeom prst="rect">
+            <a:off x="4033017" y="72870"/>
+            <a:ext cx="553671" cy="555901"/>
+          </a:xfrm>
+          <a:prstGeom prst="ellipse">
             <a:avLst/>
           </a:prstGeom>
         </p:spPr>
@@ -5001,49 +6672,10 @@
       </p:sp>
       <p:sp>
         <p:nvSpPr>
-          <p:cNvPr id="22" name="TextBox 21">
-            <a:extLst>
-              <a:ext uri="{FF2B5EF4-FFF2-40B4-BE49-F238E27FC236}">
-                <a16:creationId xmlns:a16="http://schemas.microsoft.com/office/drawing/2014/main" id="{2E62665E-C9C2-7CB3-5D54-A99FE6273236}"/>
-              </a:ext>
-            </a:extLst>
-          </p:cNvPr>
-          <p:cNvSpPr txBox="1"/>
-          <p:nvPr/>
-        </p:nvSpPr>
-        <p:spPr>
-          <a:xfrm>
-            <a:off x="3804409" y="2278381"/>
-            <a:ext cx="755009" cy="369332"/>
-          </a:xfrm>
-          <a:prstGeom prst="rect">
-            <a:avLst/>
-          </a:prstGeom>
-          <a:noFill/>
-        </p:spPr>
-        <p:txBody>
-          <a:bodyPr wrap="square" rtlCol="0">
-            <a:spAutoFit/>
-          </a:bodyPr>
-          <a:lstStyle/>
-          <a:p>
-            <a:r>
-              <a:rPr lang="en-US" dirty="0">
-                <a:solidFill>
-                  <a:schemeClr val="bg1"/>
-                </a:solidFill>
-              </a:rPr>
-              <a:t>City</a:t>
-            </a:r>
-          </a:p>
-        </p:txBody>
-      </p:sp>
-      <p:sp>
-        <p:nvSpPr>
-          <p:cNvPr id="23" name="Rectangle 22">
-            <a:extLst>
-              <a:ext uri="{FF2B5EF4-FFF2-40B4-BE49-F238E27FC236}">
-                <a16:creationId xmlns:a16="http://schemas.microsoft.com/office/drawing/2014/main" id="{15E44D86-C0B6-900D-1AC6-7CE3CCE4AF86}"/>
+          <p:cNvPr id="9" name="Oval 8">
+            <a:extLst>
+              <a:ext uri="{FF2B5EF4-FFF2-40B4-BE49-F238E27FC236}">
+                <a16:creationId xmlns:a16="http://schemas.microsoft.com/office/drawing/2014/main" id="{4B7C63FE-D066-3FC9-C2E7-8B95855C5EFC}"/>
               </a:ext>
             </a:extLst>
           </p:cNvPr>
@@ -5052,10 +6684,10 @@
         </p:nvSpPr>
         <p:spPr>
           <a:xfrm>
-            <a:off x="3598878" y="2912736"/>
-            <a:ext cx="1040235" cy="411061"/>
-          </a:xfrm>
-          <a:prstGeom prst="rect">
+            <a:off x="4846397" y="88784"/>
+            <a:ext cx="553671" cy="555901"/>
+          </a:xfrm>
+          <a:prstGeom prst="ellipse">
             <a:avLst/>
           </a:prstGeom>
         </p:spPr>
@@ -5086,49 +6718,10 @@
       </p:sp>
       <p:sp>
         <p:nvSpPr>
-          <p:cNvPr id="24" name="TextBox 23">
-            <a:extLst>
-              <a:ext uri="{FF2B5EF4-FFF2-40B4-BE49-F238E27FC236}">
-                <a16:creationId xmlns:a16="http://schemas.microsoft.com/office/drawing/2014/main" id="{5BF7EF37-B677-20C9-ECD7-0BE1EEE79486}"/>
-              </a:ext>
-            </a:extLst>
-          </p:cNvPr>
-          <p:cNvSpPr txBox="1"/>
-          <p:nvPr/>
-        </p:nvSpPr>
-        <p:spPr>
-          <a:xfrm>
-            <a:off x="3804409" y="2875756"/>
-            <a:ext cx="755009" cy="369332"/>
-          </a:xfrm>
-          <a:prstGeom prst="rect">
-            <a:avLst/>
-          </a:prstGeom>
-          <a:noFill/>
-        </p:spPr>
-        <p:txBody>
-          <a:bodyPr wrap="square" rtlCol="0">
-            <a:spAutoFit/>
-          </a:bodyPr>
-          <a:lstStyle/>
-          <a:p>
-            <a:r>
-              <a:rPr lang="en-US" dirty="0">
-                <a:solidFill>
-                  <a:schemeClr val="bg1"/>
-                </a:solidFill>
-              </a:rPr>
-              <a:t>City</a:t>
-            </a:r>
-          </a:p>
-        </p:txBody>
-      </p:sp>
-      <p:sp>
-        <p:nvSpPr>
-          <p:cNvPr id="25" name="Rectangle 24">
-            <a:extLst>
-              <a:ext uri="{FF2B5EF4-FFF2-40B4-BE49-F238E27FC236}">
-                <a16:creationId xmlns:a16="http://schemas.microsoft.com/office/drawing/2014/main" id="{9EE40796-E32D-DAF0-E5F2-6F358DC90BEF}"/>
+          <p:cNvPr id="10" name="Oval 9">
+            <a:extLst>
+              <a:ext uri="{FF2B5EF4-FFF2-40B4-BE49-F238E27FC236}">
+                <a16:creationId xmlns:a16="http://schemas.microsoft.com/office/drawing/2014/main" id="{878082AA-45F9-B96F-FF28-74CA2AF90825}"/>
               </a:ext>
             </a:extLst>
           </p:cNvPr>
@@ -5137,10 +6730,10 @@
         </p:nvSpPr>
         <p:spPr>
           <a:xfrm>
-            <a:off x="3598878" y="3591351"/>
-            <a:ext cx="1040235" cy="411061"/>
-          </a:xfrm>
-          <a:prstGeom prst="rect">
+            <a:off x="5733514" y="93872"/>
+            <a:ext cx="553671" cy="555901"/>
+          </a:xfrm>
+          <a:prstGeom prst="ellipse">
             <a:avLst/>
           </a:prstGeom>
         </p:spPr>
@@ -5171,49 +6764,10 @@
       </p:sp>
       <p:sp>
         <p:nvSpPr>
-          <p:cNvPr id="26" name="TextBox 25">
-            <a:extLst>
-              <a:ext uri="{FF2B5EF4-FFF2-40B4-BE49-F238E27FC236}">
-                <a16:creationId xmlns:a16="http://schemas.microsoft.com/office/drawing/2014/main" id="{D1562B99-9FB7-9F9B-0845-9B23BB3F40F2}"/>
-              </a:ext>
-            </a:extLst>
-          </p:cNvPr>
-          <p:cNvSpPr txBox="1"/>
-          <p:nvPr/>
-        </p:nvSpPr>
-        <p:spPr>
-          <a:xfrm>
-            <a:off x="3804409" y="3554371"/>
-            <a:ext cx="755009" cy="369332"/>
-          </a:xfrm>
-          <a:prstGeom prst="rect">
-            <a:avLst/>
-          </a:prstGeom>
-          <a:noFill/>
-        </p:spPr>
-        <p:txBody>
-          <a:bodyPr wrap="square" rtlCol="0">
-            <a:spAutoFit/>
-          </a:bodyPr>
-          <a:lstStyle/>
-          <a:p>
-            <a:r>
-              <a:rPr lang="en-US" dirty="0">
-                <a:solidFill>
-                  <a:schemeClr val="bg1"/>
-                </a:solidFill>
-              </a:rPr>
-              <a:t>City</a:t>
-            </a:r>
-          </a:p>
-        </p:txBody>
-      </p:sp>
-      <p:sp>
-        <p:nvSpPr>
-          <p:cNvPr id="27" name="Rectangle 26">
-            <a:extLst>
-              <a:ext uri="{FF2B5EF4-FFF2-40B4-BE49-F238E27FC236}">
-                <a16:creationId xmlns:a16="http://schemas.microsoft.com/office/drawing/2014/main" id="{22F7258E-7E49-283C-19EE-20B20835E837}"/>
+          <p:cNvPr id="11" name="Oval 10">
+            <a:extLst>
+              <a:ext uri="{FF2B5EF4-FFF2-40B4-BE49-F238E27FC236}">
+                <a16:creationId xmlns:a16="http://schemas.microsoft.com/office/drawing/2014/main" id="{1AFAF5AE-C9E2-1BD1-BC92-790C25067A35}"/>
               </a:ext>
             </a:extLst>
           </p:cNvPr>
@@ -5222,10 +6776,10 @@
         </p:nvSpPr>
         <p:spPr>
           <a:xfrm>
-            <a:off x="3598878" y="4191257"/>
-            <a:ext cx="1040235" cy="411061"/>
-          </a:xfrm>
-          <a:prstGeom prst="rect">
+            <a:off x="6566273" y="85774"/>
+            <a:ext cx="553671" cy="555901"/>
+          </a:xfrm>
+          <a:prstGeom prst="ellipse">
             <a:avLst/>
           </a:prstGeom>
         </p:spPr>
@@ -5256,49 +6810,10 @@
       </p:sp>
       <p:sp>
         <p:nvSpPr>
-          <p:cNvPr id="28" name="TextBox 27">
-            <a:extLst>
-              <a:ext uri="{FF2B5EF4-FFF2-40B4-BE49-F238E27FC236}">
-                <a16:creationId xmlns:a16="http://schemas.microsoft.com/office/drawing/2014/main" id="{B24CE886-BB2B-F599-A3B0-B5D43C5C84B1}"/>
-              </a:ext>
-            </a:extLst>
-          </p:cNvPr>
-          <p:cNvSpPr txBox="1"/>
-          <p:nvPr/>
-        </p:nvSpPr>
-        <p:spPr>
-          <a:xfrm>
-            <a:off x="3804409" y="4154277"/>
-            <a:ext cx="755009" cy="369332"/>
-          </a:xfrm>
-          <a:prstGeom prst="rect">
-            <a:avLst/>
-          </a:prstGeom>
-          <a:noFill/>
-        </p:spPr>
-        <p:txBody>
-          <a:bodyPr wrap="square" rtlCol="0">
-            <a:spAutoFit/>
-          </a:bodyPr>
-          <a:lstStyle/>
-          <a:p>
-            <a:r>
-              <a:rPr lang="en-US" dirty="0">
-                <a:solidFill>
-                  <a:schemeClr val="bg1"/>
-                </a:solidFill>
-              </a:rPr>
-              <a:t>City</a:t>
-            </a:r>
-          </a:p>
-        </p:txBody>
-      </p:sp>
-      <p:sp>
-        <p:nvSpPr>
-          <p:cNvPr id="29" name="Rectangle 28">
-            <a:extLst>
-              <a:ext uri="{FF2B5EF4-FFF2-40B4-BE49-F238E27FC236}">
-                <a16:creationId xmlns:a16="http://schemas.microsoft.com/office/drawing/2014/main" id="{043E04CC-2EC3-CD12-46E7-D932BECF505B}"/>
+          <p:cNvPr id="12" name="Oval 11">
+            <a:extLst>
+              <a:ext uri="{FF2B5EF4-FFF2-40B4-BE49-F238E27FC236}">
+                <a16:creationId xmlns:a16="http://schemas.microsoft.com/office/drawing/2014/main" id="{457B3AC5-D7E8-B117-AC78-6522E854412D}"/>
               </a:ext>
             </a:extLst>
           </p:cNvPr>
@@ -5307,10 +6822,10 @@
         </p:nvSpPr>
         <p:spPr>
           <a:xfrm>
-            <a:off x="5466916" y="1668819"/>
-            <a:ext cx="3070371" cy="3247130"/>
-          </a:xfrm>
-          <a:prstGeom prst="rect">
+            <a:off x="3347741" y="31310"/>
+            <a:ext cx="553671" cy="555901"/>
+          </a:xfrm>
+          <a:prstGeom prst="ellipse">
             <a:avLst/>
           </a:prstGeom>
         </p:spPr>
@@ -5341,49 +6856,10 @@
       </p:sp>
       <p:sp>
         <p:nvSpPr>
-          <p:cNvPr id="30" name="TextBox 29">
-            <a:extLst>
-              <a:ext uri="{FF2B5EF4-FFF2-40B4-BE49-F238E27FC236}">
-                <a16:creationId xmlns:a16="http://schemas.microsoft.com/office/drawing/2014/main" id="{8242E6F2-DAFE-A961-7517-36F2E60A9365}"/>
-              </a:ext>
-            </a:extLst>
-          </p:cNvPr>
-          <p:cNvSpPr txBox="1"/>
-          <p:nvPr/>
-        </p:nvSpPr>
-        <p:spPr>
-          <a:xfrm>
-            <a:off x="5672447" y="1631839"/>
-            <a:ext cx="2228494" cy="646331"/>
-          </a:xfrm>
-          <a:prstGeom prst="rect">
-            <a:avLst/>
-          </a:prstGeom>
-          <a:noFill/>
-        </p:spPr>
-        <p:txBody>
-          <a:bodyPr wrap="square" rtlCol="0">
-            <a:spAutoFit/>
-          </a:bodyPr>
-          <a:lstStyle/>
-          <a:p>
-            <a:r>
-              <a:rPr lang="en-US" dirty="0">
-                <a:solidFill>
-                  <a:schemeClr val="bg1"/>
-                </a:solidFill>
-              </a:rPr>
-              <a:t>3 Fun facts and what the town is known for</a:t>
-            </a:r>
-          </a:p>
-        </p:txBody>
-      </p:sp>
-      <p:sp>
-        <p:nvSpPr>
-          <p:cNvPr id="31" name="Rectangle 30">
-            <a:extLst>
-              <a:ext uri="{FF2B5EF4-FFF2-40B4-BE49-F238E27FC236}">
-                <a16:creationId xmlns:a16="http://schemas.microsoft.com/office/drawing/2014/main" id="{75BB2F26-DCA6-E3B2-2AED-3D913E6E1B4C}"/>
+          <p:cNvPr id="13" name="Rectangle: Rounded Corners 12">
+            <a:extLst>
+              <a:ext uri="{FF2B5EF4-FFF2-40B4-BE49-F238E27FC236}">
+                <a16:creationId xmlns:a16="http://schemas.microsoft.com/office/drawing/2014/main" id="{9826609D-6926-AD31-96BB-F33346D43A28}"/>
               </a:ext>
             </a:extLst>
           </p:cNvPr>
@@ -5392,10 +6868,10 @@
         </p:nvSpPr>
         <p:spPr>
           <a:xfrm>
-            <a:off x="3556933" y="471082"/>
-            <a:ext cx="1338043" cy="695366"/>
-          </a:xfrm>
-          <a:prstGeom prst="rect">
+            <a:off x="3408036" y="1691201"/>
+            <a:ext cx="3605160" cy="1057013"/>
+          </a:xfrm>
+          <a:prstGeom prst="roundRect">
             <a:avLst/>
           </a:prstGeom>
         </p:spPr>
@@ -5426,49 +6902,10 @@
       </p:sp>
       <p:sp>
         <p:nvSpPr>
-          <p:cNvPr id="32" name="TextBox 31">
-            <a:extLst>
-              <a:ext uri="{FF2B5EF4-FFF2-40B4-BE49-F238E27FC236}">
-                <a16:creationId xmlns:a16="http://schemas.microsoft.com/office/drawing/2014/main" id="{01172F56-A790-FA73-D95E-A31D97AE186D}"/>
-              </a:ext>
-            </a:extLst>
-          </p:cNvPr>
-          <p:cNvSpPr txBox="1"/>
-          <p:nvPr/>
-        </p:nvSpPr>
-        <p:spPr>
-          <a:xfrm>
-            <a:off x="3598879" y="489756"/>
-            <a:ext cx="1161874" cy="646331"/>
-          </a:xfrm>
-          <a:prstGeom prst="rect">
-            <a:avLst/>
-          </a:prstGeom>
-          <a:noFill/>
-        </p:spPr>
-        <p:txBody>
-          <a:bodyPr wrap="square" rtlCol="0">
-            <a:spAutoFit/>
-          </a:bodyPr>
-          <a:lstStyle/>
-          <a:p>
-            <a:r>
-              <a:rPr lang="en-US" dirty="0">
-                <a:solidFill>
-                  <a:schemeClr val="bg1"/>
-                </a:solidFill>
-              </a:rPr>
-              <a:t>City Data (weather)</a:t>
-            </a:r>
-          </a:p>
-        </p:txBody>
-      </p:sp>
-      <p:sp>
-        <p:nvSpPr>
-          <p:cNvPr id="33" name="Rectangle 32">
-            <a:extLst>
-              <a:ext uri="{FF2B5EF4-FFF2-40B4-BE49-F238E27FC236}">
-                <a16:creationId xmlns:a16="http://schemas.microsoft.com/office/drawing/2014/main" id="{60F0F6EF-FECC-BBCE-BD31-591015789A14}"/>
+          <p:cNvPr id="15" name="Rectangle: Rounded Corners 14">
+            <a:extLst>
+              <a:ext uri="{FF2B5EF4-FFF2-40B4-BE49-F238E27FC236}">
+                <a16:creationId xmlns:a16="http://schemas.microsoft.com/office/drawing/2014/main" id="{A7F2BBFF-6625-9287-FA90-144AF88EDA89}"/>
               </a:ext>
             </a:extLst>
           </p:cNvPr>
@@ -5477,10 +6914,10 @@
         </p:nvSpPr>
         <p:spPr>
           <a:xfrm>
-            <a:off x="3598878" y="5064260"/>
-            <a:ext cx="1535185" cy="816423"/>
-          </a:xfrm>
-          <a:prstGeom prst="rect">
+            <a:off x="3419891" y="4921528"/>
+            <a:ext cx="2794736" cy="938591"/>
+          </a:xfrm>
+          <a:prstGeom prst="roundRect">
             <a:avLst/>
           </a:prstGeom>
         </p:spPr>
@@ -5511,49 +6948,10 @@
       </p:sp>
       <p:sp>
         <p:nvSpPr>
-          <p:cNvPr id="34" name="TextBox 33">
-            <a:extLst>
-              <a:ext uri="{FF2B5EF4-FFF2-40B4-BE49-F238E27FC236}">
-                <a16:creationId xmlns:a16="http://schemas.microsoft.com/office/drawing/2014/main" id="{2539307A-983D-7578-AFD3-0642C6F49B71}"/>
-              </a:ext>
-            </a:extLst>
-          </p:cNvPr>
-          <p:cNvSpPr txBox="1"/>
-          <p:nvPr/>
-        </p:nvSpPr>
-        <p:spPr>
-          <a:xfrm>
-            <a:off x="3767673" y="5098450"/>
-            <a:ext cx="993079" cy="646331"/>
-          </a:xfrm>
-          <a:prstGeom prst="rect">
-            <a:avLst/>
-          </a:prstGeom>
-          <a:noFill/>
-        </p:spPr>
-        <p:txBody>
-          <a:bodyPr wrap="square" rtlCol="0">
-            <a:spAutoFit/>
-          </a:bodyPr>
-          <a:lstStyle/>
-          <a:p>
-            <a:r>
-              <a:rPr lang="en-US" dirty="0">
-                <a:solidFill>
-                  <a:schemeClr val="bg1"/>
-                </a:solidFill>
-              </a:rPr>
-              <a:t>City Pic 1</a:t>
-            </a:r>
-          </a:p>
-        </p:txBody>
-      </p:sp>
-      <p:sp>
-        <p:nvSpPr>
-          <p:cNvPr id="35" name="Rectangle 34">
-            <a:extLst>
-              <a:ext uri="{FF2B5EF4-FFF2-40B4-BE49-F238E27FC236}">
-                <a16:creationId xmlns:a16="http://schemas.microsoft.com/office/drawing/2014/main" id="{C0797EFD-4B03-324D-D7C4-AC3ADB8ACDB7}"/>
+          <p:cNvPr id="17" name="Rectangle: Rounded Corners 16">
+            <a:extLst>
+              <a:ext uri="{FF2B5EF4-FFF2-40B4-BE49-F238E27FC236}">
+                <a16:creationId xmlns:a16="http://schemas.microsoft.com/office/drawing/2014/main" id="{95FCCE86-84AA-786C-BB36-6F4C4AFF7376}"/>
               </a:ext>
             </a:extLst>
           </p:cNvPr>
@@ -5562,10 +6960,10 @@
         </p:nvSpPr>
         <p:spPr>
           <a:xfrm>
-            <a:off x="6390313" y="5432160"/>
-            <a:ext cx="2315362" cy="1258349"/>
-          </a:xfrm>
-          <a:prstGeom prst="rect">
+            <a:off x="3238151" y="3485395"/>
+            <a:ext cx="2495363" cy="944257"/>
+          </a:xfrm>
+          <a:prstGeom prst="roundRect">
             <a:avLst/>
           </a:prstGeom>
         </p:spPr>
@@ -5596,10 +6994,10 @@
       </p:sp>
       <p:sp>
         <p:nvSpPr>
-          <p:cNvPr id="36" name="TextBox 35">
-            <a:extLst>
-              <a:ext uri="{FF2B5EF4-FFF2-40B4-BE49-F238E27FC236}">
-                <a16:creationId xmlns:a16="http://schemas.microsoft.com/office/drawing/2014/main" id="{5613EAF9-1977-8D57-7EB9-19B3B677B3E8}"/>
+          <p:cNvPr id="18" name="TextBox 17">
+            <a:extLst>
+              <a:ext uri="{FF2B5EF4-FFF2-40B4-BE49-F238E27FC236}">
+                <a16:creationId xmlns:a16="http://schemas.microsoft.com/office/drawing/2014/main" id="{6674A9DF-ED7A-E998-E367-071F9BAE9EEB}"/>
               </a:ext>
             </a:extLst>
           </p:cNvPr>
@@ -5608,8 +7006,8 @@
         </p:nvSpPr>
         <p:spPr>
           <a:xfrm>
-            <a:off x="7589940" y="5792135"/>
-            <a:ext cx="755009" cy="646331"/>
+            <a:off x="3506080" y="114091"/>
+            <a:ext cx="631794" cy="369332"/>
           </a:xfrm>
           <a:prstGeom prst="rect">
             <a:avLst/>
@@ -5628,17 +7026,465 @@
                   <a:schemeClr val="bg1"/>
                 </a:solidFill>
               </a:rPr>
-              <a:t>City Pic 4</a:t>
-            </a:r>
-          </a:p>
-        </p:txBody>
-      </p:sp>
-      <p:sp>
-        <p:nvSpPr>
-          <p:cNvPr id="37" name="Rectangle 36">
-            <a:extLst>
-              <a:ext uri="{FF2B5EF4-FFF2-40B4-BE49-F238E27FC236}">
-                <a16:creationId xmlns:a16="http://schemas.microsoft.com/office/drawing/2014/main" id="{1AC021F9-10B5-FC61-4944-3C1274629F91}"/>
+              <a:t>I</a:t>
+            </a:r>
+          </a:p>
+        </p:txBody>
+      </p:sp>
+      <p:sp>
+        <p:nvSpPr>
+          <p:cNvPr id="19" name="TextBox 18">
+            <a:extLst>
+              <a:ext uri="{FF2B5EF4-FFF2-40B4-BE49-F238E27FC236}">
+                <a16:creationId xmlns:a16="http://schemas.microsoft.com/office/drawing/2014/main" id="{DAD4158E-D158-8963-C14A-3AC23ACA9477}"/>
+              </a:ext>
+            </a:extLst>
+          </p:cNvPr>
+          <p:cNvSpPr txBox="1"/>
+          <p:nvPr/>
+        </p:nvSpPr>
+        <p:spPr>
+          <a:xfrm>
+            <a:off x="4184012" y="124594"/>
+            <a:ext cx="631794" cy="369332"/>
+          </a:xfrm>
+          <a:prstGeom prst="rect">
+            <a:avLst/>
+          </a:prstGeom>
+          <a:noFill/>
+        </p:spPr>
+        <p:txBody>
+          <a:bodyPr wrap="square" rtlCol="0">
+            <a:spAutoFit/>
+          </a:bodyPr>
+          <a:lstStyle/>
+          <a:p>
+            <a:r>
+              <a:rPr lang="en-US" dirty="0">
+                <a:solidFill>
+                  <a:schemeClr val="bg1"/>
+                </a:solidFill>
+              </a:rPr>
+              <a:t>I</a:t>
+            </a:r>
+          </a:p>
+        </p:txBody>
+      </p:sp>
+      <p:sp>
+        <p:nvSpPr>
+          <p:cNvPr id="20" name="TextBox 19">
+            <a:extLst>
+              <a:ext uri="{FF2B5EF4-FFF2-40B4-BE49-F238E27FC236}">
+                <a16:creationId xmlns:a16="http://schemas.microsoft.com/office/drawing/2014/main" id="{34E98191-1101-45E5-1A8B-6933A6FD6121}"/>
+              </a:ext>
+            </a:extLst>
+          </p:cNvPr>
+          <p:cNvSpPr txBox="1"/>
+          <p:nvPr/>
+        </p:nvSpPr>
+        <p:spPr>
+          <a:xfrm>
+            <a:off x="5002853" y="172126"/>
+            <a:ext cx="631794" cy="369332"/>
+          </a:xfrm>
+          <a:prstGeom prst="rect">
+            <a:avLst/>
+          </a:prstGeom>
+          <a:noFill/>
+        </p:spPr>
+        <p:txBody>
+          <a:bodyPr wrap="square" rtlCol="0">
+            <a:spAutoFit/>
+          </a:bodyPr>
+          <a:lstStyle/>
+          <a:p>
+            <a:r>
+              <a:rPr lang="en-US" dirty="0">
+                <a:solidFill>
+                  <a:schemeClr val="bg1"/>
+                </a:solidFill>
+              </a:rPr>
+              <a:t>I</a:t>
+            </a:r>
+          </a:p>
+        </p:txBody>
+      </p:sp>
+      <p:sp>
+        <p:nvSpPr>
+          <p:cNvPr id="41" name="TextBox 40">
+            <a:extLst>
+              <a:ext uri="{FF2B5EF4-FFF2-40B4-BE49-F238E27FC236}">
+                <a16:creationId xmlns:a16="http://schemas.microsoft.com/office/drawing/2014/main" id="{8DD23417-22EC-003D-F07C-D2E63BB763AB}"/>
+              </a:ext>
+            </a:extLst>
+          </p:cNvPr>
+          <p:cNvSpPr txBox="1"/>
+          <p:nvPr/>
+        </p:nvSpPr>
+        <p:spPr>
+          <a:xfrm>
+            <a:off x="5864649" y="187157"/>
+            <a:ext cx="631794" cy="369332"/>
+          </a:xfrm>
+          <a:prstGeom prst="rect">
+            <a:avLst/>
+          </a:prstGeom>
+          <a:noFill/>
+        </p:spPr>
+        <p:txBody>
+          <a:bodyPr wrap="square" rtlCol="0">
+            <a:spAutoFit/>
+          </a:bodyPr>
+          <a:lstStyle/>
+          <a:p>
+            <a:r>
+              <a:rPr lang="en-US" dirty="0">
+                <a:solidFill>
+                  <a:schemeClr val="bg1"/>
+                </a:solidFill>
+              </a:rPr>
+              <a:t>I</a:t>
+            </a:r>
+          </a:p>
+        </p:txBody>
+      </p:sp>
+      <p:sp>
+        <p:nvSpPr>
+          <p:cNvPr id="42" name="TextBox 41">
+            <a:extLst>
+              <a:ext uri="{FF2B5EF4-FFF2-40B4-BE49-F238E27FC236}">
+                <a16:creationId xmlns:a16="http://schemas.microsoft.com/office/drawing/2014/main" id="{B1170EEA-4278-619F-33FB-17C43EFD9226}"/>
+              </a:ext>
+            </a:extLst>
+          </p:cNvPr>
+          <p:cNvSpPr txBox="1"/>
+          <p:nvPr/>
+        </p:nvSpPr>
+        <p:spPr>
+          <a:xfrm>
+            <a:off x="6702929" y="166154"/>
+            <a:ext cx="631794" cy="369332"/>
+          </a:xfrm>
+          <a:prstGeom prst="rect">
+            <a:avLst/>
+          </a:prstGeom>
+          <a:noFill/>
+        </p:spPr>
+        <p:txBody>
+          <a:bodyPr wrap="square" rtlCol="0">
+            <a:spAutoFit/>
+          </a:bodyPr>
+          <a:lstStyle/>
+          <a:p>
+            <a:r>
+              <a:rPr lang="en-US" dirty="0">
+                <a:solidFill>
+                  <a:schemeClr val="bg1"/>
+                </a:solidFill>
+              </a:rPr>
+              <a:t>I</a:t>
+            </a:r>
+          </a:p>
+        </p:txBody>
+      </p:sp>
+      <p:sp>
+        <p:nvSpPr>
+          <p:cNvPr id="43" name="TextBox 42">
+            <a:extLst>
+              <a:ext uri="{FF2B5EF4-FFF2-40B4-BE49-F238E27FC236}">
+                <a16:creationId xmlns:a16="http://schemas.microsoft.com/office/drawing/2014/main" id="{3346FBA0-2F22-CEB7-094D-7A6A3A987096}"/>
+              </a:ext>
+            </a:extLst>
+          </p:cNvPr>
+          <p:cNvSpPr txBox="1"/>
+          <p:nvPr/>
+        </p:nvSpPr>
+        <p:spPr>
+          <a:xfrm>
+            <a:off x="3339348" y="551400"/>
+            <a:ext cx="620785" cy="261610"/>
+          </a:xfrm>
+          <a:prstGeom prst="rect">
+            <a:avLst/>
+          </a:prstGeom>
+          <a:noFill/>
+        </p:spPr>
+        <p:txBody>
+          <a:bodyPr wrap="square" rtlCol="0">
+            <a:spAutoFit/>
+          </a:bodyPr>
+          <a:lstStyle/>
+          <a:p>
+            <a:r>
+              <a:rPr lang="en-US" sz="1100" dirty="0"/>
+              <a:t>Seattle</a:t>
+            </a:r>
+          </a:p>
+        </p:txBody>
+      </p:sp>
+      <p:sp>
+        <p:nvSpPr>
+          <p:cNvPr id="47" name="TextBox 46">
+            <a:extLst>
+              <a:ext uri="{FF2B5EF4-FFF2-40B4-BE49-F238E27FC236}">
+                <a16:creationId xmlns:a16="http://schemas.microsoft.com/office/drawing/2014/main" id="{28E65CBB-68B0-7A7B-4EB4-EE4F313F4392}"/>
+              </a:ext>
+            </a:extLst>
+          </p:cNvPr>
+          <p:cNvSpPr txBox="1"/>
+          <p:nvPr/>
+        </p:nvSpPr>
+        <p:spPr>
+          <a:xfrm>
+            <a:off x="4056788" y="551400"/>
+            <a:ext cx="763399" cy="261610"/>
+          </a:xfrm>
+          <a:prstGeom prst="rect">
+            <a:avLst/>
+          </a:prstGeom>
+          <a:noFill/>
+        </p:spPr>
+        <p:txBody>
+          <a:bodyPr wrap="square" rtlCol="0">
+            <a:spAutoFit/>
+          </a:bodyPr>
+          <a:lstStyle/>
+          <a:p>
+            <a:r>
+              <a:rPr lang="en-US" sz="1100" dirty="0"/>
+              <a:t>Tempe</a:t>
+            </a:r>
+          </a:p>
+        </p:txBody>
+      </p:sp>
+      <p:sp>
+        <p:nvSpPr>
+          <p:cNvPr id="48" name="TextBox 47">
+            <a:extLst>
+              <a:ext uri="{FF2B5EF4-FFF2-40B4-BE49-F238E27FC236}">
+                <a16:creationId xmlns:a16="http://schemas.microsoft.com/office/drawing/2014/main" id="{FDEC437A-96F1-CF4F-A664-BA83EFA02D16}"/>
+              </a:ext>
+            </a:extLst>
+          </p:cNvPr>
+          <p:cNvSpPr txBox="1"/>
+          <p:nvPr/>
+        </p:nvSpPr>
+        <p:spPr>
+          <a:xfrm>
+            <a:off x="6564771" y="571495"/>
+            <a:ext cx="763399" cy="430887"/>
+          </a:xfrm>
+          <a:prstGeom prst="rect">
+            <a:avLst/>
+          </a:prstGeom>
+          <a:noFill/>
+        </p:spPr>
+        <p:txBody>
+          <a:bodyPr wrap="square" rtlCol="0">
+            <a:spAutoFit/>
+          </a:bodyPr>
+          <a:lstStyle/>
+          <a:p>
+            <a:r>
+              <a:rPr lang="en-US" sz="1100" dirty="0"/>
+              <a:t>Dutch Harbor</a:t>
+            </a:r>
+          </a:p>
+        </p:txBody>
+      </p:sp>
+      <p:sp>
+        <p:nvSpPr>
+          <p:cNvPr id="49" name="TextBox 48">
+            <a:extLst>
+              <a:ext uri="{FF2B5EF4-FFF2-40B4-BE49-F238E27FC236}">
+                <a16:creationId xmlns:a16="http://schemas.microsoft.com/office/drawing/2014/main" id="{7BB00220-33E4-EC1D-3FB5-15438FE3BFAA}"/>
+              </a:ext>
+            </a:extLst>
+          </p:cNvPr>
+          <p:cNvSpPr txBox="1"/>
+          <p:nvPr/>
+        </p:nvSpPr>
+        <p:spPr>
+          <a:xfrm>
+            <a:off x="5525374" y="614937"/>
+            <a:ext cx="1015418" cy="261610"/>
+          </a:xfrm>
+          <a:prstGeom prst="rect">
+            <a:avLst/>
+          </a:prstGeom>
+          <a:noFill/>
+        </p:spPr>
+        <p:txBody>
+          <a:bodyPr wrap="square" rtlCol="0">
+            <a:spAutoFit/>
+          </a:bodyPr>
+          <a:lstStyle/>
+          <a:p>
+            <a:r>
+              <a:rPr lang="en-US" sz="1100" dirty="0"/>
+              <a:t>Laguna Beach</a:t>
+            </a:r>
+          </a:p>
+        </p:txBody>
+      </p:sp>
+      <p:sp>
+        <p:nvSpPr>
+          <p:cNvPr id="50" name="TextBox 49">
+            <a:extLst>
+              <a:ext uri="{FF2B5EF4-FFF2-40B4-BE49-F238E27FC236}">
+                <a16:creationId xmlns:a16="http://schemas.microsoft.com/office/drawing/2014/main" id="{240B7773-8E68-318F-24E4-90CC41B19808}"/>
+              </a:ext>
+            </a:extLst>
+          </p:cNvPr>
+          <p:cNvSpPr txBox="1"/>
+          <p:nvPr/>
+        </p:nvSpPr>
+        <p:spPr>
+          <a:xfrm>
+            <a:off x="4690422" y="582381"/>
+            <a:ext cx="987115" cy="261610"/>
+          </a:xfrm>
+          <a:prstGeom prst="rect">
+            <a:avLst/>
+          </a:prstGeom>
+          <a:noFill/>
+        </p:spPr>
+        <p:txBody>
+          <a:bodyPr wrap="square" rtlCol="0">
+            <a:spAutoFit/>
+          </a:bodyPr>
+          <a:lstStyle/>
+          <a:p>
+            <a:r>
+              <a:rPr lang="en-US" sz="1100" dirty="0"/>
+              <a:t>Copenhagen</a:t>
+            </a:r>
+          </a:p>
+        </p:txBody>
+      </p:sp>
+      <p:sp>
+        <p:nvSpPr>
+          <p:cNvPr id="51" name="TextBox 50">
+            <a:extLst>
+              <a:ext uri="{FF2B5EF4-FFF2-40B4-BE49-F238E27FC236}">
+                <a16:creationId xmlns:a16="http://schemas.microsoft.com/office/drawing/2014/main" id="{0EB085B2-715B-64DA-7C95-8B29C81A160F}"/>
+              </a:ext>
+            </a:extLst>
+          </p:cNvPr>
+          <p:cNvSpPr txBox="1"/>
+          <p:nvPr/>
+        </p:nvSpPr>
+        <p:spPr>
+          <a:xfrm>
+            <a:off x="4803919" y="1920987"/>
+            <a:ext cx="888701" cy="646331"/>
+          </a:xfrm>
+          <a:prstGeom prst="rect">
+            <a:avLst/>
+          </a:prstGeom>
+          <a:noFill/>
+        </p:spPr>
+        <p:txBody>
+          <a:bodyPr wrap="square" rtlCol="0">
+            <a:spAutoFit/>
+          </a:bodyPr>
+          <a:lstStyle/>
+          <a:p>
+            <a:r>
+              <a:rPr lang="en-US" dirty="0">
+                <a:solidFill>
+                  <a:schemeClr val="bg1"/>
+                </a:solidFill>
+              </a:rPr>
+              <a:t>Skyline Image</a:t>
+            </a:r>
+          </a:p>
+        </p:txBody>
+      </p:sp>
+      <p:sp>
+        <p:nvSpPr>
+          <p:cNvPr id="52" name="TextBox 51">
+            <a:extLst>
+              <a:ext uri="{FF2B5EF4-FFF2-40B4-BE49-F238E27FC236}">
+                <a16:creationId xmlns:a16="http://schemas.microsoft.com/office/drawing/2014/main" id="{6610CBB3-78BD-6CAB-C309-D8CA39391355}"/>
+              </a:ext>
+            </a:extLst>
+          </p:cNvPr>
+          <p:cNvSpPr txBox="1"/>
+          <p:nvPr/>
+        </p:nvSpPr>
+        <p:spPr>
+          <a:xfrm>
+            <a:off x="4106444" y="3495859"/>
+            <a:ext cx="1145458" cy="461665"/>
+          </a:xfrm>
+          <a:prstGeom prst="rect">
+            <a:avLst/>
+          </a:prstGeom>
+          <a:noFill/>
+        </p:spPr>
+        <p:txBody>
+          <a:bodyPr wrap="square" rtlCol="0">
+            <a:spAutoFit/>
+          </a:bodyPr>
+          <a:lstStyle/>
+          <a:p>
+            <a:r>
+              <a:rPr lang="en-US" sz="1200" dirty="0">
+                <a:solidFill>
+                  <a:schemeClr val="bg1"/>
+                </a:solidFill>
+              </a:rPr>
+              <a:t>Neighborhood Image</a:t>
+            </a:r>
+          </a:p>
+        </p:txBody>
+      </p:sp>
+      <p:sp>
+        <p:nvSpPr>
+          <p:cNvPr id="54" name="TextBox 53">
+            <a:extLst>
+              <a:ext uri="{FF2B5EF4-FFF2-40B4-BE49-F238E27FC236}">
+                <a16:creationId xmlns:a16="http://schemas.microsoft.com/office/drawing/2014/main" id="{7BC2FD47-CB28-96CD-EEAF-08AB9991CB51}"/>
+              </a:ext>
+            </a:extLst>
+          </p:cNvPr>
+          <p:cNvSpPr txBox="1"/>
+          <p:nvPr/>
+        </p:nvSpPr>
+        <p:spPr>
+          <a:xfrm>
+            <a:off x="4318635" y="5011345"/>
+            <a:ext cx="1221080" cy="584775"/>
+          </a:xfrm>
+          <a:prstGeom prst="rect">
+            <a:avLst/>
+          </a:prstGeom>
+          <a:noFill/>
+        </p:spPr>
+        <p:txBody>
+          <a:bodyPr wrap="square" rtlCol="0">
+            <a:spAutoFit/>
+          </a:bodyPr>
+          <a:lstStyle/>
+          <a:p>
+            <a:r>
+              <a:rPr lang="en-US" sz="1600" dirty="0">
+                <a:solidFill>
+                  <a:schemeClr val="bg1"/>
+                </a:solidFill>
+              </a:rPr>
+              <a:t>Industry Image</a:t>
+            </a:r>
+          </a:p>
+        </p:txBody>
+      </p:sp>
+      <p:sp>
+        <p:nvSpPr>
+          <p:cNvPr id="55" name="Rectangle 54">
+            <a:extLst>
+              <a:ext uri="{FF2B5EF4-FFF2-40B4-BE49-F238E27FC236}">
+                <a16:creationId xmlns:a16="http://schemas.microsoft.com/office/drawing/2014/main" id="{2B97828E-4547-17FE-F16B-0084B0065DEE}"/>
               </a:ext>
             </a:extLst>
           </p:cNvPr>
@@ -5647,8 +7493,8 @@
         </p:nvSpPr>
         <p:spPr>
           <a:xfrm>
-            <a:off x="3871520" y="5792135"/>
-            <a:ext cx="1535185" cy="816423"/>
+            <a:off x="4137874" y="6075086"/>
+            <a:ext cx="2455873" cy="654341"/>
           </a:xfrm>
           <a:prstGeom prst="rect">
             <a:avLst/>
@@ -5681,10 +7527,10 @@
       </p:sp>
       <p:sp>
         <p:nvSpPr>
-          <p:cNvPr id="38" name="TextBox 37">
-            <a:extLst>
-              <a:ext uri="{FF2B5EF4-FFF2-40B4-BE49-F238E27FC236}">
-                <a16:creationId xmlns:a16="http://schemas.microsoft.com/office/drawing/2014/main" id="{3FB29616-7A4F-4391-202B-F2D3EC165C88}"/>
+          <p:cNvPr id="56" name="TextBox 55">
+            <a:extLst>
+              <a:ext uri="{FF2B5EF4-FFF2-40B4-BE49-F238E27FC236}">
+                <a16:creationId xmlns:a16="http://schemas.microsoft.com/office/drawing/2014/main" id="{D07E2861-128D-A126-2571-6169BEA299D6}"/>
               </a:ext>
             </a:extLst>
           </p:cNvPr>
@@ -5693,8 +7539,8 @@
         </p:nvSpPr>
         <p:spPr>
           <a:xfrm>
-            <a:off x="4383247" y="5899194"/>
-            <a:ext cx="755009" cy="646331"/>
+            <a:off x="4499909" y="6243890"/>
+            <a:ext cx="1861750" cy="369332"/>
           </a:xfrm>
           <a:prstGeom prst="rect">
             <a:avLst/>
@@ -5713,17 +7559,17 @@
                   <a:schemeClr val="bg1"/>
                 </a:solidFill>
               </a:rPr>
-              <a:t>City Pic 3</a:t>
-            </a:r>
-          </a:p>
-        </p:txBody>
-      </p:sp>
-      <p:sp>
-        <p:nvSpPr>
-          <p:cNvPr id="39" name="Rectangle 38">
-            <a:extLst>
-              <a:ext uri="{FF2B5EF4-FFF2-40B4-BE49-F238E27FC236}">
-                <a16:creationId xmlns:a16="http://schemas.microsoft.com/office/drawing/2014/main" id="{FC7190DC-76F8-C4CA-C87D-8ED960F8ADA2}"/>
+              <a:t>Embedded Video</a:t>
+            </a:r>
+          </a:p>
+        </p:txBody>
+      </p:sp>
+      <p:sp>
+        <p:nvSpPr>
+          <p:cNvPr id="61" name="Rectangle 60">
+            <a:extLst>
+              <a:ext uri="{FF2B5EF4-FFF2-40B4-BE49-F238E27FC236}">
+                <a16:creationId xmlns:a16="http://schemas.microsoft.com/office/drawing/2014/main" id="{28270ED1-D735-7CB5-64B3-C41F378BAB80}"/>
               </a:ext>
             </a:extLst>
           </p:cNvPr>
@@ -5732,12 +7578,20 @@
         </p:nvSpPr>
         <p:spPr>
           <a:xfrm>
-            <a:off x="5511567" y="5098450"/>
-            <a:ext cx="1931565" cy="859592"/>
-          </a:xfrm>
-          <a:prstGeom prst="rect">
-            <a:avLst/>
-          </a:prstGeom>
+            <a:off x="3624577" y="2757209"/>
+            <a:ext cx="3495368" cy="689711"/>
+          </a:xfrm>
+          <a:prstGeom prst="rect">
+            <a:avLst/>
+          </a:prstGeom>
+          <a:solidFill>
+            <a:schemeClr val="bg1"/>
+          </a:solidFill>
+          <a:ln>
+            <a:solidFill>
+              <a:schemeClr val="tx1"/>
+            </a:solidFill>
+          </a:ln>
         </p:spPr>
         <p:style>
           <a:lnRef idx="2">
@@ -5766,10 +7620,10 @@
       </p:sp>
       <p:sp>
         <p:nvSpPr>
-          <p:cNvPr id="40" name="TextBox 39">
-            <a:extLst>
-              <a:ext uri="{FF2B5EF4-FFF2-40B4-BE49-F238E27FC236}">
-                <a16:creationId xmlns:a16="http://schemas.microsoft.com/office/drawing/2014/main" id="{8674D817-B165-65FC-6CC8-E25FF93209F5}"/>
+          <p:cNvPr id="57" name="TextBox 56">
+            <a:extLst>
+              <a:ext uri="{FF2B5EF4-FFF2-40B4-BE49-F238E27FC236}">
+                <a16:creationId xmlns:a16="http://schemas.microsoft.com/office/drawing/2014/main" id="{16995DB4-317B-3078-0D20-CDF8B1130DF3}"/>
               </a:ext>
             </a:extLst>
           </p:cNvPr>
@@ -5778,8 +7632,1009 @@
         </p:nvSpPr>
         <p:spPr>
           <a:xfrm>
-            <a:off x="5909701" y="5287805"/>
-            <a:ext cx="1152074" cy="369332"/>
+            <a:off x="4078508" y="2926172"/>
+            <a:ext cx="3041829" cy="369332"/>
+          </a:xfrm>
+          <a:prstGeom prst="rect">
+            <a:avLst/>
+          </a:prstGeom>
+          <a:noFill/>
+        </p:spPr>
+        <p:txBody>
+          <a:bodyPr wrap="square" rtlCol="0">
+            <a:spAutoFit/>
+          </a:bodyPr>
+          <a:lstStyle/>
+          <a:p>
+            <a:r>
+              <a:rPr lang="en-US" dirty="0"/>
+              <a:t>Info Text</a:t>
+            </a:r>
+          </a:p>
+        </p:txBody>
+      </p:sp>
+      <p:sp>
+        <p:nvSpPr>
+          <p:cNvPr id="65" name="TextBox 64">
+            <a:extLst>
+              <a:ext uri="{FF2B5EF4-FFF2-40B4-BE49-F238E27FC236}">
+                <a16:creationId xmlns:a16="http://schemas.microsoft.com/office/drawing/2014/main" id="{73C995EE-8D66-135B-6F2B-A859D4659980}"/>
+              </a:ext>
+            </a:extLst>
+          </p:cNvPr>
+          <p:cNvSpPr txBox="1"/>
+          <p:nvPr/>
+        </p:nvSpPr>
+        <p:spPr>
+          <a:xfrm>
+            <a:off x="3959944" y="916286"/>
+            <a:ext cx="1132514" cy="738664"/>
+          </a:xfrm>
+          <a:prstGeom prst="rect">
+            <a:avLst/>
+          </a:prstGeom>
+          <a:noFill/>
+        </p:spPr>
+        <p:txBody>
+          <a:bodyPr wrap="square" rtlCol="0">
+            <a:spAutoFit/>
+          </a:bodyPr>
+          <a:lstStyle/>
+          <a:p>
+            <a:r>
+              <a:rPr lang="en-US" sz="1400" dirty="0">
+                <a:solidFill>
+                  <a:schemeClr val="bg1"/>
+                </a:solidFill>
+              </a:rPr>
+              <a:t>Local Time, Clouds, and Temp</a:t>
+            </a:r>
+          </a:p>
+        </p:txBody>
+      </p:sp>
+      <p:sp>
+        <p:nvSpPr>
+          <p:cNvPr id="66" name="TextBox 65">
+            <a:extLst>
+              <a:ext uri="{FF2B5EF4-FFF2-40B4-BE49-F238E27FC236}">
+                <a16:creationId xmlns:a16="http://schemas.microsoft.com/office/drawing/2014/main" id="{CFC406B3-A3C7-80E2-ACAB-A9E5C9A617F2}"/>
+              </a:ext>
+            </a:extLst>
+          </p:cNvPr>
+          <p:cNvSpPr txBox="1"/>
+          <p:nvPr/>
+        </p:nvSpPr>
+        <p:spPr>
+          <a:xfrm>
+            <a:off x="872605" y="897555"/>
+            <a:ext cx="2248678" cy="646331"/>
+          </a:xfrm>
+          <a:prstGeom prst="rect">
+            <a:avLst/>
+          </a:prstGeom>
+          <a:noFill/>
+        </p:spPr>
+        <p:txBody>
+          <a:bodyPr wrap="square" rtlCol="0">
+            <a:spAutoFit/>
+          </a:bodyPr>
+          <a:lstStyle/>
+          <a:p>
+            <a:r>
+              <a:rPr lang="en-US" dirty="0"/>
+              <a:t>*Background zoomed themed image of city</a:t>
+            </a:r>
+          </a:p>
+        </p:txBody>
+      </p:sp>
+      <p:sp>
+        <p:nvSpPr>
+          <p:cNvPr id="16" name="Rectangle: Rounded Corners 15">
+            <a:extLst>
+              <a:ext uri="{FF2B5EF4-FFF2-40B4-BE49-F238E27FC236}">
+                <a16:creationId xmlns:a16="http://schemas.microsoft.com/office/drawing/2014/main" id="{D7534418-0F41-F727-B18C-AFF4F706796C}"/>
+              </a:ext>
+            </a:extLst>
+          </p:cNvPr>
+          <p:cNvSpPr/>
+          <p:nvPr/>
+        </p:nvSpPr>
+        <p:spPr>
+          <a:xfrm>
+            <a:off x="5173780" y="4041926"/>
+            <a:ext cx="2304137" cy="997725"/>
+          </a:xfrm>
+          <a:prstGeom prst="roundRect">
+            <a:avLst/>
+          </a:prstGeom>
+        </p:spPr>
+        <p:style>
+          <a:lnRef idx="2">
+            <a:schemeClr val="accent1">
+              <a:shade val="50000"/>
+            </a:schemeClr>
+          </a:lnRef>
+          <a:fillRef idx="1">
+            <a:schemeClr val="accent1"/>
+          </a:fillRef>
+          <a:effectRef idx="0">
+            <a:schemeClr val="accent1"/>
+          </a:effectRef>
+          <a:fontRef idx="minor">
+            <a:schemeClr val="lt1"/>
+          </a:fontRef>
+        </p:style>
+        <p:txBody>
+          <a:bodyPr rtlCol="0" anchor="ctr"/>
+          <a:lstStyle/>
+          <a:p>
+            <a:pPr algn="ctr"/>
+            <a:endParaRPr lang="en-US" dirty="0"/>
+          </a:p>
+        </p:txBody>
+      </p:sp>
+      <p:sp>
+        <p:nvSpPr>
+          <p:cNvPr id="53" name="TextBox 52">
+            <a:extLst>
+              <a:ext uri="{FF2B5EF4-FFF2-40B4-BE49-F238E27FC236}">
+                <a16:creationId xmlns:a16="http://schemas.microsoft.com/office/drawing/2014/main" id="{DC3F493D-DF6F-E5AD-747F-CEBF334BC8A5}"/>
+              </a:ext>
+            </a:extLst>
+          </p:cNvPr>
+          <p:cNvSpPr txBox="1"/>
+          <p:nvPr/>
+        </p:nvSpPr>
+        <p:spPr>
+          <a:xfrm>
+            <a:off x="5762513" y="4327839"/>
+            <a:ext cx="1310779" cy="307777"/>
+          </a:xfrm>
+          <a:prstGeom prst="rect">
+            <a:avLst/>
+          </a:prstGeom>
+          <a:noFill/>
+        </p:spPr>
+        <p:txBody>
+          <a:bodyPr wrap="square" rtlCol="0">
+            <a:spAutoFit/>
+          </a:bodyPr>
+          <a:lstStyle/>
+          <a:p>
+            <a:r>
+              <a:rPr lang="en-US" sz="1400" dirty="0">
+                <a:solidFill>
+                  <a:schemeClr val="bg1"/>
+                </a:solidFill>
+              </a:rPr>
+              <a:t>Nature Image</a:t>
+            </a:r>
+          </a:p>
+        </p:txBody>
+      </p:sp>
+      <p:sp>
+        <p:nvSpPr>
+          <p:cNvPr id="68" name="Rectangle 67">
+            <a:extLst>
+              <a:ext uri="{FF2B5EF4-FFF2-40B4-BE49-F238E27FC236}">
+                <a16:creationId xmlns:a16="http://schemas.microsoft.com/office/drawing/2014/main" id="{7F911D5C-DBF5-A1F5-65C3-1C959F629079}"/>
+              </a:ext>
+            </a:extLst>
+          </p:cNvPr>
+          <p:cNvSpPr/>
+          <p:nvPr/>
+        </p:nvSpPr>
+        <p:spPr>
+          <a:xfrm>
+            <a:off x="5762513" y="3510471"/>
+            <a:ext cx="1670132" cy="531455"/>
+          </a:xfrm>
+          <a:prstGeom prst="rect">
+            <a:avLst/>
+          </a:prstGeom>
+          <a:solidFill>
+            <a:schemeClr val="bg1"/>
+          </a:solidFill>
+          <a:ln>
+            <a:solidFill>
+              <a:schemeClr val="tx1"/>
+            </a:solidFill>
+          </a:ln>
+        </p:spPr>
+        <p:style>
+          <a:lnRef idx="2">
+            <a:schemeClr val="accent1">
+              <a:shade val="50000"/>
+            </a:schemeClr>
+          </a:lnRef>
+          <a:fillRef idx="1">
+            <a:schemeClr val="accent1"/>
+          </a:fillRef>
+          <a:effectRef idx="0">
+            <a:schemeClr val="accent1"/>
+          </a:effectRef>
+          <a:fontRef idx="minor">
+            <a:schemeClr val="lt1"/>
+          </a:fontRef>
+        </p:style>
+        <p:txBody>
+          <a:bodyPr rtlCol="0" anchor="ctr"/>
+          <a:lstStyle/>
+          <a:p>
+            <a:pPr algn="ctr"/>
+            <a:endParaRPr lang="en-US"/>
+          </a:p>
+        </p:txBody>
+      </p:sp>
+      <p:sp>
+        <p:nvSpPr>
+          <p:cNvPr id="69" name="Rectangle 68">
+            <a:extLst>
+              <a:ext uri="{FF2B5EF4-FFF2-40B4-BE49-F238E27FC236}">
+                <a16:creationId xmlns:a16="http://schemas.microsoft.com/office/drawing/2014/main" id="{0A140BF9-FADB-DAB7-1003-D0690E407330}"/>
+              </a:ext>
+            </a:extLst>
+          </p:cNvPr>
+          <p:cNvSpPr/>
+          <p:nvPr/>
+        </p:nvSpPr>
+        <p:spPr>
+          <a:xfrm>
+            <a:off x="3238151" y="4459630"/>
+            <a:ext cx="1927658" cy="447053"/>
+          </a:xfrm>
+          <a:prstGeom prst="rect">
+            <a:avLst/>
+          </a:prstGeom>
+          <a:solidFill>
+            <a:schemeClr val="bg1"/>
+          </a:solidFill>
+          <a:ln>
+            <a:solidFill>
+              <a:schemeClr val="tx1"/>
+            </a:solidFill>
+          </a:ln>
+        </p:spPr>
+        <p:style>
+          <a:lnRef idx="2">
+            <a:schemeClr val="accent1">
+              <a:shade val="50000"/>
+            </a:schemeClr>
+          </a:lnRef>
+          <a:fillRef idx="1">
+            <a:schemeClr val="accent1"/>
+          </a:fillRef>
+          <a:effectRef idx="0">
+            <a:schemeClr val="accent1"/>
+          </a:effectRef>
+          <a:fontRef idx="minor">
+            <a:schemeClr val="lt1"/>
+          </a:fontRef>
+        </p:style>
+        <p:txBody>
+          <a:bodyPr rtlCol="0" anchor="ctr"/>
+          <a:lstStyle/>
+          <a:p>
+            <a:pPr algn="ctr"/>
+            <a:endParaRPr lang="en-US"/>
+          </a:p>
+        </p:txBody>
+      </p:sp>
+      <p:sp>
+        <p:nvSpPr>
+          <p:cNvPr id="70" name="Rectangle 69">
+            <a:extLst>
+              <a:ext uri="{FF2B5EF4-FFF2-40B4-BE49-F238E27FC236}">
+                <a16:creationId xmlns:a16="http://schemas.microsoft.com/office/drawing/2014/main" id="{E7C21389-FE5D-61EE-42DE-3B5D2B4B0AFC}"/>
+              </a:ext>
+            </a:extLst>
+          </p:cNvPr>
+          <p:cNvSpPr/>
+          <p:nvPr/>
+        </p:nvSpPr>
+        <p:spPr>
+          <a:xfrm>
+            <a:off x="6214627" y="5068165"/>
+            <a:ext cx="1218019" cy="654341"/>
+          </a:xfrm>
+          <a:prstGeom prst="rect">
+            <a:avLst/>
+          </a:prstGeom>
+          <a:solidFill>
+            <a:schemeClr val="bg1"/>
+          </a:solidFill>
+          <a:ln>
+            <a:solidFill>
+              <a:schemeClr val="tx1"/>
+            </a:solidFill>
+          </a:ln>
+        </p:spPr>
+        <p:style>
+          <a:lnRef idx="2">
+            <a:schemeClr val="accent1">
+              <a:shade val="50000"/>
+            </a:schemeClr>
+          </a:lnRef>
+          <a:fillRef idx="1">
+            <a:schemeClr val="accent1"/>
+          </a:fillRef>
+          <a:effectRef idx="0">
+            <a:schemeClr val="accent1"/>
+          </a:effectRef>
+          <a:fontRef idx="minor">
+            <a:schemeClr val="lt1"/>
+          </a:fontRef>
+        </p:style>
+        <p:txBody>
+          <a:bodyPr rtlCol="0" anchor="ctr"/>
+          <a:lstStyle/>
+          <a:p>
+            <a:pPr algn="ctr"/>
+            <a:endParaRPr lang="en-US"/>
+          </a:p>
+        </p:txBody>
+      </p:sp>
+      <p:sp>
+        <p:nvSpPr>
+          <p:cNvPr id="71" name="TextBox 70">
+            <a:extLst>
+              <a:ext uri="{FF2B5EF4-FFF2-40B4-BE49-F238E27FC236}">
+                <a16:creationId xmlns:a16="http://schemas.microsoft.com/office/drawing/2014/main" id="{0AE4B6E5-CC1C-B5CB-8112-85BD8C0B68E1}"/>
+              </a:ext>
+            </a:extLst>
+          </p:cNvPr>
+          <p:cNvSpPr txBox="1"/>
+          <p:nvPr/>
+        </p:nvSpPr>
+        <p:spPr>
+          <a:xfrm>
+            <a:off x="3594076" y="4449400"/>
+            <a:ext cx="1087596" cy="461665"/>
+          </a:xfrm>
+          <a:prstGeom prst="rect">
+            <a:avLst/>
+          </a:prstGeom>
+          <a:noFill/>
+        </p:spPr>
+        <p:txBody>
+          <a:bodyPr wrap="square" rtlCol="0">
+            <a:spAutoFit/>
+          </a:bodyPr>
+          <a:lstStyle/>
+          <a:p>
+            <a:r>
+              <a:rPr lang="en-US" sz="1200" dirty="0"/>
+              <a:t>Small image description</a:t>
+            </a:r>
+          </a:p>
+        </p:txBody>
+      </p:sp>
+      <p:sp>
+        <p:nvSpPr>
+          <p:cNvPr id="72" name="TextBox 71">
+            <a:extLst>
+              <a:ext uri="{FF2B5EF4-FFF2-40B4-BE49-F238E27FC236}">
+                <a16:creationId xmlns:a16="http://schemas.microsoft.com/office/drawing/2014/main" id="{9BCAE6E2-40D2-D46E-A23A-FF716267192B}"/>
+              </a:ext>
+            </a:extLst>
+          </p:cNvPr>
+          <p:cNvSpPr txBox="1"/>
+          <p:nvPr/>
+        </p:nvSpPr>
+        <p:spPr>
+          <a:xfrm>
+            <a:off x="6012632" y="3553001"/>
+            <a:ext cx="1087596" cy="461665"/>
+          </a:xfrm>
+          <a:prstGeom prst="rect">
+            <a:avLst/>
+          </a:prstGeom>
+          <a:noFill/>
+        </p:spPr>
+        <p:txBody>
+          <a:bodyPr wrap="square" rtlCol="0">
+            <a:spAutoFit/>
+          </a:bodyPr>
+          <a:lstStyle/>
+          <a:p>
+            <a:r>
+              <a:rPr lang="en-US" sz="1200" dirty="0"/>
+              <a:t>Small image description</a:t>
+            </a:r>
+          </a:p>
+        </p:txBody>
+      </p:sp>
+      <p:sp>
+        <p:nvSpPr>
+          <p:cNvPr id="67" name="TextBox 66">
+            <a:extLst>
+              <a:ext uri="{FF2B5EF4-FFF2-40B4-BE49-F238E27FC236}">
+                <a16:creationId xmlns:a16="http://schemas.microsoft.com/office/drawing/2014/main" id="{D50453B4-40BE-AB05-AEFB-3E10333DD5E2}"/>
+              </a:ext>
+            </a:extLst>
+          </p:cNvPr>
+          <p:cNvSpPr txBox="1"/>
+          <p:nvPr/>
+        </p:nvSpPr>
+        <p:spPr>
+          <a:xfrm>
+            <a:off x="6322772" y="5139877"/>
+            <a:ext cx="1087596" cy="461665"/>
+          </a:xfrm>
+          <a:prstGeom prst="rect">
+            <a:avLst/>
+          </a:prstGeom>
+          <a:noFill/>
+        </p:spPr>
+        <p:txBody>
+          <a:bodyPr wrap="square" rtlCol="0">
+            <a:spAutoFit/>
+          </a:bodyPr>
+          <a:lstStyle/>
+          <a:p>
+            <a:r>
+              <a:rPr lang="en-US" sz="1200" dirty="0"/>
+              <a:t>Small image description</a:t>
+            </a:r>
+          </a:p>
+        </p:txBody>
+      </p:sp>
+    </p:spTree>
+    <p:extLst>
+      <p:ext uri="{BB962C8B-B14F-4D97-AF65-F5344CB8AC3E}">
+        <p14:creationId xmlns:p14="http://schemas.microsoft.com/office/powerpoint/2010/main" val="1231642108"/>
+      </p:ext>
+    </p:extLst>
+  </p:cSld>
+  <p:clrMapOvr>
+    <a:masterClrMapping/>
+  </p:clrMapOvr>
+</p:sld>
+</file>
+
+<file path=ppt/slides/slide3.xml><?xml version="1.0" encoding="utf-8"?>
+<p:sld xmlns:a="http://schemas.openxmlformats.org/drawingml/2006/main" xmlns:r="http://schemas.openxmlformats.org/officeDocument/2006/relationships" xmlns:p="http://schemas.openxmlformats.org/presentationml/2006/main">
+  <p:cSld>
+    <p:spTree>
+      <p:nvGrpSpPr>
+        <p:cNvPr id="1" name=""/>
+        <p:cNvGrpSpPr/>
+        <p:nvPr/>
+      </p:nvGrpSpPr>
+      <p:grpSpPr>
+        <a:xfrm>
+          <a:off x="0" y="0"/>
+          <a:ext cx="0" cy="0"/>
+          <a:chOff x="0" y="0"/>
+          <a:chExt cx="0" cy="0"/>
+        </a:xfrm>
+      </p:grpSpPr>
+      <p:sp>
+        <p:nvSpPr>
+          <p:cNvPr id="4" name="Rectangle 3">
+            <a:extLst>
+              <a:ext uri="{FF2B5EF4-FFF2-40B4-BE49-F238E27FC236}">
+                <a16:creationId xmlns:a16="http://schemas.microsoft.com/office/drawing/2014/main" id="{199161A9-8E64-9C73-D976-5B2125842C77}"/>
+              </a:ext>
+            </a:extLst>
+          </p:cNvPr>
+          <p:cNvSpPr/>
+          <p:nvPr/>
+        </p:nvSpPr>
+        <p:spPr>
+          <a:xfrm>
+            <a:off x="2021746" y="0"/>
+            <a:ext cx="8699384" cy="6858000"/>
+          </a:xfrm>
+          <a:prstGeom prst="rect">
+            <a:avLst/>
+          </a:prstGeom>
+          <a:solidFill>
+            <a:schemeClr val="bg1"/>
+          </a:solidFill>
+          <a:ln w="57150">
+            <a:solidFill>
+              <a:schemeClr val="tx1"/>
+            </a:solidFill>
+          </a:ln>
+        </p:spPr>
+        <p:style>
+          <a:lnRef idx="2">
+            <a:schemeClr val="accent1">
+              <a:shade val="50000"/>
+            </a:schemeClr>
+          </a:lnRef>
+          <a:fillRef idx="1">
+            <a:schemeClr val="accent1"/>
+          </a:fillRef>
+          <a:effectRef idx="0">
+            <a:schemeClr val="accent1"/>
+          </a:effectRef>
+          <a:fontRef idx="minor">
+            <a:schemeClr val="lt1"/>
+          </a:fontRef>
+        </p:style>
+        <p:txBody>
+          <a:bodyPr rtlCol="0" anchor="ctr"/>
+          <a:lstStyle/>
+          <a:p>
+            <a:pPr algn="ctr"/>
+            <a:endParaRPr lang="en-US"/>
+          </a:p>
+        </p:txBody>
+      </p:sp>
+      <p:sp>
+        <p:nvSpPr>
+          <p:cNvPr id="5" name="TextBox 4">
+            <a:extLst>
+              <a:ext uri="{FF2B5EF4-FFF2-40B4-BE49-F238E27FC236}">
+                <a16:creationId xmlns:a16="http://schemas.microsoft.com/office/drawing/2014/main" id="{6F636595-7F63-3C06-B5FD-45BF6AA44164}"/>
+              </a:ext>
+            </a:extLst>
+          </p:cNvPr>
+          <p:cNvSpPr txBox="1"/>
+          <p:nvPr/>
+        </p:nvSpPr>
+        <p:spPr>
+          <a:xfrm>
+            <a:off x="-13981" y="486561"/>
+            <a:ext cx="1876337" cy="923330"/>
+          </a:xfrm>
+          <a:prstGeom prst="rect">
+            <a:avLst/>
+          </a:prstGeom>
+          <a:noFill/>
+        </p:spPr>
+        <p:txBody>
+          <a:bodyPr wrap="square" rtlCol="0">
+            <a:spAutoFit/>
+          </a:bodyPr>
+          <a:lstStyle/>
+          <a:p>
+            <a:r>
+              <a:rPr lang="en-US" dirty="0"/>
+              <a:t>*Background zoomed themed image of city</a:t>
+            </a:r>
+          </a:p>
+        </p:txBody>
+      </p:sp>
+      <p:sp>
+        <p:nvSpPr>
+          <p:cNvPr id="7" name="Rectangle: Rounded Corners 6">
+            <a:extLst>
+              <a:ext uri="{FF2B5EF4-FFF2-40B4-BE49-F238E27FC236}">
+                <a16:creationId xmlns:a16="http://schemas.microsoft.com/office/drawing/2014/main" id="{95AA82F5-046A-2D90-5A02-896F4E21B78C}"/>
+              </a:ext>
+            </a:extLst>
+          </p:cNvPr>
+          <p:cNvSpPr/>
+          <p:nvPr/>
+        </p:nvSpPr>
+        <p:spPr>
+          <a:xfrm>
+            <a:off x="2176394" y="1937781"/>
+            <a:ext cx="1455502" cy="716734"/>
+          </a:xfrm>
+          <a:prstGeom prst="roundRect">
+            <a:avLst/>
+          </a:prstGeom>
+          <a:ln>
+            <a:solidFill>
+              <a:schemeClr val="tx1"/>
+            </a:solidFill>
+          </a:ln>
+        </p:spPr>
+        <p:style>
+          <a:lnRef idx="2">
+            <a:schemeClr val="accent1">
+              <a:shade val="50000"/>
+            </a:schemeClr>
+          </a:lnRef>
+          <a:fillRef idx="1">
+            <a:schemeClr val="accent1"/>
+          </a:fillRef>
+          <a:effectRef idx="0">
+            <a:schemeClr val="accent1"/>
+          </a:effectRef>
+          <a:fontRef idx="minor">
+            <a:schemeClr val="lt1"/>
+          </a:fontRef>
+        </p:style>
+        <p:txBody>
+          <a:bodyPr rtlCol="0" anchor="ctr"/>
+          <a:lstStyle/>
+          <a:p>
+            <a:pPr algn="ctr"/>
+            <a:endParaRPr lang="en-US"/>
+          </a:p>
+        </p:txBody>
+      </p:sp>
+      <p:sp>
+        <p:nvSpPr>
+          <p:cNvPr id="11" name="Rectangle: Rounded Corners 10">
+            <a:extLst>
+              <a:ext uri="{FF2B5EF4-FFF2-40B4-BE49-F238E27FC236}">
+                <a16:creationId xmlns:a16="http://schemas.microsoft.com/office/drawing/2014/main" id="{3CBA285E-C695-A33E-FDE4-37138E322B06}"/>
+              </a:ext>
+            </a:extLst>
+          </p:cNvPr>
+          <p:cNvSpPr/>
+          <p:nvPr/>
+        </p:nvSpPr>
+        <p:spPr>
+          <a:xfrm>
+            <a:off x="2172611" y="2904556"/>
+            <a:ext cx="1455502" cy="716734"/>
+          </a:xfrm>
+          <a:prstGeom prst="roundRect">
+            <a:avLst/>
+          </a:prstGeom>
+          <a:ln>
+            <a:solidFill>
+              <a:schemeClr val="tx1"/>
+            </a:solidFill>
+          </a:ln>
+        </p:spPr>
+        <p:style>
+          <a:lnRef idx="2">
+            <a:schemeClr val="accent1">
+              <a:shade val="50000"/>
+            </a:schemeClr>
+          </a:lnRef>
+          <a:fillRef idx="1">
+            <a:schemeClr val="accent1"/>
+          </a:fillRef>
+          <a:effectRef idx="0">
+            <a:schemeClr val="accent1"/>
+          </a:effectRef>
+          <a:fontRef idx="minor">
+            <a:schemeClr val="lt1"/>
+          </a:fontRef>
+        </p:style>
+        <p:txBody>
+          <a:bodyPr rtlCol="0" anchor="ctr"/>
+          <a:lstStyle/>
+          <a:p>
+            <a:pPr algn="ctr"/>
+            <a:endParaRPr lang="en-US"/>
+          </a:p>
+        </p:txBody>
+      </p:sp>
+      <p:sp>
+        <p:nvSpPr>
+          <p:cNvPr id="12" name="Rectangle: Rounded Corners 11">
+            <a:extLst>
+              <a:ext uri="{FF2B5EF4-FFF2-40B4-BE49-F238E27FC236}">
+                <a16:creationId xmlns:a16="http://schemas.microsoft.com/office/drawing/2014/main" id="{F7A70FCE-8355-CB89-6079-A745ADF186E3}"/>
+              </a:ext>
+            </a:extLst>
+          </p:cNvPr>
+          <p:cNvSpPr/>
+          <p:nvPr/>
+        </p:nvSpPr>
+        <p:spPr>
+          <a:xfrm>
+            <a:off x="2180189" y="3915221"/>
+            <a:ext cx="1455502" cy="716734"/>
+          </a:xfrm>
+          <a:prstGeom prst="roundRect">
+            <a:avLst/>
+          </a:prstGeom>
+          <a:ln>
+            <a:solidFill>
+              <a:schemeClr val="tx1"/>
+            </a:solidFill>
+          </a:ln>
+        </p:spPr>
+        <p:style>
+          <a:lnRef idx="2">
+            <a:schemeClr val="accent1">
+              <a:shade val="50000"/>
+            </a:schemeClr>
+          </a:lnRef>
+          <a:fillRef idx="1">
+            <a:schemeClr val="accent1"/>
+          </a:fillRef>
+          <a:effectRef idx="0">
+            <a:schemeClr val="accent1"/>
+          </a:effectRef>
+          <a:fontRef idx="minor">
+            <a:schemeClr val="lt1"/>
+          </a:fontRef>
+        </p:style>
+        <p:txBody>
+          <a:bodyPr rtlCol="0" anchor="ctr"/>
+          <a:lstStyle/>
+          <a:p>
+            <a:pPr algn="ctr"/>
+            <a:endParaRPr lang="en-US"/>
+          </a:p>
+        </p:txBody>
+      </p:sp>
+      <p:sp>
+        <p:nvSpPr>
+          <p:cNvPr id="13" name="Rectangle: Rounded Corners 12">
+            <a:extLst>
+              <a:ext uri="{FF2B5EF4-FFF2-40B4-BE49-F238E27FC236}">
+                <a16:creationId xmlns:a16="http://schemas.microsoft.com/office/drawing/2014/main" id="{59074C25-2B69-08F3-9836-20AF50CA4EDF}"/>
+              </a:ext>
+            </a:extLst>
+          </p:cNvPr>
+          <p:cNvSpPr/>
+          <p:nvPr/>
+        </p:nvSpPr>
+        <p:spPr>
+          <a:xfrm>
+            <a:off x="2179020" y="4878434"/>
+            <a:ext cx="1455502" cy="716734"/>
+          </a:xfrm>
+          <a:prstGeom prst="roundRect">
+            <a:avLst/>
+          </a:prstGeom>
+          <a:ln>
+            <a:solidFill>
+              <a:schemeClr val="tx1"/>
+            </a:solidFill>
+          </a:ln>
+        </p:spPr>
+        <p:style>
+          <a:lnRef idx="2">
+            <a:schemeClr val="accent1">
+              <a:shade val="50000"/>
+            </a:schemeClr>
+          </a:lnRef>
+          <a:fillRef idx="1">
+            <a:schemeClr val="accent1"/>
+          </a:fillRef>
+          <a:effectRef idx="0">
+            <a:schemeClr val="accent1"/>
+          </a:effectRef>
+          <a:fontRef idx="minor">
+            <a:schemeClr val="lt1"/>
+          </a:fontRef>
+        </p:style>
+        <p:txBody>
+          <a:bodyPr rtlCol="0" anchor="ctr"/>
+          <a:lstStyle/>
+          <a:p>
+            <a:pPr algn="ctr"/>
+            <a:endParaRPr lang="en-US"/>
+          </a:p>
+        </p:txBody>
+      </p:sp>
+      <p:sp>
+        <p:nvSpPr>
+          <p:cNvPr id="14" name="Rectangle: Rounded Corners 13">
+            <a:extLst>
+              <a:ext uri="{FF2B5EF4-FFF2-40B4-BE49-F238E27FC236}">
+                <a16:creationId xmlns:a16="http://schemas.microsoft.com/office/drawing/2014/main" id="{9C021A27-77F4-5CF4-8869-0885B8238F8C}"/>
+              </a:ext>
+            </a:extLst>
+          </p:cNvPr>
+          <p:cNvSpPr/>
+          <p:nvPr/>
+        </p:nvSpPr>
+        <p:spPr>
+          <a:xfrm>
+            <a:off x="2179020" y="948226"/>
+            <a:ext cx="1455502" cy="716734"/>
+          </a:xfrm>
+          <a:prstGeom prst="roundRect">
+            <a:avLst/>
+          </a:prstGeom>
+          <a:ln>
+            <a:solidFill>
+              <a:schemeClr val="tx1"/>
+            </a:solidFill>
+          </a:ln>
+        </p:spPr>
+        <p:style>
+          <a:lnRef idx="2">
+            <a:schemeClr val="accent1">
+              <a:shade val="50000"/>
+            </a:schemeClr>
+          </a:lnRef>
+          <a:fillRef idx="1">
+            <a:schemeClr val="accent1"/>
+          </a:fillRef>
+          <a:effectRef idx="0">
+            <a:schemeClr val="accent1"/>
+          </a:effectRef>
+          <a:fontRef idx="minor">
+            <a:schemeClr val="lt1"/>
+          </a:fontRef>
+        </p:style>
+        <p:txBody>
+          <a:bodyPr rtlCol="0" anchor="ctr"/>
+          <a:lstStyle/>
+          <a:p>
+            <a:pPr algn="ctr"/>
+            <a:endParaRPr lang="en-US"/>
+          </a:p>
+        </p:txBody>
+      </p:sp>
+      <p:sp>
+        <p:nvSpPr>
+          <p:cNvPr id="15" name="TextBox 14">
+            <a:extLst>
+              <a:ext uri="{FF2B5EF4-FFF2-40B4-BE49-F238E27FC236}">
+                <a16:creationId xmlns:a16="http://schemas.microsoft.com/office/drawing/2014/main" id="{3696087B-49F0-8CF4-5E90-84010D863FE5}"/>
+              </a:ext>
+            </a:extLst>
+          </p:cNvPr>
+          <p:cNvSpPr txBox="1"/>
+          <p:nvPr/>
+        </p:nvSpPr>
+        <p:spPr>
+          <a:xfrm>
+            <a:off x="4179813" y="284361"/>
+            <a:ext cx="1753299" cy="461665"/>
+          </a:xfrm>
+          <a:prstGeom prst="rect">
+            <a:avLst/>
+          </a:prstGeom>
+          <a:noFill/>
+        </p:spPr>
+        <p:txBody>
+          <a:bodyPr wrap="square" rtlCol="0">
+            <a:spAutoFit/>
+          </a:bodyPr>
+          <a:lstStyle/>
+          <a:p>
+            <a:r>
+              <a:rPr lang="en-US" sz="2400" b="1" u="sng" dirty="0"/>
+              <a:t>Current City</a:t>
+            </a:r>
+          </a:p>
+        </p:txBody>
+      </p:sp>
+      <p:sp>
+        <p:nvSpPr>
+          <p:cNvPr id="16" name="Rectangle 15">
+            <a:extLst>
+              <a:ext uri="{FF2B5EF4-FFF2-40B4-BE49-F238E27FC236}">
+                <a16:creationId xmlns:a16="http://schemas.microsoft.com/office/drawing/2014/main" id="{9E6B0A4E-CED7-9D1F-0BB7-800BC637D15E}"/>
+              </a:ext>
+            </a:extLst>
+          </p:cNvPr>
+          <p:cNvSpPr/>
+          <p:nvPr/>
+        </p:nvSpPr>
+        <p:spPr>
+          <a:xfrm>
+            <a:off x="2525085" y="128880"/>
+            <a:ext cx="1560353" cy="718799"/>
+          </a:xfrm>
+          <a:prstGeom prst="rect">
+            <a:avLst/>
+          </a:prstGeom>
+        </p:spPr>
+        <p:style>
+          <a:lnRef idx="2">
+            <a:schemeClr val="accent1">
+              <a:shade val="50000"/>
+            </a:schemeClr>
+          </a:lnRef>
+          <a:fillRef idx="1">
+            <a:schemeClr val="accent1"/>
+          </a:fillRef>
+          <a:effectRef idx="0">
+            <a:schemeClr val="accent1"/>
+          </a:effectRef>
+          <a:fontRef idx="minor">
+            <a:schemeClr val="lt1"/>
+          </a:fontRef>
+        </p:style>
+        <p:txBody>
+          <a:bodyPr rtlCol="0" anchor="ctr"/>
+          <a:lstStyle/>
+          <a:p>
+            <a:pPr algn="ctr"/>
+            <a:endParaRPr lang="en-US"/>
+          </a:p>
+        </p:txBody>
+      </p:sp>
+      <p:sp>
+        <p:nvSpPr>
+          <p:cNvPr id="17" name="TextBox 16">
+            <a:extLst>
+              <a:ext uri="{FF2B5EF4-FFF2-40B4-BE49-F238E27FC236}">
+                <a16:creationId xmlns:a16="http://schemas.microsoft.com/office/drawing/2014/main" id="{EF75E7EC-E5E1-B091-38FA-6C2E0D976540}"/>
+              </a:ext>
+            </a:extLst>
+          </p:cNvPr>
+          <p:cNvSpPr txBox="1"/>
+          <p:nvPr/>
+        </p:nvSpPr>
+        <p:spPr>
+          <a:xfrm>
+            <a:off x="2730616" y="91900"/>
+            <a:ext cx="1132514" cy="738664"/>
+          </a:xfrm>
+          <a:prstGeom prst="rect">
+            <a:avLst/>
+          </a:prstGeom>
+          <a:noFill/>
+        </p:spPr>
+        <p:txBody>
+          <a:bodyPr wrap="square" rtlCol="0">
+            <a:spAutoFit/>
+          </a:bodyPr>
+          <a:lstStyle/>
+          <a:p>
+            <a:r>
+              <a:rPr lang="en-US" sz="1400" dirty="0">
+                <a:solidFill>
+                  <a:schemeClr val="bg1"/>
+                </a:solidFill>
+              </a:rPr>
+              <a:t>Local Time, Clouds, and Temp</a:t>
+            </a:r>
+          </a:p>
+        </p:txBody>
+      </p:sp>
+      <p:sp>
+        <p:nvSpPr>
+          <p:cNvPr id="18" name="Rectangle 17">
+            <a:extLst>
+              <a:ext uri="{FF2B5EF4-FFF2-40B4-BE49-F238E27FC236}">
+                <a16:creationId xmlns:a16="http://schemas.microsoft.com/office/drawing/2014/main" id="{210D32A1-8FD5-90EF-B367-CCAC0492235F}"/>
+              </a:ext>
+            </a:extLst>
+          </p:cNvPr>
+          <p:cNvSpPr/>
+          <p:nvPr/>
+        </p:nvSpPr>
+        <p:spPr>
+          <a:xfrm>
+            <a:off x="4731391" y="924317"/>
+            <a:ext cx="3504232" cy="1711354"/>
+          </a:xfrm>
+          <a:prstGeom prst="rect">
+            <a:avLst/>
+          </a:prstGeom>
+        </p:spPr>
+        <p:style>
+          <a:lnRef idx="2">
+            <a:schemeClr val="accent1">
+              <a:shade val="50000"/>
+            </a:schemeClr>
+          </a:lnRef>
+          <a:fillRef idx="1">
+            <a:schemeClr val="accent1"/>
+          </a:fillRef>
+          <a:effectRef idx="0">
+            <a:schemeClr val="accent1"/>
+          </a:effectRef>
+          <a:fontRef idx="minor">
+            <a:schemeClr val="lt1"/>
+          </a:fontRef>
+        </p:style>
+        <p:txBody>
+          <a:bodyPr rtlCol="0" anchor="ctr"/>
+          <a:lstStyle/>
+          <a:p>
+            <a:pPr algn="ctr"/>
+            <a:endParaRPr lang="en-US"/>
+          </a:p>
+        </p:txBody>
+      </p:sp>
+      <p:sp>
+        <p:nvSpPr>
+          <p:cNvPr id="19" name="TextBox 18">
+            <a:extLst>
+              <a:ext uri="{FF2B5EF4-FFF2-40B4-BE49-F238E27FC236}">
+                <a16:creationId xmlns:a16="http://schemas.microsoft.com/office/drawing/2014/main" id="{2CE7483E-566E-F821-3FA9-B608324AF53E}"/>
+              </a:ext>
+            </a:extLst>
+          </p:cNvPr>
+          <p:cNvSpPr txBox="1"/>
+          <p:nvPr/>
+        </p:nvSpPr>
+        <p:spPr>
+          <a:xfrm>
+            <a:off x="6100308" y="1468623"/>
+            <a:ext cx="888701" cy="646331"/>
           </a:xfrm>
           <a:prstGeom prst="rect">
             <a:avLst/>
@@ -5798,7 +8653,1069 @@
                   <a:schemeClr val="bg1"/>
                 </a:solidFill>
               </a:rPr>
-              <a:t>City Pic 3</a:t>
+              <a:t>Skyline Image</a:t>
+            </a:r>
+          </a:p>
+        </p:txBody>
+      </p:sp>
+      <p:sp>
+        <p:nvSpPr>
+          <p:cNvPr id="20" name="Rectangle 19">
+            <a:extLst>
+              <a:ext uri="{FF2B5EF4-FFF2-40B4-BE49-F238E27FC236}">
+                <a16:creationId xmlns:a16="http://schemas.microsoft.com/office/drawing/2014/main" id="{01984E27-5645-FF62-0A33-91BBD6DB94D2}"/>
+              </a:ext>
+            </a:extLst>
+          </p:cNvPr>
+          <p:cNvSpPr/>
+          <p:nvPr/>
+        </p:nvSpPr>
+        <p:spPr>
+          <a:xfrm>
+            <a:off x="4731391" y="2651586"/>
+            <a:ext cx="3504232" cy="628510"/>
+          </a:xfrm>
+          <a:prstGeom prst="rect">
+            <a:avLst/>
+          </a:prstGeom>
+          <a:solidFill>
+            <a:schemeClr val="bg1"/>
+          </a:solidFill>
+          <a:ln>
+            <a:solidFill>
+              <a:schemeClr val="tx1"/>
+            </a:solidFill>
+          </a:ln>
+        </p:spPr>
+        <p:style>
+          <a:lnRef idx="2">
+            <a:schemeClr val="accent1">
+              <a:shade val="50000"/>
+            </a:schemeClr>
+          </a:lnRef>
+          <a:fillRef idx="1">
+            <a:schemeClr val="accent1"/>
+          </a:fillRef>
+          <a:effectRef idx="0">
+            <a:schemeClr val="accent1"/>
+          </a:effectRef>
+          <a:fontRef idx="minor">
+            <a:schemeClr val="lt1"/>
+          </a:fontRef>
+        </p:style>
+        <p:txBody>
+          <a:bodyPr rtlCol="0" anchor="ctr"/>
+          <a:lstStyle/>
+          <a:p>
+            <a:pPr algn="ctr"/>
+            <a:endParaRPr lang="en-US"/>
+          </a:p>
+        </p:txBody>
+      </p:sp>
+      <p:sp>
+        <p:nvSpPr>
+          <p:cNvPr id="21" name="TextBox 20">
+            <a:extLst>
+              <a:ext uri="{FF2B5EF4-FFF2-40B4-BE49-F238E27FC236}">
+                <a16:creationId xmlns:a16="http://schemas.microsoft.com/office/drawing/2014/main" id="{2B6FE995-D706-4106-CA56-11E42186333E}"/>
+              </a:ext>
+            </a:extLst>
+          </p:cNvPr>
+          <p:cNvSpPr txBox="1"/>
+          <p:nvPr/>
+        </p:nvSpPr>
+        <p:spPr>
+          <a:xfrm>
+            <a:off x="5828284" y="2760623"/>
+            <a:ext cx="2566729" cy="369332"/>
+          </a:xfrm>
+          <a:prstGeom prst="rect">
+            <a:avLst/>
+          </a:prstGeom>
+          <a:noFill/>
+        </p:spPr>
+        <p:txBody>
+          <a:bodyPr wrap="square" rtlCol="0">
+            <a:spAutoFit/>
+          </a:bodyPr>
+          <a:lstStyle/>
+          <a:p>
+            <a:r>
+              <a:rPr lang="en-US" dirty="0"/>
+              <a:t>Info Text</a:t>
+            </a:r>
+          </a:p>
+        </p:txBody>
+      </p:sp>
+      <p:sp>
+        <p:nvSpPr>
+          <p:cNvPr id="22" name="Rectangle 21">
+            <a:extLst>
+              <a:ext uri="{FF2B5EF4-FFF2-40B4-BE49-F238E27FC236}">
+                <a16:creationId xmlns:a16="http://schemas.microsoft.com/office/drawing/2014/main" id="{7EBB3BF2-92F5-A1D1-390A-678BB1CB9970}"/>
+              </a:ext>
+            </a:extLst>
+          </p:cNvPr>
+          <p:cNvSpPr/>
+          <p:nvPr/>
+        </p:nvSpPr>
+        <p:spPr>
+          <a:xfrm>
+            <a:off x="4179813" y="3405048"/>
+            <a:ext cx="1612776" cy="1204966"/>
+          </a:xfrm>
+          <a:prstGeom prst="rect">
+            <a:avLst/>
+          </a:prstGeom>
+        </p:spPr>
+        <p:style>
+          <a:lnRef idx="2">
+            <a:schemeClr val="accent1">
+              <a:shade val="50000"/>
+            </a:schemeClr>
+          </a:lnRef>
+          <a:fillRef idx="1">
+            <a:schemeClr val="accent1"/>
+          </a:fillRef>
+          <a:effectRef idx="0">
+            <a:schemeClr val="accent1"/>
+          </a:effectRef>
+          <a:fontRef idx="minor">
+            <a:schemeClr val="lt1"/>
+          </a:fontRef>
+        </p:style>
+        <p:txBody>
+          <a:bodyPr rtlCol="0" anchor="ctr"/>
+          <a:lstStyle/>
+          <a:p>
+            <a:pPr algn="ctr"/>
+            <a:endParaRPr lang="en-US"/>
+          </a:p>
+        </p:txBody>
+      </p:sp>
+      <p:sp>
+        <p:nvSpPr>
+          <p:cNvPr id="23" name="TextBox 22">
+            <a:extLst>
+              <a:ext uri="{FF2B5EF4-FFF2-40B4-BE49-F238E27FC236}">
+                <a16:creationId xmlns:a16="http://schemas.microsoft.com/office/drawing/2014/main" id="{BA121359-AAFC-EEAA-A379-50AE6AD19F58}"/>
+              </a:ext>
+            </a:extLst>
+          </p:cNvPr>
+          <p:cNvSpPr txBox="1"/>
+          <p:nvPr/>
+        </p:nvSpPr>
+        <p:spPr>
+          <a:xfrm>
+            <a:off x="4271982" y="3627257"/>
+            <a:ext cx="1568959" cy="646331"/>
+          </a:xfrm>
+          <a:prstGeom prst="rect">
+            <a:avLst/>
+          </a:prstGeom>
+          <a:noFill/>
+        </p:spPr>
+        <p:txBody>
+          <a:bodyPr wrap="square" rtlCol="0">
+            <a:spAutoFit/>
+          </a:bodyPr>
+          <a:lstStyle/>
+          <a:p>
+            <a:r>
+              <a:rPr lang="en-US" dirty="0">
+                <a:solidFill>
+                  <a:schemeClr val="bg1"/>
+                </a:solidFill>
+              </a:rPr>
+              <a:t>Neighborhood Image</a:t>
+            </a:r>
+          </a:p>
+        </p:txBody>
+      </p:sp>
+      <p:sp>
+        <p:nvSpPr>
+          <p:cNvPr id="24" name="Rectangle 23">
+            <a:extLst>
+              <a:ext uri="{FF2B5EF4-FFF2-40B4-BE49-F238E27FC236}">
+                <a16:creationId xmlns:a16="http://schemas.microsoft.com/office/drawing/2014/main" id="{3CA4D140-453C-2F58-EBA6-64D5367506FE}"/>
+              </a:ext>
+            </a:extLst>
+          </p:cNvPr>
+          <p:cNvSpPr/>
+          <p:nvPr/>
+        </p:nvSpPr>
+        <p:spPr>
+          <a:xfrm>
+            <a:off x="4179812" y="4610014"/>
+            <a:ext cx="1612775" cy="1711354"/>
+          </a:xfrm>
+          <a:prstGeom prst="rect">
+            <a:avLst/>
+          </a:prstGeom>
+          <a:solidFill>
+            <a:schemeClr val="bg1"/>
+          </a:solidFill>
+          <a:ln>
+            <a:solidFill>
+              <a:schemeClr val="tx1"/>
+            </a:solidFill>
+          </a:ln>
+        </p:spPr>
+        <p:style>
+          <a:lnRef idx="2">
+            <a:schemeClr val="accent1">
+              <a:shade val="50000"/>
+            </a:schemeClr>
+          </a:lnRef>
+          <a:fillRef idx="1">
+            <a:schemeClr val="accent1"/>
+          </a:fillRef>
+          <a:effectRef idx="0">
+            <a:schemeClr val="accent1"/>
+          </a:effectRef>
+          <a:fontRef idx="minor">
+            <a:schemeClr val="lt1"/>
+          </a:fontRef>
+        </p:style>
+        <p:txBody>
+          <a:bodyPr rtlCol="0" anchor="ctr"/>
+          <a:lstStyle/>
+          <a:p>
+            <a:pPr algn="ctr"/>
+            <a:endParaRPr lang="en-US"/>
+          </a:p>
+        </p:txBody>
+      </p:sp>
+      <p:sp>
+        <p:nvSpPr>
+          <p:cNvPr id="25" name="TextBox 24">
+            <a:extLst>
+              <a:ext uri="{FF2B5EF4-FFF2-40B4-BE49-F238E27FC236}">
+                <a16:creationId xmlns:a16="http://schemas.microsoft.com/office/drawing/2014/main" id="{1155919D-13C9-ABE9-9CAE-7F387D8457F9}"/>
+              </a:ext>
+            </a:extLst>
+          </p:cNvPr>
+          <p:cNvSpPr txBox="1"/>
+          <p:nvPr/>
+        </p:nvSpPr>
+        <p:spPr>
+          <a:xfrm>
+            <a:off x="4500175" y="4937277"/>
+            <a:ext cx="2550345" cy="369332"/>
+          </a:xfrm>
+          <a:prstGeom prst="rect">
+            <a:avLst/>
+          </a:prstGeom>
+          <a:noFill/>
+        </p:spPr>
+        <p:txBody>
+          <a:bodyPr wrap="square" rtlCol="0">
+            <a:spAutoFit/>
+          </a:bodyPr>
+          <a:lstStyle/>
+          <a:p>
+            <a:r>
+              <a:rPr lang="en-US" dirty="0"/>
+              <a:t>Info Text</a:t>
+            </a:r>
+          </a:p>
+        </p:txBody>
+      </p:sp>
+      <p:sp>
+        <p:nvSpPr>
+          <p:cNvPr id="26" name="Rectangle 25">
+            <a:extLst>
+              <a:ext uri="{FF2B5EF4-FFF2-40B4-BE49-F238E27FC236}">
+                <a16:creationId xmlns:a16="http://schemas.microsoft.com/office/drawing/2014/main" id="{C64AADA3-DE07-89F1-EBC5-F7BBCD71478D}"/>
+              </a:ext>
+            </a:extLst>
+          </p:cNvPr>
+          <p:cNvSpPr/>
+          <p:nvPr/>
+        </p:nvSpPr>
+        <p:spPr>
+          <a:xfrm>
+            <a:off x="6132945" y="3410341"/>
+            <a:ext cx="1612775" cy="1711354"/>
+          </a:xfrm>
+          <a:prstGeom prst="rect">
+            <a:avLst/>
+          </a:prstGeom>
+        </p:spPr>
+        <p:style>
+          <a:lnRef idx="2">
+            <a:schemeClr val="accent1">
+              <a:shade val="50000"/>
+            </a:schemeClr>
+          </a:lnRef>
+          <a:fillRef idx="1">
+            <a:schemeClr val="accent1"/>
+          </a:fillRef>
+          <a:effectRef idx="0">
+            <a:schemeClr val="accent1"/>
+          </a:effectRef>
+          <a:fontRef idx="minor">
+            <a:schemeClr val="lt1"/>
+          </a:fontRef>
+        </p:style>
+        <p:txBody>
+          <a:bodyPr rtlCol="0" anchor="ctr"/>
+          <a:lstStyle/>
+          <a:p>
+            <a:pPr algn="ctr"/>
+            <a:endParaRPr lang="en-US"/>
+          </a:p>
+        </p:txBody>
+      </p:sp>
+      <p:sp>
+        <p:nvSpPr>
+          <p:cNvPr id="27" name="TextBox 26">
+            <a:extLst>
+              <a:ext uri="{FF2B5EF4-FFF2-40B4-BE49-F238E27FC236}">
+                <a16:creationId xmlns:a16="http://schemas.microsoft.com/office/drawing/2014/main" id="{8391FD29-F8E4-066C-D4EB-E7C25DB81D1C}"/>
+              </a:ext>
+            </a:extLst>
+          </p:cNvPr>
+          <p:cNvSpPr txBox="1"/>
+          <p:nvPr/>
+        </p:nvSpPr>
+        <p:spPr>
+          <a:xfrm>
+            <a:off x="6420845" y="3611348"/>
+            <a:ext cx="1381605" cy="646331"/>
+          </a:xfrm>
+          <a:prstGeom prst="rect">
+            <a:avLst/>
+          </a:prstGeom>
+          <a:noFill/>
+        </p:spPr>
+        <p:txBody>
+          <a:bodyPr wrap="square" rtlCol="0">
+            <a:spAutoFit/>
+          </a:bodyPr>
+          <a:lstStyle/>
+          <a:p>
+            <a:r>
+              <a:rPr lang="en-US" dirty="0">
+                <a:solidFill>
+                  <a:schemeClr val="bg1"/>
+                </a:solidFill>
+              </a:rPr>
+              <a:t>Industry Image</a:t>
+            </a:r>
+          </a:p>
+        </p:txBody>
+      </p:sp>
+      <p:sp>
+        <p:nvSpPr>
+          <p:cNvPr id="28" name="Rectangle 27">
+            <a:extLst>
+              <a:ext uri="{FF2B5EF4-FFF2-40B4-BE49-F238E27FC236}">
+                <a16:creationId xmlns:a16="http://schemas.microsoft.com/office/drawing/2014/main" id="{1D715C5A-E778-B55C-5193-EE2FA774F5DB}"/>
+              </a:ext>
+            </a:extLst>
+          </p:cNvPr>
+          <p:cNvSpPr/>
+          <p:nvPr/>
+        </p:nvSpPr>
+        <p:spPr>
+          <a:xfrm>
+            <a:off x="6132945" y="4610014"/>
+            <a:ext cx="1612775" cy="1711354"/>
+          </a:xfrm>
+          <a:prstGeom prst="rect">
+            <a:avLst/>
+          </a:prstGeom>
+          <a:solidFill>
+            <a:schemeClr val="bg1"/>
+          </a:solidFill>
+          <a:ln>
+            <a:solidFill>
+              <a:schemeClr val="tx1"/>
+            </a:solidFill>
+          </a:ln>
+        </p:spPr>
+        <p:style>
+          <a:lnRef idx="2">
+            <a:schemeClr val="accent1">
+              <a:shade val="50000"/>
+            </a:schemeClr>
+          </a:lnRef>
+          <a:fillRef idx="1">
+            <a:schemeClr val="accent1"/>
+          </a:fillRef>
+          <a:effectRef idx="0">
+            <a:schemeClr val="accent1"/>
+          </a:effectRef>
+          <a:fontRef idx="minor">
+            <a:schemeClr val="lt1"/>
+          </a:fontRef>
+        </p:style>
+        <p:txBody>
+          <a:bodyPr rtlCol="0" anchor="ctr"/>
+          <a:lstStyle/>
+          <a:p>
+            <a:pPr algn="ctr"/>
+            <a:endParaRPr lang="en-US"/>
+          </a:p>
+        </p:txBody>
+      </p:sp>
+      <p:sp>
+        <p:nvSpPr>
+          <p:cNvPr id="29" name="TextBox 28">
+            <a:extLst>
+              <a:ext uri="{FF2B5EF4-FFF2-40B4-BE49-F238E27FC236}">
+                <a16:creationId xmlns:a16="http://schemas.microsoft.com/office/drawing/2014/main" id="{571BDB59-1314-A537-A945-ECAF9A5F228C}"/>
+              </a:ext>
+            </a:extLst>
+          </p:cNvPr>
+          <p:cNvSpPr txBox="1"/>
+          <p:nvPr/>
+        </p:nvSpPr>
+        <p:spPr>
+          <a:xfrm>
+            <a:off x="6326206" y="4995617"/>
+            <a:ext cx="2579459" cy="369332"/>
+          </a:xfrm>
+          <a:prstGeom prst="rect">
+            <a:avLst/>
+          </a:prstGeom>
+          <a:noFill/>
+        </p:spPr>
+        <p:txBody>
+          <a:bodyPr wrap="square" rtlCol="0">
+            <a:spAutoFit/>
+          </a:bodyPr>
+          <a:lstStyle/>
+          <a:p>
+            <a:r>
+              <a:rPr lang="en-US" dirty="0"/>
+              <a:t>Info Text</a:t>
+            </a:r>
+          </a:p>
+        </p:txBody>
+      </p:sp>
+      <p:sp>
+        <p:nvSpPr>
+          <p:cNvPr id="30" name="Rectangle 29">
+            <a:extLst>
+              <a:ext uri="{FF2B5EF4-FFF2-40B4-BE49-F238E27FC236}">
+                <a16:creationId xmlns:a16="http://schemas.microsoft.com/office/drawing/2014/main" id="{918A49D6-3846-2D31-7AEE-D748AE56C33D}"/>
+              </a:ext>
+            </a:extLst>
+          </p:cNvPr>
+          <p:cNvSpPr/>
+          <p:nvPr/>
+        </p:nvSpPr>
+        <p:spPr>
+          <a:xfrm>
+            <a:off x="8171580" y="3405048"/>
+            <a:ext cx="1681722" cy="1204966"/>
+          </a:xfrm>
+          <a:prstGeom prst="rect">
+            <a:avLst/>
+          </a:prstGeom>
+        </p:spPr>
+        <p:style>
+          <a:lnRef idx="2">
+            <a:schemeClr val="accent1">
+              <a:shade val="50000"/>
+            </a:schemeClr>
+          </a:lnRef>
+          <a:fillRef idx="1">
+            <a:schemeClr val="accent1"/>
+          </a:fillRef>
+          <a:effectRef idx="0">
+            <a:schemeClr val="accent1"/>
+          </a:effectRef>
+          <a:fontRef idx="minor">
+            <a:schemeClr val="lt1"/>
+          </a:fontRef>
+        </p:style>
+        <p:txBody>
+          <a:bodyPr rtlCol="0" anchor="ctr"/>
+          <a:lstStyle/>
+          <a:p>
+            <a:pPr algn="ctr"/>
+            <a:endParaRPr lang="en-US"/>
+          </a:p>
+        </p:txBody>
+      </p:sp>
+      <p:sp>
+        <p:nvSpPr>
+          <p:cNvPr id="31" name="TextBox 30">
+            <a:extLst>
+              <a:ext uri="{FF2B5EF4-FFF2-40B4-BE49-F238E27FC236}">
+                <a16:creationId xmlns:a16="http://schemas.microsoft.com/office/drawing/2014/main" id="{8CBC7A90-A891-A70C-32EA-8BFE07ABFF0F}"/>
+              </a:ext>
+            </a:extLst>
+          </p:cNvPr>
+          <p:cNvSpPr txBox="1"/>
+          <p:nvPr/>
+        </p:nvSpPr>
+        <p:spPr>
+          <a:xfrm>
+            <a:off x="8568090" y="3749430"/>
+            <a:ext cx="888701" cy="646331"/>
+          </a:xfrm>
+          <a:prstGeom prst="rect">
+            <a:avLst/>
+          </a:prstGeom>
+          <a:noFill/>
+        </p:spPr>
+        <p:txBody>
+          <a:bodyPr wrap="square" rtlCol="0">
+            <a:spAutoFit/>
+          </a:bodyPr>
+          <a:lstStyle/>
+          <a:p>
+            <a:r>
+              <a:rPr lang="en-US" dirty="0">
+                <a:solidFill>
+                  <a:schemeClr val="bg1"/>
+                </a:solidFill>
+              </a:rPr>
+              <a:t>Nature Image</a:t>
+            </a:r>
+          </a:p>
+        </p:txBody>
+      </p:sp>
+      <p:sp>
+        <p:nvSpPr>
+          <p:cNvPr id="32" name="Rectangle 31">
+            <a:extLst>
+              <a:ext uri="{FF2B5EF4-FFF2-40B4-BE49-F238E27FC236}">
+                <a16:creationId xmlns:a16="http://schemas.microsoft.com/office/drawing/2014/main" id="{A1A0B342-4B10-6E0E-F4A1-4297C5418CF2}"/>
+              </a:ext>
+            </a:extLst>
+          </p:cNvPr>
+          <p:cNvSpPr/>
+          <p:nvPr/>
+        </p:nvSpPr>
+        <p:spPr>
+          <a:xfrm>
+            <a:off x="8171581" y="4609567"/>
+            <a:ext cx="1681722" cy="1711354"/>
+          </a:xfrm>
+          <a:prstGeom prst="rect">
+            <a:avLst/>
+          </a:prstGeom>
+          <a:solidFill>
+            <a:schemeClr val="bg1"/>
+          </a:solidFill>
+          <a:ln>
+            <a:solidFill>
+              <a:schemeClr val="tx1"/>
+            </a:solidFill>
+          </a:ln>
+        </p:spPr>
+        <p:style>
+          <a:lnRef idx="2">
+            <a:schemeClr val="accent1">
+              <a:shade val="50000"/>
+            </a:schemeClr>
+          </a:lnRef>
+          <a:fillRef idx="1">
+            <a:schemeClr val="accent1"/>
+          </a:fillRef>
+          <a:effectRef idx="0">
+            <a:schemeClr val="accent1"/>
+          </a:effectRef>
+          <a:fontRef idx="minor">
+            <a:schemeClr val="lt1"/>
+          </a:fontRef>
+        </p:style>
+        <p:txBody>
+          <a:bodyPr rtlCol="0" anchor="ctr"/>
+          <a:lstStyle/>
+          <a:p>
+            <a:pPr algn="ctr"/>
+            <a:endParaRPr lang="en-US"/>
+          </a:p>
+        </p:txBody>
+      </p:sp>
+      <p:sp>
+        <p:nvSpPr>
+          <p:cNvPr id="33" name="TextBox 32">
+            <a:extLst>
+              <a:ext uri="{FF2B5EF4-FFF2-40B4-BE49-F238E27FC236}">
+                <a16:creationId xmlns:a16="http://schemas.microsoft.com/office/drawing/2014/main" id="{B3D8C4CD-108B-5EC5-3FAB-618B883219F7}"/>
+              </a:ext>
+            </a:extLst>
+          </p:cNvPr>
+          <p:cNvSpPr txBox="1"/>
+          <p:nvPr/>
+        </p:nvSpPr>
+        <p:spPr>
+          <a:xfrm>
+            <a:off x="8455904" y="5095912"/>
+            <a:ext cx="2557230" cy="369332"/>
+          </a:xfrm>
+          <a:prstGeom prst="rect">
+            <a:avLst/>
+          </a:prstGeom>
+          <a:noFill/>
+        </p:spPr>
+        <p:txBody>
+          <a:bodyPr wrap="square" rtlCol="0">
+            <a:spAutoFit/>
+          </a:bodyPr>
+          <a:lstStyle/>
+          <a:p>
+            <a:r>
+              <a:rPr lang="en-US" dirty="0"/>
+              <a:t>Info Text</a:t>
+            </a:r>
+          </a:p>
+        </p:txBody>
+      </p:sp>
+      <p:sp>
+        <p:nvSpPr>
+          <p:cNvPr id="34" name="Rectangle 33">
+            <a:extLst>
+              <a:ext uri="{FF2B5EF4-FFF2-40B4-BE49-F238E27FC236}">
+                <a16:creationId xmlns:a16="http://schemas.microsoft.com/office/drawing/2014/main" id="{9EF23226-4A0E-4AE1-4040-E0767A5946CF}"/>
+              </a:ext>
+            </a:extLst>
+          </p:cNvPr>
+          <p:cNvSpPr/>
+          <p:nvPr/>
+        </p:nvSpPr>
+        <p:spPr>
+          <a:xfrm>
+            <a:off x="2114712" y="5825088"/>
+            <a:ext cx="1970726" cy="926703"/>
+          </a:xfrm>
+          <a:prstGeom prst="rect">
+            <a:avLst/>
+          </a:prstGeom>
+        </p:spPr>
+        <p:style>
+          <a:lnRef idx="2">
+            <a:schemeClr val="accent1">
+              <a:shade val="50000"/>
+            </a:schemeClr>
+          </a:lnRef>
+          <a:fillRef idx="1">
+            <a:schemeClr val="accent1"/>
+          </a:fillRef>
+          <a:effectRef idx="0">
+            <a:schemeClr val="accent1"/>
+          </a:effectRef>
+          <a:fontRef idx="minor">
+            <a:schemeClr val="lt1"/>
+          </a:fontRef>
+        </p:style>
+        <p:txBody>
+          <a:bodyPr rtlCol="0" anchor="ctr"/>
+          <a:lstStyle/>
+          <a:p>
+            <a:pPr algn="ctr"/>
+            <a:endParaRPr lang="en-US"/>
+          </a:p>
+        </p:txBody>
+      </p:sp>
+      <p:sp>
+        <p:nvSpPr>
+          <p:cNvPr id="35" name="TextBox 34">
+            <a:extLst>
+              <a:ext uri="{FF2B5EF4-FFF2-40B4-BE49-F238E27FC236}">
+                <a16:creationId xmlns:a16="http://schemas.microsoft.com/office/drawing/2014/main" id="{9DCCCEC2-5CF0-1574-BF9A-2FFF281DCAAE}"/>
+              </a:ext>
+            </a:extLst>
+          </p:cNvPr>
+          <p:cNvSpPr txBox="1"/>
+          <p:nvPr/>
+        </p:nvSpPr>
+        <p:spPr>
+          <a:xfrm>
+            <a:off x="2338697" y="6054407"/>
+            <a:ext cx="1613691" cy="307777"/>
+          </a:xfrm>
+          <a:prstGeom prst="rect">
+            <a:avLst/>
+          </a:prstGeom>
+          <a:noFill/>
+        </p:spPr>
+        <p:txBody>
+          <a:bodyPr wrap="square" rtlCol="0">
+            <a:spAutoFit/>
+          </a:bodyPr>
+          <a:lstStyle/>
+          <a:p>
+            <a:r>
+              <a:rPr lang="en-US" sz="1400" dirty="0"/>
+              <a:t>Embedded Video</a:t>
+            </a:r>
+          </a:p>
+        </p:txBody>
+      </p:sp>
+      <p:sp>
+        <p:nvSpPr>
+          <p:cNvPr id="36" name="TextBox 35">
+            <a:extLst>
+              <a:ext uri="{FF2B5EF4-FFF2-40B4-BE49-F238E27FC236}">
+                <a16:creationId xmlns:a16="http://schemas.microsoft.com/office/drawing/2014/main" id="{E9F1FFE8-2C6B-2B4B-5A0C-A2093DF902BA}"/>
+              </a:ext>
+            </a:extLst>
+          </p:cNvPr>
+          <p:cNvSpPr txBox="1"/>
+          <p:nvPr/>
+        </p:nvSpPr>
+        <p:spPr>
+          <a:xfrm>
+            <a:off x="2338697" y="1076770"/>
+            <a:ext cx="1130896" cy="369332"/>
+          </a:xfrm>
+          <a:prstGeom prst="rect">
+            <a:avLst/>
+          </a:prstGeom>
+          <a:noFill/>
+        </p:spPr>
+        <p:txBody>
+          <a:bodyPr wrap="square" rtlCol="0">
+            <a:spAutoFit/>
+          </a:bodyPr>
+          <a:lstStyle/>
+          <a:p>
+            <a:r>
+              <a:rPr lang="en-US" dirty="0">
+                <a:solidFill>
+                  <a:schemeClr val="bg1"/>
+                </a:solidFill>
+              </a:rPr>
+              <a:t>Image</a:t>
+            </a:r>
+          </a:p>
+        </p:txBody>
+      </p:sp>
+      <p:sp>
+        <p:nvSpPr>
+          <p:cNvPr id="37" name="TextBox 36">
+            <a:extLst>
+              <a:ext uri="{FF2B5EF4-FFF2-40B4-BE49-F238E27FC236}">
+                <a16:creationId xmlns:a16="http://schemas.microsoft.com/office/drawing/2014/main" id="{787C87C1-B6C9-5F71-9C9B-B649EAFDC325}"/>
+              </a:ext>
+            </a:extLst>
+          </p:cNvPr>
+          <p:cNvSpPr txBox="1"/>
+          <p:nvPr/>
+        </p:nvSpPr>
+        <p:spPr>
+          <a:xfrm>
+            <a:off x="2338697" y="2934324"/>
+            <a:ext cx="1130896" cy="369332"/>
+          </a:xfrm>
+          <a:prstGeom prst="rect">
+            <a:avLst/>
+          </a:prstGeom>
+          <a:noFill/>
+        </p:spPr>
+        <p:txBody>
+          <a:bodyPr wrap="square" rtlCol="0">
+            <a:spAutoFit/>
+          </a:bodyPr>
+          <a:lstStyle/>
+          <a:p>
+            <a:r>
+              <a:rPr lang="en-US" dirty="0">
+                <a:solidFill>
+                  <a:schemeClr val="bg1"/>
+                </a:solidFill>
+              </a:rPr>
+              <a:t>Image</a:t>
+            </a:r>
+          </a:p>
+        </p:txBody>
+      </p:sp>
+      <p:sp>
+        <p:nvSpPr>
+          <p:cNvPr id="38" name="TextBox 37">
+            <a:extLst>
+              <a:ext uri="{FF2B5EF4-FFF2-40B4-BE49-F238E27FC236}">
+                <a16:creationId xmlns:a16="http://schemas.microsoft.com/office/drawing/2014/main" id="{F9A02A3D-A549-C5EF-4784-AB583749EDBA}"/>
+              </a:ext>
+            </a:extLst>
+          </p:cNvPr>
+          <p:cNvSpPr txBox="1"/>
+          <p:nvPr/>
+        </p:nvSpPr>
+        <p:spPr>
+          <a:xfrm>
+            <a:off x="2368796" y="4929718"/>
+            <a:ext cx="1130896" cy="369332"/>
+          </a:xfrm>
+          <a:prstGeom prst="rect">
+            <a:avLst/>
+          </a:prstGeom>
+          <a:noFill/>
+        </p:spPr>
+        <p:txBody>
+          <a:bodyPr wrap="square" rtlCol="0">
+            <a:spAutoFit/>
+          </a:bodyPr>
+          <a:lstStyle/>
+          <a:p>
+            <a:r>
+              <a:rPr lang="en-US" dirty="0">
+                <a:solidFill>
+                  <a:schemeClr val="bg1"/>
+                </a:solidFill>
+              </a:rPr>
+              <a:t>Image</a:t>
+            </a:r>
+          </a:p>
+        </p:txBody>
+      </p:sp>
+      <p:sp>
+        <p:nvSpPr>
+          <p:cNvPr id="39" name="TextBox 38">
+            <a:extLst>
+              <a:ext uri="{FF2B5EF4-FFF2-40B4-BE49-F238E27FC236}">
+                <a16:creationId xmlns:a16="http://schemas.microsoft.com/office/drawing/2014/main" id="{F237A503-5929-94B2-80C0-4F89C1E37842}"/>
+              </a:ext>
+            </a:extLst>
+          </p:cNvPr>
+          <p:cNvSpPr txBox="1"/>
+          <p:nvPr/>
+        </p:nvSpPr>
+        <p:spPr>
+          <a:xfrm>
+            <a:off x="2437385" y="3902644"/>
+            <a:ext cx="1130896" cy="369332"/>
+          </a:xfrm>
+          <a:prstGeom prst="rect">
+            <a:avLst/>
+          </a:prstGeom>
+          <a:noFill/>
+        </p:spPr>
+        <p:txBody>
+          <a:bodyPr wrap="square" rtlCol="0">
+            <a:spAutoFit/>
+          </a:bodyPr>
+          <a:lstStyle/>
+          <a:p>
+            <a:r>
+              <a:rPr lang="en-US" dirty="0">
+                <a:solidFill>
+                  <a:schemeClr val="bg1"/>
+                </a:solidFill>
+              </a:rPr>
+              <a:t>Image</a:t>
+            </a:r>
+          </a:p>
+        </p:txBody>
+      </p:sp>
+      <p:sp>
+        <p:nvSpPr>
+          <p:cNvPr id="40" name="TextBox 39">
+            <a:extLst>
+              <a:ext uri="{FF2B5EF4-FFF2-40B4-BE49-F238E27FC236}">
+                <a16:creationId xmlns:a16="http://schemas.microsoft.com/office/drawing/2014/main" id="{B5B1625F-DE2A-C635-4CFE-80FFAC88F462}"/>
+              </a:ext>
+            </a:extLst>
+          </p:cNvPr>
+          <p:cNvSpPr txBox="1"/>
+          <p:nvPr/>
+        </p:nvSpPr>
+        <p:spPr>
+          <a:xfrm>
+            <a:off x="2382849" y="1984744"/>
+            <a:ext cx="1130896" cy="369332"/>
+          </a:xfrm>
+          <a:prstGeom prst="rect">
+            <a:avLst/>
+          </a:prstGeom>
+          <a:noFill/>
+        </p:spPr>
+        <p:txBody>
+          <a:bodyPr wrap="square" rtlCol="0">
+            <a:spAutoFit/>
+          </a:bodyPr>
+          <a:lstStyle/>
+          <a:p>
+            <a:r>
+              <a:rPr lang="en-US" dirty="0">
+                <a:solidFill>
+                  <a:schemeClr val="bg1"/>
+                </a:solidFill>
+              </a:rPr>
+              <a:t>Image</a:t>
+            </a:r>
+          </a:p>
+        </p:txBody>
+      </p:sp>
+      <p:sp>
+        <p:nvSpPr>
+          <p:cNvPr id="41" name="TextBox 40">
+            <a:extLst>
+              <a:ext uri="{FF2B5EF4-FFF2-40B4-BE49-F238E27FC236}">
+                <a16:creationId xmlns:a16="http://schemas.microsoft.com/office/drawing/2014/main" id="{8D6E1612-C2D1-DF9A-A0E5-A2E3117BADDE}"/>
+              </a:ext>
+            </a:extLst>
+          </p:cNvPr>
+          <p:cNvSpPr txBox="1"/>
+          <p:nvPr/>
+        </p:nvSpPr>
+        <p:spPr>
+          <a:xfrm>
+            <a:off x="2437385" y="1658872"/>
+            <a:ext cx="1130896" cy="307777"/>
+          </a:xfrm>
+          <a:prstGeom prst="rect">
+            <a:avLst/>
+          </a:prstGeom>
+          <a:noFill/>
+        </p:spPr>
+        <p:txBody>
+          <a:bodyPr wrap="square" rtlCol="0">
+            <a:spAutoFit/>
+          </a:bodyPr>
+          <a:lstStyle/>
+          <a:p>
+            <a:r>
+              <a:rPr lang="en-US" sz="1400" dirty="0"/>
+              <a:t>Seattle</a:t>
+            </a:r>
+          </a:p>
+        </p:txBody>
+      </p:sp>
+      <p:sp>
+        <p:nvSpPr>
+          <p:cNvPr id="42" name="TextBox 41">
+            <a:extLst>
+              <a:ext uri="{FF2B5EF4-FFF2-40B4-BE49-F238E27FC236}">
+                <a16:creationId xmlns:a16="http://schemas.microsoft.com/office/drawing/2014/main" id="{5BB99EB8-076F-CCE9-5DDF-BFA4788045AE}"/>
+              </a:ext>
+            </a:extLst>
+          </p:cNvPr>
+          <p:cNvSpPr txBox="1"/>
+          <p:nvPr/>
+        </p:nvSpPr>
+        <p:spPr>
+          <a:xfrm>
+            <a:off x="2244323" y="5531620"/>
+            <a:ext cx="1371146" cy="307777"/>
+          </a:xfrm>
+          <a:prstGeom prst="rect">
+            <a:avLst/>
+          </a:prstGeom>
+          <a:noFill/>
+        </p:spPr>
+        <p:txBody>
+          <a:bodyPr wrap="square" rtlCol="0">
+            <a:spAutoFit/>
+          </a:bodyPr>
+          <a:lstStyle/>
+          <a:p>
+            <a:r>
+              <a:rPr lang="en-US" sz="1400" dirty="0"/>
+              <a:t>Dutch Harbor</a:t>
+            </a:r>
+          </a:p>
+        </p:txBody>
+      </p:sp>
+      <p:sp>
+        <p:nvSpPr>
+          <p:cNvPr id="43" name="TextBox 42">
+            <a:extLst>
+              <a:ext uri="{FF2B5EF4-FFF2-40B4-BE49-F238E27FC236}">
+                <a16:creationId xmlns:a16="http://schemas.microsoft.com/office/drawing/2014/main" id="{CDFFF703-603E-53DD-14BB-362C999F565E}"/>
+              </a:ext>
+            </a:extLst>
+          </p:cNvPr>
+          <p:cNvSpPr txBox="1"/>
+          <p:nvPr/>
+        </p:nvSpPr>
+        <p:spPr>
+          <a:xfrm>
+            <a:off x="2398573" y="4587583"/>
+            <a:ext cx="1520271" cy="307777"/>
+          </a:xfrm>
+          <a:prstGeom prst="rect">
+            <a:avLst/>
+          </a:prstGeom>
+          <a:noFill/>
+        </p:spPr>
+        <p:txBody>
+          <a:bodyPr wrap="square" rtlCol="0">
+            <a:spAutoFit/>
+          </a:bodyPr>
+          <a:lstStyle/>
+          <a:p>
+            <a:r>
+              <a:rPr lang="en-US" sz="1400" dirty="0"/>
+              <a:t>Laguna Beach</a:t>
+            </a:r>
+          </a:p>
+        </p:txBody>
+      </p:sp>
+      <p:sp>
+        <p:nvSpPr>
+          <p:cNvPr id="44" name="TextBox 43">
+            <a:extLst>
+              <a:ext uri="{FF2B5EF4-FFF2-40B4-BE49-F238E27FC236}">
+                <a16:creationId xmlns:a16="http://schemas.microsoft.com/office/drawing/2014/main" id="{32F0DAF2-4B73-8F34-BAA3-2AEA7069330B}"/>
+              </a:ext>
+            </a:extLst>
+          </p:cNvPr>
+          <p:cNvSpPr txBox="1"/>
+          <p:nvPr/>
+        </p:nvSpPr>
+        <p:spPr>
+          <a:xfrm>
+            <a:off x="2373261" y="3634562"/>
+            <a:ext cx="1130896" cy="307777"/>
+          </a:xfrm>
+          <a:prstGeom prst="rect">
+            <a:avLst/>
+          </a:prstGeom>
+          <a:noFill/>
+        </p:spPr>
+        <p:txBody>
+          <a:bodyPr wrap="square" rtlCol="0">
+            <a:spAutoFit/>
+          </a:bodyPr>
+          <a:lstStyle/>
+          <a:p>
+            <a:r>
+              <a:rPr lang="en-US" sz="1400" dirty="0"/>
+              <a:t>Copenhagen</a:t>
+            </a:r>
+          </a:p>
+        </p:txBody>
+      </p:sp>
+      <p:sp>
+        <p:nvSpPr>
+          <p:cNvPr id="45" name="TextBox 44">
+            <a:extLst>
+              <a:ext uri="{FF2B5EF4-FFF2-40B4-BE49-F238E27FC236}">
+                <a16:creationId xmlns:a16="http://schemas.microsoft.com/office/drawing/2014/main" id="{5F89FA22-832A-6742-5930-3C340D0B4B96}"/>
+              </a:ext>
+            </a:extLst>
+          </p:cNvPr>
+          <p:cNvSpPr txBox="1"/>
+          <p:nvPr/>
+        </p:nvSpPr>
+        <p:spPr>
+          <a:xfrm>
+            <a:off x="2417957" y="2627064"/>
+            <a:ext cx="1130896" cy="307777"/>
+          </a:xfrm>
+          <a:prstGeom prst="rect">
+            <a:avLst/>
+          </a:prstGeom>
+          <a:noFill/>
+        </p:spPr>
+        <p:txBody>
+          <a:bodyPr wrap="square" rtlCol="0">
+            <a:spAutoFit/>
+          </a:bodyPr>
+          <a:lstStyle/>
+          <a:p>
+            <a:r>
+              <a:rPr lang="en-US" sz="1400" dirty="0"/>
+              <a:t>Tempe</a:t>
             </a:r>
           </a:p>
         </p:txBody>
@@ -5806,7 +9723,7 @@
     </p:spTree>
     <p:extLst>
       <p:ext uri="{BB962C8B-B14F-4D97-AF65-F5344CB8AC3E}">
-        <p14:creationId xmlns:p14="http://schemas.microsoft.com/office/powerpoint/2010/main" val="1231642108"/>
+        <p14:creationId xmlns:p14="http://schemas.microsoft.com/office/powerpoint/2010/main" val="2524665562"/>
       </p:ext>
     </p:extLst>
   </p:cSld>
